--- a/Revue n2/Presentation du projet SFL2 (Maxime) Revue 2.pptx
+++ b/Revue n2/Presentation du projet SFL2 (Maxime) Revue 2.pptx
@@ -9,6 +9,20 @@
     <p:sldId id="257" r:id="rId3"/>
     <p:sldId id="258" r:id="rId4"/>
     <p:sldId id="259" r:id="rId5"/>
+    <p:sldId id="261" r:id="rId6"/>
+    <p:sldId id="260" r:id="rId7"/>
+    <p:sldId id="262" r:id="rId8"/>
+    <p:sldId id="263" r:id="rId9"/>
+    <p:sldId id="264" r:id="rId10"/>
+    <p:sldId id="265" r:id="rId11"/>
+    <p:sldId id="267" r:id="rId12"/>
+    <p:sldId id="266" r:id="rId13"/>
+    <p:sldId id="269" r:id="rId14"/>
+    <p:sldId id="268" r:id="rId15"/>
+    <p:sldId id="270" r:id="rId16"/>
+    <p:sldId id="271" r:id="rId17"/>
+    <p:sldId id="272" r:id="rId18"/>
+    <p:sldId id="273" r:id="rId19"/>
   </p:sldIdLst>
   <p:sldSz cx="12192000" cy="6858000"/>
   <p:notesSz cx="6858000" cy="9144000"/>
@@ -210,7 +224,7 @@
           <a:effectLst/>
           <a:extLst>
             <a:ext uri="{91240B29-F687-4f45-9708-019B960494DF}">
-              <a14:hiddenLine xmlns="" xmlns:a14="http://schemas.microsoft.com/office/drawing/2010/main" w="9525">
+              <a14:hiddenLine xmlns:a14="http://schemas.microsoft.com/office/drawing/2010/main" xmlns="" w="9525">
                 <a:solidFill>
                   <a:srgbClr val="000000"/>
                 </a:solidFill>
@@ -403,7 +417,7 @@
             <a:fld id="{08B9EBBA-996F-894A-B54A-D6246ED52CEA}" type="datetimeFigureOut">
               <a:rPr lang="en-US" dirty="0"/>
               <a:pPr/>
-              <a:t>1/18/2019</a:t>
+              <a:t>2/6/2019</a:t>
             </a:fld>
             <a:endParaRPr lang="en-US" dirty="0"/>
           </a:p>
@@ -718,7 +732,7 @@
             <a:fld id="{18C79C5D-2A6F-F04D-97DA-BEF2467B64E4}" type="datetimeFigureOut">
               <a:rPr lang="en-US" dirty="0"/>
               <a:pPr/>
-              <a:t>1/18/2019</a:t>
+              <a:t>2/6/2019</a:t>
             </a:fld>
             <a:endParaRPr lang="en-US" dirty="0"/>
           </a:p>
@@ -1203,7 +1217,7 @@
             <a:fld id="{8DFA1846-DA80-1C48-A609-854EA85C59AD}" type="datetimeFigureOut">
               <a:rPr lang="en-US" dirty="0"/>
               <a:pPr/>
-              <a:t>1/18/2019</a:t>
+              <a:t>2/6/2019</a:t>
             </a:fld>
             <a:endParaRPr lang="en-US" dirty="0"/>
           </a:p>
@@ -1569,7 +1583,7 @@
             <a:fld id="{FBF54567-0DE4-3F47-BF90-CB84690072F9}" type="datetimeFigureOut">
               <a:rPr lang="en-US" dirty="0"/>
               <a:pPr/>
-              <a:t>1/18/2019</a:t>
+              <a:t>2/6/2019</a:t>
             </a:fld>
             <a:endParaRPr lang="en-US" dirty="0"/>
           </a:p>
@@ -1720,7 +1734,7 @@
           <a:ln/>
           <a:extLst>
             <a:ext uri="{91240B29-F687-4f45-9708-019B960494DF}">
-              <a14:hiddenLine xmlns="" xmlns:a14="http://schemas.microsoft.com/office/drawing/2010/main" w="9525">
+              <a14:hiddenLine xmlns:a14="http://schemas.microsoft.com/office/drawing/2010/main" xmlns="" w="9525">
                 <a:solidFill>
                   <a:srgbClr val="000000"/>
                 </a:solidFill>
@@ -1839,7 +1853,7 @@
             <a:fld id="{C6C52C72-DE31-F449-A4ED-4C594FD91407}" type="datetimeFigureOut">
               <a:rPr lang="en-US" dirty="0"/>
               <a:pPr/>
-              <a:t>1/18/2019</a:t>
+              <a:t>2/6/2019</a:t>
             </a:fld>
             <a:endParaRPr lang="en-US" dirty="0"/>
           </a:p>
@@ -1992,7 +2006,7 @@
           <a:ln/>
           <a:extLst>
             <a:ext uri="{91240B29-F687-4f45-9708-019B960494DF}">
-              <a14:hiddenLine xmlns="" xmlns:a14="http://schemas.microsoft.com/office/drawing/2010/main" w="9525">
+              <a14:hiddenLine xmlns:a14="http://schemas.microsoft.com/office/drawing/2010/main" xmlns="" w="9525">
                 <a:solidFill>
                   <a:srgbClr val="000000"/>
                 </a:solidFill>
@@ -2121,7 +2135,7 @@
             <a:fld id="{ED62726E-379B-B349-9EED-81ED093FA806}" type="datetimeFigureOut">
               <a:rPr lang="en-US" dirty="0"/>
               <a:pPr/>
-              <a:t>1/18/2019</a:t>
+              <a:t>2/6/2019</a:t>
             </a:fld>
             <a:endParaRPr lang="en-US" dirty="0"/>
           </a:p>
@@ -2272,7 +2286,7 @@
           <a:ln/>
           <a:extLst>
             <a:ext uri="{91240B29-F687-4f45-9708-019B960494DF}">
-              <a14:hiddenLine xmlns="" xmlns:a14="http://schemas.microsoft.com/office/drawing/2010/main" w="9525">
+              <a14:hiddenLine xmlns:a14="http://schemas.microsoft.com/office/drawing/2010/main" xmlns="" w="9525">
                 <a:solidFill>
                   <a:srgbClr val="000000"/>
                 </a:solidFill>
@@ -2401,7 +2415,7 @@
             <a:fld id="{9B3A1323-8D79-1946-B0D7-40001CF92E9D}" type="datetimeFigureOut">
               <a:rPr lang="en-US" dirty="0"/>
               <a:pPr/>
-              <a:t>1/18/2019</a:t>
+              <a:t>2/6/2019</a:t>
             </a:fld>
             <a:endParaRPr lang="en-US" dirty="0"/>
           </a:p>
@@ -2741,7 +2755,7 @@
             <a:fld id="{8DFA1846-DA80-1C48-A609-854EA85C59AD}" type="datetimeFigureOut">
               <a:rPr lang="en-US" dirty="0"/>
               <a:pPr/>
-              <a:t>1/18/2019</a:t>
+              <a:t>2/6/2019</a:t>
             </a:fld>
             <a:endParaRPr lang="en-US" dirty="0"/>
           </a:p>
@@ -2892,7 +2906,7 @@
           <a:ln/>
           <a:extLst>
             <a:ext uri="{91240B29-F687-4f45-9708-019B960494DF}">
-              <a14:hiddenLine xmlns="" xmlns:a14="http://schemas.microsoft.com/office/drawing/2010/main" w="9525">
+              <a14:hiddenLine xmlns:a14="http://schemas.microsoft.com/office/drawing/2010/main" xmlns="" w="9525">
                 <a:solidFill>
                   <a:srgbClr val="000000"/>
                 </a:solidFill>
@@ -3077,7 +3091,7 @@
             <a:fld id="{57302355-E14B-8545-A8F8-0FE83CC9D524}" type="datetimeFigureOut">
               <a:rPr lang="en-US" dirty="0"/>
               <a:pPr/>
-              <a:t>1/18/2019</a:t>
+              <a:t>2/6/2019</a:t>
             </a:fld>
             <a:endParaRPr lang="en-US" dirty="0"/>
           </a:p>
@@ -3228,7 +3242,7 @@
           <a:ln/>
           <a:extLst>
             <a:ext uri="{91240B29-F687-4f45-9708-019B960494DF}">
-              <a14:hiddenLine xmlns="" xmlns:a14="http://schemas.microsoft.com/office/drawing/2010/main" w="9525">
+              <a14:hiddenLine xmlns:a14="http://schemas.microsoft.com/office/drawing/2010/main" xmlns="" w="9525">
                 <a:solidFill>
                   <a:srgbClr val="000000"/>
                 </a:solidFill>
@@ -3551,7 +3565,7 @@
             <a:fld id="{02640F58-564D-2B4F-AE67-E407BA4FCF45}" type="datetimeFigureOut">
               <a:rPr lang="en-US" dirty="0"/>
               <a:pPr/>
-              <a:t>1/18/2019</a:t>
+              <a:t>2/6/2019</a:t>
             </a:fld>
             <a:endParaRPr lang="en-US" dirty="0"/>
           </a:p>
@@ -3702,7 +3716,7 @@
           <a:ln/>
           <a:extLst>
             <a:ext uri="{91240B29-F687-4f45-9708-019B960494DF}">
-              <a14:hiddenLine xmlns="" xmlns:a14="http://schemas.microsoft.com/office/drawing/2010/main" w="9525">
+              <a14:hiddenLine xmlns:a14="http://schemas.microsoft.com/office/drawing/2010/main" xmlns="" w="9525">
                 <a:solidFill>
                   <a:srgbClr val="000000"/>
                 </a:solidFill>
@@ -3769,7 +3783,7 @@
             <a:fld id="{F13A34C8-038E-2045-AF43-DF7DBB8E0E9E}" type="datetimeFigureOut">
               <a:rPr lang="en-US" dirty="0"/>
               <a:pPr/>
-              <a:t>1/18/2019</a:t>
+              <a:t>2/6/2019</a:t>
             </a:fld>
             <a:endParaRPr lang="en-US" dirty="0"/>
           </a:p>
@@ -3861,7 +3875,7 @@
             <a:fld id="{8818C68F-D26B-8F47-958C-23B49CF8A634}" type="datetimeFigureOut">
               <a:rPr lang="en-US" dirty="0"/>
               <a:pPr/>
-              <a:t>1/18/2019</a:t>
+              <a:t>2/6/2019</a:t>
             </a:fld>
             <a:endParaRPr lang="en-US" dirty="0"/>
           </a:p>
@@ -4125,7 +4139,7 @@
           <a:ln/>
           <a:extLst>
             <a:ext uri="{91240B29-F687-4f45-9708-019B960494DF}">
-              <a14:hiddenLine xmlns="" xmlns:a14="http://schemas.microsoft.com/office/drawing/2010/main" w="9525">
+              <a14:hiddenLine xmlns:a14="http://schemas.microsoft.com/office/drawing/2010/main" xmlns="" w="9525">
                 <a:solidFill>
                   <a:srgbClr val="000000"/>
                 </a:solidFill>
@@ -4325,7 +4339,7 @@
             <a:fld id="{D0DF5E60-9974-AC48-9591-99C2BB44B7CF}" type="datetimeFigureOut">
               <a:rPr lang="en-US" dirty="0"/>
               <a:pPr/>
-              <a:t>1/18/2019</a:t>
+              <a:t>2/6/2019</a:t>
             </a:fld>
             <a:endParaRPr lang="en-US" dirty="0"/>
           </a:p>
@@ -4635,7 +4649,7 @@
             <a:fld id="{18C79C5D-2A6F-F04D-97DA-BEF2467B64E4}" type="datetimeFigureOut">
               <a:rPr lang="en-US" dirty="0"/>
               <a:pPr/>
-              <a:t>1/18/2019</a:t>
+              <a:t>2/6/2019</a:t>
             </a:fld>
             <a:endParaRPr lang="en-US" dirty="0"/>
           </a:p>
@@ -4902,7 +4916,7 @@
             <a:fld id="{09B482E8-6E0E-1B4F-B1FD-C69DB9E858D9}" type="datetimeFigureOut">
               <a:rPr lang="en-US" dirty="0"/>
               <a:pPr/>
-              <a:t>1/18/2019</a:t>
+              <a:t>2/6/2019</a:t>
             </a:fld>
             <a:endParaRPr lang="en-US" dirty="0"/>
           </a:p>
@@ -5434,6 +5448,4144 @@
 </p:sld>
 </file>
 
+<file path=ppt/slides/slide10.xml><?xml version="1.0" encoding="utf-8"?>
+<p:sld xmlns:a="http://schemas.openxmlformats.org/drawingml/2006/main" xmlns:r="http://schemas.openxmlformats.org/officeDocument/2006/relationships" xmlns:p="http://schemas.openxmlformats.org/presentationml/2006/main">
+  <p:cSld>
+    <p:bg>
+      <p:bgPr>
+        <a:solidFill>
+          <a:schemeClr val="bg1"/>
+        </a:solidFill>
+        <a:effectLst/>
+      </p:bgPr>
+    </p:bg>
+    <p:spTree>
+      <p:nvGrpSpPr>
+        <p:cNvPr id="1" name=""/>
+        <p:cNvGrpSpPr/>
+        <p:nvPr/>
+      </p:nvGrpSpPr>
+      <p:grpSpPr>
+        <a:xfrm>
+          <a:off x="0" y="0"/>
+          <a:ext cx="0" cy="0"/>
+          <a:chOff x="0" y="0"/>
+          <a:chExt cx="0" cy="0"/>
+        </a:xfrm>
+      </p:grpSpPr>
+      <p:sp>
+        <p:nvSpPr>
+          <p:cNvPr id="39" name="Freeform 6">
+            <a:extLst>
+              <a:ext uri="{FF2B5EF4-FFF2-40B4-BE49-F238E27FC236}">
+                <a16:creationId xmlns:a16="http://schemas.microsoft.com/office/drawing/2014/main" id="{133F8CB7-795C-4272-9073-64D8CF97F220}"/>
+              </a:ext>
+              <a:ext uri="{C183D7F6-B498-43B3-948B-1728B52AA6E4}">
+                <adec:decorative xmlns:adec="http://schemas.microsoft.com/office/drawing/2017/decorative" val="1"/>
+              </a:ext>
+            </a:extLst>
+          </p:cNvPr>
+          <p:cNvSpPr>
+            <a:spLocks noGrp="1" noRot="1" noChangeAspect="1" noMove="1" noResize="1" noEditPoints="1" noAdjustHandles="1" noChangeArrowheads="1" noChangeShapeType="1" noTextEdit="1"/>
+          </p:cNvSpPr>
+          <p:nvPr>
+            <p:extLst>
+              <p:ext uri="{386F3935-93C4-4BCD-93E2-E3B085C9AB24}">
+                <p16:designElem xmlns:p16="http://schemas.microsoft.com/office/powerpoint/2015/main" val="1"/>
+              </p:ext>
+            </p:extLst>
+          </p:nvPr>
+        </p:nvSpPr>
+        <p:spPr bwMode="auto">
+          <a:xfrm>
+            <a:off x="0" y="-3175"/>
+            <a:ext cx="12192000" cy="5203825"/>
+          </a:xfrm>
+          <a:custGeom>
+            <a:avLst/>
+            <a:gdLst/>
+            <a:ahLst/>
+            <a:cxnLst/>
+            <a:rect l="0" t="0" r="r" b="b"/>
+            <a:pathLst>
+              <a:path w="5760" h="3278">
+                <a:moveTo>
+                  <a:pt x="5760" y="0"/>
+                </a:moveTo>
+                <a:lnTo>
+                  <a:pt x="0" y="0"/>
+                </a:lnTo>
+                <a:lnTo>
+                  <a:pt x="0" y="3090"/>
+                </a:lnTo>
+                <a:lnTo>
+                  <a:pt x="943" y="3090"/>
+                </a:lnTo>
+                <a:lnTo>
+                  <a:pt x="1123" y="3270"/>
+                </a:lnTo>
+                <a:lnTo>
+                  <a:pt x="1123" y="3270"/>
+                </a:lnTo>
+                <a:lnTo>
+                  <a:pt x="1127" y="3272"/>
+                </a:lnTo>
+                <a:lnTo>
+                  <a:pt x="1133" y="3275"/>
+                </a:lnTo>
+                <a:lnTo>
+                  <a:pt x="1139" y="3278"/>
+                </a:lnTo>
+                <a:lnTo>
+                  <a:pt x="1144" y="3278"/>
+                </a:lnTo>
+                <a:lnTo>
+                  <a:pt x="1150" y="3278"/>
+                </a:lnTo>
+                <a:lnTo>
+                  <a:pt x="1155" y="3275"/>
+                </a:lnTo>
+                <a:lnTo>
+                  <a:pt x="1161" y="3272"/>
+                </a:lnTo>
+                <a:lnTo>
+                  <a:pt x="1165" y="3270"/>
+                </a:lnTo>
+                <a:lnTo>
+                  <a:pt x="1345" y="3090"/>
+                </a:lnTo>
+                <a:lnTo>
+                  <a:pt x="5760" y="3090"/>
+                </a:lnTo>
+                <a:lnTo>
+                  <a:pt x="5760" y="0"/>
+                </a:lnTo>
+                <a:close/>
+              </a:path>
+            </a:pathLst>
+          </a:custGeom>
+          <a:ln/>
+          <a:effectLst/>
+          <a:extLst>
+            <a:ext uri="{91240B29-F687-4f45-9708-019B960494DF}">
+              <a14:hiddenLine xmlns="" xmlns:a16="http://schemas.microsoft.com/office/drawing/2014/main" xmlns:p14="http://schemas.microsoft.com/office/powerpoint/2010/main" xmlns:a14="http://schemas.microsoft.com/office/drawing/2010/main" w="9525">
+                <a:solidFill>
+                  <a:srgbClr val="000000"/>
+                </a:solidFill>
+                <a:round/>
+                <a:headEnd/>
+                <a:tailEnd/>
+              </a14:hiddenLine>
+            </a:ext>
+          </a:extLst>
+        </p:spPr>
+        <p:style>
+          <a:lnRef idx="1">
+            <a:schemeClr val="accent1"/>
+          </a:lnRef>
+          <a:fillRef idx="3">
+            <a:schemeClr val="accent1"/>
+          </a:fillRef>
+          <a:effectRef idx="2">
+            <a:schemeClr val="accent1"/>
+          </a:effectRef>
+          <a:fontRef idx="minor">
+            <a:schemeClr val="lt1"/>
+          </a:fontRef>
+        </p:style>
+      </p:sp>
+      <p:sp>
+        <p:nvSpPr>
+          <p:cNvPr id="40" name="Rectangle 34">
+            <a:extLst>
+              <a:ext uri="{FF2B5EF4-FFF2-40B4-BE49-F238E27FC236}">
+                <a16:creationId xmlns:a16="http://schemas.microsoft.com/office/drawing/2014/main" id="{B7743172-17A8-4FA4-8434-B813E03B7665}"/>
+              </a:ext>
+              <a:ext uri="{C183D7F6-B498-43B3-948B-1728B52AA6E4}">
+                <adec:decorative xmlns:adec="http://schemas.microsoft.com/office/drawing/2017/decorative" val="1"/>
+              </a:ext>
+            </a:extLst>
+          </p:cNvPr>
+          <p:cNvSpPr>
+            <a:spLocks noGrp="1" noRot="1" noChangeAspect="1" noMove="1" noResize="1" noEditPoints="1" noAdjustHandles="1" noChangeArrowheads="1" noChangeShapeType="1" noTextEdit="1"/>
+          </p:cNvSpPr>
+          <p:nvPr>
+            <p:extLst>
+              <p:ext uri="{386F3935-93C4-4BCD-93E2-E3B085C9AB24}">
+                <p16:designElem xmlns:p16="http://schemas.microsoft.com/office/powerpoint/2015/main" val="1"/>
+              </p:ext>
+            </p:extLst>
+          </p:nvPr>
+        </p:nvSpPr>
+        <p:spPr>
+          <a:xfrm>
+            <a:off x="0" y="0"/>
+            <a:ext cx="12192000" cy="6858000"/>
+          </a:xfrm>
+          <a:prstGeom prst="rect">
+            <a:avLst/>
+          </a:prstGeom>
+          <a:solidFill>
+            <a:schemeClr val="bg1"/>
+          </a:solidFill>
+          <a:ln>
+            <a:noFill/>
+          </a:ln>
+        </p:spPr>
+        <p:style>
+          <a:lnRef idx="2">
+            <a:schemeClr val="accent1">
+              <a:shade val="50000"/>
+            </a:schemeClr>
+          </a:lnRef>
+          <a:fillRef idx="1">
+            <a:schemeClr val="accent1"/>
+          </a:fillRef>
+          <a:effectRef idx="0">
+            <a:schemeClr val="accent1"/>
+          </a:effectRef>
+          <a:fontRef idx="minor">
+            <a:schemeClr val="lt1"/>
+          </a:fontRef>
+        </p:style>
+        <p:txBody>
+          <a:bodyPr rtlCol="0" anchor="ctr"/>
+          <a:lstStyle/>
+          <a:p>
+            <a:pPr algn="ctr"/>
+            <a:endParaRPr lang="en-US"/>
+          </a:p>
+        </p:txBody>
+      </p:sp>
+      <p:sp>
+        <p:nvSpPr>
+          <p:cNvPr id="41" name="Freeform 23">
+            <a:extLst>
+              <a:ext uri="{FF2B5EF4-FFF2-40B4-BE49-F238E27FC236}">
+                <a16:creationId xmlns:a16="http://schemas.microsoft.com/office/drawing/2014/main" id="{4CE1233C-FD2F-489E-BFDE-086F5FED6491}"/>
+              </a:ext>
+              <a:ext uri="{C183D7F6-B498-43B3-948B-1728B52AA6E4}">
+                <adec:decorative xmlns:adec="http://schemas.microsoft.com/office/drawing/2017/decorative" val="1"/>
+              </a:ext>
+            </a:extLst>
+          </p:cNvPr>
+          <p:cNvSpPr>
+            <a:spLocks noGrp="1" noRot="1" noChangeAspect="1" noMove="1" noResize="1" noEditPoints="1" noAdjustHandles="1" noChangeArrowheads="1" noChangeShapeType="1" noTextEdit="1"/>
+          </p:cNvSpPr>
+          <p:nvPr>
+            <p:extLst>
+              <p:ext uri="{386F3935-93C4-4BCD-93E2-E3B085C9AB24}">
+                <p16:designElem xmlns:p16="http://schemas.microsoft.com/office/powerpoint/2015/main" val="1"/>
+              </p:ext>
+            </p:extLst>
+          </p:nvPr>
+        </p:nvSpPr>
+        <p:spPr bwMode="white">
+          <a:xfrm>
+            <a:off x="0" y="0"/>
+            <a:ext cx="4637005" cy="6858000"/>
+          </a:xfrm>
+          <a:custGeom>
+            <a:avLst/>
+            <a:gdLst>
+              <a:gd name="connsiteX0" fmla="*/ 0 w 4637005"/>
+              <a:gd name="connsiteY0" fmla="*/ 0 h 6858000"/>
+              <a:gd name="connsiteX1" fmla="*/ 4637005 w 4637005"/>
+              <a:gd name="connsiteY1" fmla="*/ 0 h 6858000"/>
+              <a:gd name="connsiteX2" fmla="*/ 4637005 w 4637005"/>
+              <a:gd name="connsiteY2" fmla="*/ 1900238 h 6858000"/>
+              <a:gd name="connsiteX3" fmla="*/ 4266589 w 4637005"/>
+              <a:gd name="connsiteY3" fmla="*/ 2178050 h 6858000"/>
+              <a:gd name="connsiteX4" fmla="*/ 4262355 w 4637005"/>
+              <a:gd name="connsiteY4" fmla="*/ 2184400 h 6858000"/>
+              <a:gd name="connsiteX5" fmla="*/ 4256005 w 4637005"/>
+              <a:gd name="connsiteY5" fmla="*/ 2193925 h 6858000"/>
+              <a:gd name="connsiteX6" fmla="*/ 4249655 w 4637005"/>
+              <a:gd name="connsiteY6" fmla="*/ 2201863 h 6858000"/>
+              <a:gd name="connsiteX7" fmla="*/ 4249655 w 4637005"/>
+              <a:gd name="connsiteY7" fmla="*/ 2211388 h 6858000"/>
+              <a:gd name="connsiteX8" fmla="*/ 4249655 w 4637005"/>
+              <a:gd name="connsiteY8" fmla="*/ 2220913 h 6858000"/>
+              <a:gd name="connsiteX9" fmla="*/ 4256005 w 4637005"/>
+              <a:gd name="connsiteY9" fmla="*/ 2228850 h 6858000"/>
+              <a:gd name="connsiteX10" fmla="*/ 4262355 w 4637005"/>
+              <a:gd name="connsiteY10" fmla="*/ 2238375 h 6858000"/>
+              <a:gd name="connsiteX11" fmla="*/ 4266589 w 4637005"/>
+              <a:gd name="connsiteY11" fmla="*/ 2244725 h 6858000"/>
+              <a:gd name="connsiteX12" fmla="*/ 4637005 w 4637005"/>
+              <a:gd name="connsiteY12" fmla="*/ 2522538 h 6858000"/>
+              <a:gd name="connsiteX13" fmla="*/ 4637005 w 4637005"/>
+              <a:gd name="connsiteY13" fmla="*/ 6858000 h 6858000"/>
+              <a:gd name="connsiteX14" fmla="*/ 0 w 4637005"/>
+              <a:gd name="connsiteY14" fmla="*/ 6858000 h 6858000"/>
+            </a:gdLst>
+            <a:ahLst/>
+            <a:cxnLst>
+              <a:cxn ang="0">
+                <a:pos x="connsiteX0" y="connsiteY0"/>
+              </a:cxn>
+              <a:cxn ang="0">
+                <a:pos x="connsiteX1" y="connsiteY1"/>
+              </a:cxn>
+              <a:cxn ang="0">
+                <a:pos x="connsiteX2" y="connsiteY2"/>
+              </a:cxn>
+              <a:cxn ang="0">
+                <a:pos x="connsiteX3" y="connsiteY3"/>
+              </a:cxn>
+              <a:cxn ang="0">
+                <a:pos x="connsiteX4" y="connsiteY4"/>
+              </a:cxn>
+              <a:cxn ang="0">
+                <a:pos x="connsiteX5" y="connsiteY5"/>
+              </a:cxn>
+              <a:cxn ang="0">
+                <a:pos x="connsiteX6" y="connsiteY6"/>
+              </a:cxn>
+              <a:cxn ang="0">
+                <a:pos x="connsiteX7" y="connsiteY7"/>
+              </a:cxn>
+              <a:cxn ang="0">
+                <a:pos x="connsiteX8" y="connsiteY8"/>
+              </a:cxn>
+              <a:cxn ang="0">
+                <a:pos x="connsiteX9" y="connsiteY9"/>
+              </a:cxn>
+              <a:cxn ang="0">
+                <a:pos x="connsiteX10" y="connsiteY10"/>
+              </a:cxn>
+              <a:cxn ang="0">
+                <a:pos x="connsiteX11" y="connsiteY11"/>
+              </a:cxn>
+              <a:cxn ang="0">
+                <a:pos x="connsiteX12" y="connsiteY12"/>
+              </a:cxn>
+              <a:cxn ang="0">
+                <a:pos x="connsiteX13" y="connsiteY13"/>
+              </a:cxn>
+              <a:cxn ang="0">
+                <a:pos x="connsiteX14" y="connsiteY14"/>
+              </a:cxn>
+            </a:cxnLst>
+            <a:rect l="l" t="t" r="r" b="b"/>
+            <a:pathLst>
+              <a:path w="4637005" h="6858000">
+                <a:moveTo>
+                  <a:pt x="0" y="0"/>
+                </a:moveTo>
+                <a:lnTo>
+                  <a:pt x="4637005" y="0"/>
+                </a:lnTo>
+                <a:lnTo>
+                  <a:pt x="4637005" y="1900238"/>
+                </a:lnTo>
+                <a:lnTo>
+                  <a:pt x="4266589" y="2178050"/>
+                </a:lnTo>
+                <a:lnTo>
+                  <a:pt x="4262355" y="2184400"/>
+                </a:lnTo>
+                <a:lnTo>
+                  <a:pt x="4256005" y="2193925"/>
+                </a:lnTo>
+                <a:lnTo>
+                  <a:pt x="4249655" y="2201863"/>
+                </a:lnTo>
+                <a:lnTo>
+                  <a:pt x="4249655" y="2211388"/>
+                </a:lnTo>
+                <a:lnTo>
+                  <a:pt x="4249655" y="2220913"/>
+                </a:lnTo>
+                <a:lnTo>
+                  <a:pt x="4256005" y="2228850"/>
+                </a:lnTo>
+                <a:lnTo>
+                  <a:pt x="4262355" y="2238375"/>
+                </a:lnTo>
+                <a:lnTo>
+                  <a:pt x="4266589" y="2244725"/>
+                </a:lnTo>
+                <a:lnTo>
+                  <a:pt x="4637005" y="2522538"/>
+                </a:lnTo>
+                <a:lnTo>
+                  <a:pt x="4637005" y="6858000"/>
+                </a:lnTo>
+                <a:lnTo>
+                  <a:pt x="0" y="6858000"/>
+                </a:lnTo>
+                <a:close/>
+              </a:path>
+            </a:pathLst>
+          </a:custGeom>
+          <a:blipFill>
+            <a:blip r:embed="rId2">
+              <a:duotone>
+                <a:schemeClr val="accent1">
+                  <a:tint val="98000"/>
+                  <a:lumMod val="102000"/>
+                </a:schemeClr>
+                <a:schemeClr val="accent1">
+                  <a:shade val="98000"/>
+                  <a:lumMod val="98000"/>
+                </a:schemeClr>
+              </a:duotone>
+            </a:blip>
+            <a:tile tx="0" ty="0" sx="100000" sy="100000" flip="none" algn="tl"/>
+          </a:blipFill>
+          <a:ln>
+            <a:headEnd/>
+            <a:tailEnd/>
+          </a:ln>
+        </p:spPr>
+        <p:style>
+          <a:lnRef idx="1">
+            <a:schemeClr val="accent1"/>
+          </a:lnRef>
+          <a:fillRef idx="3">
+            <a:schemeClr val="accent1"/>
+          </a:fillRef>
+          <a:effectRef idx="2">
+            <a:schemeClr val="accent1"/>
+          </a:effectRef>
+          <a:fontRef idx="minor">
+            <a:schemeClr val="lt1"/>
+          </a:fontRef>
+        </p:style>
+        <p:txBody>
+          <a:bodyPr wrap="square" rtlCol="0" anchor="ctr">
+            <a:noAutofit/>
+          </a:bodyPr>
+          <a:lstStyle/>
+          <a:p>
+            <a:pPr algn="ctr"/>
+            <a:endParaRPr lang="en-US"/>
+          </a:p>
+        </p:txBody>
+      </p:sp>
+      <p:sp>
+        <p:nvSpPr>
+          <p:cNvPr id="3" name="ZoneTexte 2">
+            <a:extLst>
+              <a:ext uri="{FF2B5EF4-FFF2-40B4-BE49-F238E27FC236}">
+                <a16:creationId xmlns:a16="http://schemas.microsoft.com/office/drawing/2014/main" id="{106C3486-A27C-4A24-9F02-480D20D24274}"/>
+              </a:ext>
+            </a:extLst>
+          </p:cNvPr>
+          <p:cNvSpPr txBox="1"/>
+          <p:nvPr/>
+        </p:nvSpPr>
+        <p:spPr>
+          <a:xfrm>
+            <a:off x="451514" y="1800225"/>
+            <a:ext cx="3444211" cy="4241136"/>
+          </a:xfrm>
+          <a:prstGeom prst="rect">
+            <a:avLst/>
+          </a:prstGeom>
+        </p:spPr>
+        <p:txBody>
+          <a:bodyPr vert="horz" lIns="91440" tIns="45720" rIns="91440" bIns="45720" rtlCol="0" anchor="t">
+            <a:normAutofit/>
+          </a:bodyPr>
+          <a:lstStyle/>
+          <a:p>
+            <a:pPr>
+              <a:spcBef>
+                <a:spcPct val="0"/>
+              </a:spcBef>
+              <a:spcAft>
+                <a:spcPts val="600"/>
+              </a:spcAft>
+            </a:pPr>
+            <a:r>
+              <a:rPr lang="en-US" sz="4400" b="1" dirty="0" err="1">
+                <a:solidFill>
+                  <a:srgbClr val="FEFEFE"/>
+                </a:solidFill>
+                <a:latin typeface="+mj-lt"/>
+                <a:ea typeface="+mj-ea"/>
+                <a:cs typeface="+mj-cs"/>
+              </a:rPr>
+              <a:t>Ajout</a:t>
+            </a:r>
+            <a:r>
+              <a:rPr lang="en-US" sz="4400" b="1" dirty="0">
+                <a:solidFill>
+                  <a:srgbClr val="FEFEFE"/>
+                </a:solidFill>
+                <a:latin typeface="+mj-lt"/>
+                <a:ea typeface="+mj-ea"/>
+                <a:cs typeface="+mj-cs"/>
+              </a:rPr>
+              <a:t> d’un </a:t>
+            </a:r>
+            <a:r>
+              <a:rPr lang="en-US" sz="4400" b="1" dirty="0" err="1">
+                <a:solidFill>
+                  <a:srgbClr val="FEFEFE"/>
+                </a:solidFill>
+                <a:latin typeface="+mj-lt"/>
+                <a:ea typeface="+mj-ea"/>
+                <a:cs typeface="+mj-cs"/>
+              </a:rPr>
+              <a:t>emprunt</a:t>
+            </a:r>
+            <a:r>
+              <a:rPr lang="en-US" sz="4400" b="1" dirty="0">
+                <a:solidFill>
+                  <a:srgbClr val="FEFEFE"/>
+                </a:solidFill>
+                <a:latin typeface="+mj-lt"/>
+                <a:ea typeface="+mj-ea"/>
+                <a:cs typeface="+mj-cs"/>
+              </a:rPr>
+              <a:t> à un </a:t>
+            </a:r>
+            <a:r>
+              <a:rPr lang="en-US" sz="4400" b="1" dirty="0" err="1">
+                <a:solidFill>
+                  <a:srgbClr val="FEFEFE"/>
+                </a:solidFill>
+                <a:latin typeface="+mj-lt"/>
+                <a:ea typeface="+mj-ea"/>
+                <a:cs typeface="+mj-cs"/>
+              </a:rPr>
+              <a:t>utilisateur</a:t>
+            </a:r>
+            <a:endParaRPr lang="en-US" sz="4400" b="1" dirty="0">
+              <a:solidFill>
+                <a:srgbClr val="FEFEFE"/>
+              </a:solidFill>
+              <a:latin typeface="+mj-lt"/>
+              <a:ea typeface="+mj-ea"/>
+              <a:cs typeface="+mj-cs"/>
+            </a:endParaRPr>
+          </a:p>
+        </p:txBody>
+      </p:sp>
+      <p:pic>
+        <p:nvPicPr>
+          <p:cNvPr id="4" name="Image 3">
+            <a:extLst>
+              <a:ext uri="{FF2B5EF4-FFF2-40B4-BE49-F238E27FC236}">
+                <a16:creationId xmlns:a16="http://schemas.microsoft.com/office/drawing/2014/main" id="{98BF14BE-55C4-40AB-BB37-D2A1F306255C}"/>
+              </a:ext>
+            </a:extLst>
+          </p:cNvPr>
+          <p:cNvPicPr>
+            <a:picLocks noChangeAspect="1"/>
+          </p:cNvPicPr>
+          <p:nvPr/>
+        </p:nvPicPr>
+        <p:blipFill>
+          <a:blip r:embed="rId3"/>
+          <a:stretch>
+            <a:fillRect/>
+          </a:stretch>
+        </p:blipFill>
+        <p:spPr>
+          <a:xfrm>
+            <a:off x="4744720" y="1107174"/>
+            <a:ext cx="7339565" cy="4513831"/>
+          </a:xfrm>
+          <a:prstGeom prst="roundRect">
+            <a:avLst>
+              <a:gd name="adj" fmla="val 3876"/>
+            </a:avLst>
+          </a:prstGeom>
+          <a:ln>
+            <a:solidFill>
+              <a:schemeClr val="accent1"/>
+            </a:solidFill>
+          </a:ln>
+          <a:effectLst/>
+        </p:spPr>
+      </p:pic>
+    </p:spTree>
+    <p:extLst>
+      <p:ext uri="{BB962C8B-B14F-4D97-AF65-F5344CB8AC3E}">
+        <p14:creationId xmlns:p14="http://schemas.microsoft.com/office/powerpoint/2010/main" val="2955987187"/>
+      </p:ext>
+    </p:extLst>
+  </p:cSld>
+  <p:clrMapOvr>
+    <a:overrideClrMapping bg1="lt1" tx1="dk1" bg2="lt2" tx2="dk2" accent1="accent1" accent2="accent2" accent3="accent3" accent4="accent4" accent5="accent5" accent6="accent6" hlink="hlink" folHlink="folHlink"/>
+  </p:clrMapOvr>
+</p:sld>
+</file>
+
+<file path=ppt/slides/slide11.xml><?xml version="1.0" encoding="utf-8"?>
+<p:sld xmlns:a="http://schemas.openxmlformats.org/drawingml/2006/main" xmlns:r="http://schemas.openxmlformats.org/officeDocument/2006/relationships" xmlns:p="http://schemas.openxmlformats.org/presentationml/2006/main">
+  <p:cSld>
+    <p:bg>
+      <p:bgPr>
+        <a:solidFill>
+          <a:schemeClr val="bg2"/>
+        </a:solidFill>
+        <a:effectLst/>
+      </p:bgPr>
+    </p:bg>
+    <p:spTree>
+      <p:nvGrpSpPr>
+        <p:cNvPr id="1" name=""/>
+        <p:cNvGrpSpPr/>
+        <p:nvPr/>
+      </p:nvGrpSpPr>
+      <p:grpSpPr>
+        <a:xfrm>
+          <a:off x="0" y="0"/>
+          <a:ext cx="0" cy="0"/>
+          <a:chOff x="0" y="0"/>
+          <a:chExt cx="0" cy="0"/>
+        </a:xfrm>
+      </p:grpSpPr>
+      <p:sp>
+        <p:nvSpPr>
+          <p:cNvPr id="7" name="Freeform 6">
+            <a:extLst>
+              <a:ext uri="{FF2B5EF4-FFF2-40B4-BE49-F238E27FC236}">
+                <a16:creationId xmlns:a16="http://schemas.microsoft.com/office/drawing/2014/main" id="{E7597382-59B5-427B-9E49-55383F0A5561}"/>
+              </a:ext>
+              <a:ext uri="{C183D7F6-B498-43B3-948B-1728B52AA6E4}">
+                <adec:decorative xmlns:adec="http://schemas.microsoft.com/office/drawing/2017/decorative" val="1"/>
+              </a:ext>
+            </a:extLst>
+          </p:cNvPr>
+          <p:cNvSpPr>
+            <a:spLocks noGrp="1" noRot="1" noChangeAspect="1" noMove="1" noResize="1" noEditPoints="1" noAdjustHandles="1" noChangeArrowheads="1" noChangeShapeType="1" noTextEdit="1"/>
+          </p:cNvSpPr>
+          <p:nvPr>
+            <p:extLst>
+              <p:ext uri="{386F3935-93C4-4BCD-93E2-E3B085C9AB24}">
+                <p16:designElem xmlns:p16="http://schemas.microsoft.com/office/powerpoint/2015/main" val="1"/>
+              </p:ext>
+            </p:extLst>
+          </p:nvPr>
+        </p:nvSpPr>
+        <p:spPr bwMode="auto">
+          <a:xfrm>
+            <a:off x="0" y="-3175"/>
+            <a:ext cx="12192000" cy="6229804"/>
+          </a:xfrm>
+          <a:custGeom>
+            <a:avLst/>
+            <a:gdLst/>
+            <a:ahLst/>
+            <a:cxnLst/>
+            <a:rect l="0" t="0" r="r" b="b"/>
+            <a:pathLst>
+              <a:path w="5760" h="3278">
+                <a:moveTo>
+                  <a:pt x="5760" y="0"/>
+                </a:moveTo>
+                <a:lnTo>
+                  <a:pt x="0" y="0"/>
+                </a:lnTo>
+                <a:lnTo>
+                  <a:pt x="0" y="3090"/>
+                </a:lnTo>
+                <a:lnTo>
+                  <a:pt x="943" y="3090"/>
+                </a:lnTo>
+                <a:lnTo>
+                  <a:pt x="1123" y="3270"/>
+                </a:lnTo>
+                <a:lnTo>
+                  <a:pt x="1123" y="3270"/>
+                </a:lnTo>
+                <a:lnTo>
+                  <a:pt x="1127" y="3272"/>
+                </a:lnTo>
+                <a:lnTo>
+                  <a:pt x="1133" y="3275"/>
+                </a:lnTo>
+                <a:lnTo>
+                  <a:pt x="1139" y="3278"/>
+                </a:lnTo>
+                <a:lnTo>
+                  <a:pt x="1144" y="3278"/>
+                </a:lnTo>
+                <a:lnTo>
+                  <a:pt x="1150" y="3278"/>
+                </a:lnTo>
+                <a:lnTo>
+                  <a:pt x="1155" y="3275"/>
+                </a:lnTo>
+                <a:lnTo>
+                  <a:pt x="1161" y="3272"/>
+                </a:lnTo>
+                <a:lnTo>
+                  <a:pt x="1165" y="3270"/>
+                </a:lnTo>
+                <a:lnTo>
+                  <a:pt x="1345" y="3090"/>
+                </a:lnTo>
+                <a:lnTo>
+                  <a:pt x="5760" y="3090"/>
+                </a:lnTo>
+                <a:lnTo>
+                  <a:pt x="5760" y="0"/>
+                </a:lnTo>
+                <a:close/>
+              </a:path>
+            </a:pathLst>
+          </a:custGeom>
+          <a:ln>
+            <a:noFill/>
+          </a:ln>
+          <a:extLst>
+            <a:ext uri="{91240B29-F687-4f45-9708-019B960494DF}">
+              <a14:hiddenLine xmlns="" xmlns:a16="http://schemas.microsoft.com/office/drawing/2014/main" xmlns:p14="http://schemas.microsoft.com/office/powerpoint/2010/main" xmlns:a14="http://schemas.microsoft.com/office/drawing/2010/main" w="9525">
+                <a:solidFill>
+                  <a:srgbClr val="000000"/>
+                </a:solidFill>
+                <a:round/>
+                <a:headEnd/>
+                <a:tailEnd/>
+              </a14:hiddenLine>
+            </a:ext>
+          </a:extLst>
+        </p:spPr>
+        <p:style>
+          <a:lnRef idx="1">
+            <a:schemeClr val="accent1"/>
+          </a:lnRef>
+          <a:fillRef idx="3">
+            <a:schemeClr val="accent1"/>
+          </a:fillRef>
+          <a:effectRef idx="2">
+            <a:schemeClr val="accent1"/>
+          </a:effectRef>
+          <a:fontRef idx="minor">
+            <a:schemeClr val="lt1"/>
+          </a:fontRef>
+        </p:style>
+      </p:sp>
+      <p:sp>
+        <p:nvSpPr>
+          <p:cNvPr id="9" name="Rounded Rectangle 16">
+            <a:extLst>
+              <a:ext uri="{FF2B5EF4-FFF2-40B4-BE49-F238E27FC236}">
+                <a16:creationId xmlns:a16="http://schemas.microsoft.com/office/drawing/2014/main" id="{26471DC7-FA6E-40EF-A167-93BB0BCE16AD}"/>
+              </a:ext>
+              <a:ext uri="{C183D7F6-B498-43B3-948B-1728B52AA6E4}">
+                <adec:decorative xmlns:adec="http://schemas.microsoft.com/office/drawing/2017/decorative" val="1"/>
+              </a:ext>
+            </a:extLst>
+          </p:cNvPr>
+          <p:cNvSpPr>
+            <a:spLocks noGrp="1" noRot="1" noChangeAspect="1" noMove="1" noResize="1" noEditPoints="1" noAdjustHandles="1" noChangeArrowheads="1" noChangeShapeType="1" noTextEdit="1"/>
+          </p:cNvSpPr>
+          <p:nvPr>
+            <p:extLst>
+              <p:ext uri="{386F3935-93C4-4BCD-93E2-E3B085C9AB24}">
+                <p16:designElem xmlns:p16="http://schemas.microsoft.com/office/powerpoint/2015/main" val="1"/>
+              </p:ext>
+            </p:extLst>
+          </p:nvPr>
+        </p:nvSpPr>
+        <p:spPr>
+          <a:xfrm>
+            <a:off x="643468" y="643466"/>
+            <a:ext cx="10905066" cy="4592561"/>
+          </a:xfrm>
+          <a:prstGeom prst="roundRect">
+            <a:avLst>
+              <a:gd name="adj" fmla="val 3513"/>
+            </a:avLst>
+          </a:prstGeom>
+          <a:solidFill>
+            <a:schemeClr val="tx1"/>
+          </a:solidFill>
+          <a:ln>
+            <a:solidFill>
+              <a:schemeClr val="accent1">
+                <a:lumMod val="75000"/>
+              </a:schemeClr>
+            </a:solidFill>
+          </a:ln>
+          <a:effectLst/>
+        </p:spPr>
+        <p:style>
+          <a:lnRef idx="2">
+            <a:schemeClr val="accent1">
+              <a:shade val="50000"/>
+            </a:schemeClr>
+          </a:lnRef>
+          <a:fillRef idx="1">
+            <a:schemeClr val="accent1"/>
+          </a:fillRef>
+          <a:effectRef idx="0">
+            <a:schemeClr val="accent1"/>
+          </a:effectRef>
+          <a:fontRef idx="minor">
+            <a:schemeClr val="lt1"/>
+          </a:fontRef>
+        </p:style>
+        <p:txBody>
+          <a:bodyPr rtlCol="0" anchor="ctr"/>
+          <a:lstStyle/>
+          <a:p>
+            <a:pPr algn="ctr"/>
+            <a:endParaRPr lang="en-US"/>
+          </a:p>
+        </p:txBody>
+      </p:sp>
+      <p:pic>
+        <p:nvPicPr>
+          <p:cNvPr id="2" name="Image 1" descr="Une image contenant texte, carte&#10;&#10;Description générée automatiquement">
+            <a:extLst>
+              <a:ext uri="{FF2B5EF4-FFF2-40B4-BE49-F238E27FC236}">
+                <a16:creationId xmlns:a16="http://schemas.microsoft.com/office/drawing/2014/main" id="{EAE1C12F-0937-4EF6-A030-2CB1751553EB}"/>
+              </a:ext>
+            </a:extLst>
+          </p:cNvPr>
+          <p:cNvPicPr>
+            <a:picLocks noChangeAspect="1"/>
+          </p:cNvPicPr>
+          <p:nvPr/>
+        </p:nvPicPr>
+        <p:blipFill>
+          <a:blip r:embed="rId2"/>
+          <a:stretch>
+            <a:fillRect/>
+          </a:stretch>
+        </p:blipFill>
+        <p:spPr>
+          <a:xfrm>
+            <a:off x="2479937" y="738977"/>
+            <a:ext cx="6647285" cy="4437063"/>
+          </a:xfrm>
+          <a:prstGeom prst="rect">
+            <a:avLst/>
+          </a:prstGeom>
+        </p:spPr>
+      </p:pic>
+      <p:sp>
+        <p:nvSpPr>
+          <p:cNvPr id="6" name="ZoneTexte 5">
+            <a:extLst>
+              <a:ext uri="{FF2B5EF4-FFF2-40B4-BE49-F238E27FC236}">
+                <a16:creationId xmlns:a16="http://schemas.microsoft.com/office/drawing/2014/main" id="{2ED53F35-E0B9-4B9B-BB20-B50D0E72C301}"/>
+              </a:ext>
+            </a:extLst>
+          </p:cNvPr>
+          <p:cNvSpPr txBox="1"/>
+          <p:nvPr/>
+        </p:nvSpPr>
+        <p:spPr>
+          <a:xfrm>
+            <a:off x="2765506" y="6079252"/>
+            <a:ext cx="7227580" cy="485775"/>
+          </a:xfrm>
+          <a:prstGeom prst="rect">
+            <a:avLst/>
+          </a:prstGeom>
+        </p:spPr>
+        <p:txBody>
+          <a:bodyPr vert="horz" lIns="91440" tIns="45720" rIns="91440" bIns="45720" rtlCol="0" anchor="t">
+            <a:normAutofit fontScale="62500" lnSpcReduction="20000"/>
+          </a:bodyPr>
+          <a:lstStyle/>
+          <a:p>
+            <a:pPr>
+              <a:spcBef>
+                <a:spcPct val="0"/>
+              </a:spcBef>
+              <a:spcAft>
+                <a:spcPts val="600"/>
+              </a:spcAft>
+            </a:pPr>
+            <a:r>
+              <a:rPr lang="en-US" sz="4400" b="1" dirty="0">
+                <a:solidFill>
+                  <a:srgbClr val="FEFEFE"/>
+                </a:solidFill>
+                <a:latin typeface="+mj-lt"/>
+                <a:ea typeface="+mj-ea"/>
+                <a:cs typeface="+mj-cs"/>
+              </a:rPr>
+              <a:t>Suppression d’un </a:t>
+            </a:r>
+            <a:r>
+              <a:rPr lang="en-US" sz="4400" b="1" dirty="0" err="1">
+                <a:solidFill>
+                  <a:srgbClr val="FEFEFE"/>
+                </a:solidFill>
+                <a:latin typeface="+mj-lt"/>
+                <a:ea typeface="+mj-ea"/>
+                <a:cs typeface="+mj-cs"/>
+              </a:rPr>
+              <a:t>emprunt</a:t>
+            </a:r>
+            <a:r>
+              <a:rPr lang="en-US" sz="4400" b="1" dirty="0">
+                <a:solidFill>
+                  <a:srgbClr val="FEFEFE"/>
+                </a:solidFill>
+                <a:latin typeface="+mj-lt"/>
+                <a:ea typeface="+mj-ea"/>
+                <a:cs typeface="+mj-cs"/>
+              </a:rPr>
+              <a:t> à un </a:t>
+            </a:r>
+            <a:r>
+              <a:rPr lang="en-US" sz="4400" b="1" dirty="0" err="1">
+                <a:solidFill>
+                  <a:srgbClr val="FEFEFE"/>
+                </a:solidFill>
+                <a:latin typeface="+mj-lt"/>
+                <a:ea typeface="+mj-ea"/>
+                <a:cs typeface="+mj-cs"/>
+              </a:rPr>
+              <a:t>utilisateur</a:t>
+            </a:r>
+            <a:endParaRPr lang="en-US" sz="4400" b="1" dirty="0">
+              <a:solidFill>
+                <a:srgbClr val="FEFEFE"/>
+              </a:solidFill>
+              <a:latin typeface="+mj-lt"/>
+              <a:ea typeface="+mj-ea"/>
+              <a:cs typeface="+mj-cs"/>
+            </a:endParaRPr>
+          </a:p>
+        </p:txBody>
+      </p:sp>
+    </p:spTree>
+    <p:extLst>
+      <p:ext uri="{BB962C8B-B14F-4D97-AF65-F5344CB8AC3E}">
+        <p14:creationId xmlns:p14="http://schemas.microsoft.com/office/powerpoint/2010/main" val="3005436784"/>
+      </p:ext>
+    </p:extLst>
+  </p:cSld>
+  <p:clrMapOvr>
+    <a:masterClrMapping/>
+  </p:clrMapOvr>
+</p:sld>
+</file>
+
+<file path=ppt/slides/slide12.xml><?xml version="1.0" encoding="utf-8"?>
+<p:sld xmlns:a="http://schemas.openxmlformats.org/drawingml/2006/main" xmlns:r="http://schemas.openxmlformats.org/officeDocument/2006/relationships" xmlns:p="http://schemas.openxmlformats.org/presentationml/2006/main">
+  <p:cSld>
+    <p:spTree>
+      <p:nvGrpSpPr>
+        <p:cNvPr id="1" name=""/>
+        <p:cNvGrpSpPr/>
+        <p:nvPr/>
+      </p:nvGrpSpPr>
+      <p:grpSpPr>
+        <a:xfrm>
+          <a:off x="0" y="0"/>
+          <a:ext cx="0" cy="0"/>
+          <a:chOff x="0" y="0"/>
+          <a:chExt cx="0" cy="0"/>
+        </a:xfrm>
+      </p:grpSpPr>
+      <p:pic>
+        <p:nvPicPr>
+          <p:cNvPr id="2" name="Image 1">
+            <a:extLst>
+              <a:ext uri="{FF2B5EF4-FFF2-40B4-BE49-F238E27FC236}">
+                <a16:creationId xmlns:a16="http://schemas.microsoft.com/office/drawing/2014/main" id="{D75D5DAC-E077-4CD8-992E-DFBAA99FB6A9}"/>
+              </a:ext>
+            </a:extLst>
+          </p:cNvPr>
+          <p:cNvPicPr>
+            <a:picLocks noChangeAspect="1"/>
+          </p:cNvPicPr>
+          <p:nvPr/>
+        </p:nvPicPr>
+        <p:blipFill>
+          <a:blip r:embed="rId2">
+            <a:extLst>
+              <a:ext uri="{BEBA8EAE-BF5A-486C-A8C5-ECC9F3942E4B}">
+                <a14:imgProps xmlns:a14="http://schemas.microsoft.com/office/drawing/2010/main">
+                  <a14:imgLayer r:embed="rId3">
+                    <a14:imgEffect>
+                      <a14:backgroundRemoval t="4184" b="96086" l="965" r="97347">
+                        <a14:foregroundMark x1="24920" y1="25911" x2="32395" y2="45884"/>
+                        <a14:foregroundMark x1="32395" y1="45884" x2="47347" y2="65182"/>
+                        <a14:foregroundMark x1="47347" y1="65182" x2="57637" y2="70445"/>
+                        <a14:foregroundMark x1="27090" y1="16599" x2="6029" y2="56275"/>
+                        <a14:foregroundMark x1="6029" y1="56275" x2="5225" y2="63293"/>
+                        <a14:foregroundMark x1="5225" y1="63293" x2="5386" y2="63968"/>
+                        <a14:foregroundMark x1="43971" y1="37247" x2="16720" y2="75304"/>
+                        <a14:foregroundMark x1="16720" y1="75304" x2="15434" y2="79757"/>
+                        <a14:foregroundMark x1="12058" y1="72874" x2="24678" y2="41565"/>
+                        <a14:foregroundMark x1="24678" y1="41565" x2="32717" y2="35223"/>
+                        <a14:foregroundMark x1="32717" y1="35223" x2="37862" y2="50202"/>
+                        <a14:foregroundMark x1="37862" y1="50202" x2="36254" y2="57355"/>
+                        <a14:foregroundMark x1="36254" y1="57355" x2="34566" y2="58435"/>
+                        <a14:foregroundMark x1="28537" y1="65992" x2="37540" y2="65317"/>
+                        <a14:foregroundMark x1="37540" y1="65317" x2="46945" y2="59784"/>
+                        <a14:foregroundMark x1="46945" y1="59784" x2="51447" y2="48718"/>
+                        <a14:foregroundMark x1="51447" y1="48718" x2="47749" y2="34818"/>
+                        <a14:foregroundMark x1="47749" y1="34818" x2="45096" y2="30769"/>
+                        <a14:foregroundMark x1="13023" y1="50337" x2="14711" y2="59919"/>
+                        <a14:foregroundMark x1="14711" y1="59919" x2="18810" y2="69501"/>
+                        <a14:foregroundMark x1="18810" y1="69501" x2="28859" y2="79487"/>
+                        <a14:foregroundMark x1="28859" y1="79487" x2="33360" y2="80972"/>
+                        <a14:foregroundMark x1="33360" y1="80972" x2="39630" y2="80702"/>
+                        <a14:foregroundMark x1="39630" y1="80702" x2="45177" y2="74359"/>
+                        <a14:foregroundMark x1="45177" y1="74359" x2="54582" y2="45749"/>
+                        <a14:foregroundMark x1="54582" y1="45749" x2="54341" y2="35088"/>
+                        <a14:foregroundMark x1="54341" y1="35088" x2="52090" y2="28070"/>
+                        <a14:foregroundMark x1="52090" y1="28070" x2="44453" y2="21727"/>
+                        <a14:foregroundMark x1="34566" y1="16329" x2="34084" y2="23347"/>
+                        <a14:foregroundMark x1="34084" y1="23347" x2="39148" y2="23482"/>
+                        <a14:foregroundMark x1="39148" y1="23482" x2="33842" y2="19703"/>
+                        <a14:foregroundMark x1="33842" y1="19703" x2="24598" y2="21457"/>
+                        <a14:foregroundMark x1="24598" y1="21457" x2="13344" y2="12551"/>
+                        <a14:foregroundMark x1="13344" y1="12551" x2="2974" y2="13765"/>
+                        <a14:foregroundMark x1="2974" y1="13765" x2="3457" y2="22807"/>
+                        <a14:foregroundMark x1="3457" y1="22807" x2="7556" y2="25101"/>
+                        <a14:foregroundMark x1="7556" y1="25101" x2="11334" y2="21862"/>
+                        <a14:foregroundMark x1="11334" y1="21862" x2="16559" y2="23347"/>
+                        <a14:foregroundMark x1="16559" y1="23347" x2="20498" y2="19433"/>
+                        <a14:foregroundMark x1="20498" y1="19433" x2="27894" y2="19568"/>
+                        <a14:foregroundMark x1="27894" y1="19568" x2="34003" y2="23752"/>
+                        <a14:foregroundMark x1="34003" y1="23752" x2="40193" y2="18893"/>
+                        <a14:foregroundMark x1="40193" y1="18893" x2="43408" y2="19028"/>
+                        <a14:foregroundMark x1="4662" y1="7152" x2="15997" y2="6343"/>
+                        <a14:foregroundMark x1="15997" y1="6343" x2="27733" y2="6343"/>
+                        <a14:foregroundMark x1="27733" y1="6343" x2="32315" y2="6208"/>
+                        <a14:foregroundMark x1="32315" y1="6208" x2="43167" y2="6343"/>
+                        <a14:foregroundMark x1="43167" y1="6343" x2="48151" y2="6208"/>
+                        <a14:foregroundMark x1="48151" y1="6208" x2="52492" y2="6208"/>
+                        <a14:foregroundMark x1="52492" y1="6208" x2="57797" y2="22672"/>
+                        <a14:foregroundMark x1="57797" y1="22672" x2="59405" y2="49393"/>
+                        <a14:foregroundMark x1="40997" y1="4723" x2="23633" y2="4588"/>
+                        <a14:foregroundMark x1="50965" y1="4318" x2="65354" y2="7152"/>
+                        <a14:foregroundMark x1="66318" y1="6613" x2="66318" y2="6613"/>
+                        <a14:foregroundMark x1="66479" y1="4858" x2="66479" y2="4858"/>
+                        <a14:foregroundMark x1="66479" y1="6208" x2="66479" y2="6208"/>
+                        <a14:foregroundMark x1="64711" y1="10391" x2="56109" y2="78273"/>
+                        <a14:foregroundMark x1="59486" y1="81107" x2="60932" y2="72874"/>
+                        <a14:foregroundMark x1="60932" y1="72874" x2="61656" y2="18219"/>
+                        <a14:foregroundMark x1="66238" y1="9852" x2="66238" y2="9852"/>
+                        <a14:foregroundMark x1="66238" y1="9042" x2="66238" y2="9042"/>
+                        <a14:foregroundMark x1="66479" y1="8097" x2="66479" y2="8097"/>
+                        <a14:foregroundMark x1="66238" y1="8097" x2="58199" y2="7962"/>
+                        <a14:foregroundMark x1="60852" y1="7557" x2="7235" y2="9447"/>
+                        <a14:foregroundMark x1="7235" y1="9447" x2="11254" y2="7152"/>
+                        <a14:foregroundMark x1="11254" y1="7152" x2="27331" y2="6883"/>
+                        <a14:foregroundMark x1="27331" y1="6883" x2="53617" y2="7962"/>
+                        <a14:foregroundMark x1="3457" y1="5803" x2="2412" y2="22267"/>
+                        <a14:foregroundMark x1="2412" y1="22267" x2="4904" y2="60324"/>
+                        <a14:foregroundMark x1="2412" y1="5938" x2="2412" y2="5938"/>
+                        <a14:foregroundMark x1="3296" y1="7152" x2="2974" y2="8772"/>
+                        <a14:foregroundMark x1="2412" y1="7152" x2="1929" y2="8502"/>
+                        <a14:foregroundMark x1="1045" y1="6208" x2="1608" y2="9177"/>
+                        <a14:foregroundMark x1="5707" y1="74224" x2="20900" y2="74494"/>
+                        <a14:foregroundMark x1="20900" y1="74494" x2="47508" y2="67746"/>
+                        <a14:foregroundMark x1="7315" y1="79622" x2="25965" y2="80027"/>
+                        <a14:foregroundMark x1="25965" y1="80027" x2="44132" y2="79487"/>
+                        <a14:foregroundMark x1="44132" y1="79487" x2="53296" y2="79487"/>
+                        <a14:foregroundMark x1="53296" y1="79487" x2="57958" y2="79082"/>
+                        <a14:foregroundMark x1="57958" y1="79082" x2="61174" y2="74359"/>
+                        <a14:foregroundMark x1="61174" y1="74359" x2="65434" y2="43455"/>
+                        <a14:foregroundMark x1="65434" y1="43455" x2="64469" y2="28880"/>
+                        <a14:foregroundMark x1="66158" y1="32389" x2="66158" y2="32389"/>
+                        <a14:foregroundMark x1="65756" y1="39136" x2="65354" y2="49933"/>
+                        <a14:foregroundMark x1="66801" y1="40486" x2="66801" y2="40486"/>
+                        <a14:foregroundMark x1="66640" y1="42510" x2="66640" y2="42510"/>
+                        <a14:foregroundMark x1="66479" y1="45074" x2="66479" y2="45344"/>
+                        <a14:foregroundMark x1="66640" y1="48448" x2="66640" y2="48448"/>
+                        <a14:foregroundMark x1="66399" y1="52497" x2="66399" y2="52497"/>
+                        <a14:foregroundMark x1="66720" y1="54251" x2="66720" y2="54251"/>
+                        <a14:foregroundMark x1="66640" y1="57625" x2="66640" y2="57625"/>
+                        <a14:foregroundMark x1="65836" y1="68556" x2="65836" y2="68556"/>
+                        <a14:foregroundMark x1="64711" y1="73819" x2="64711" y2="73819"/>
+                        <a14:foregroundMark x1="65434" y1="81377" x2="65434" y2="81377"/>
+                        <a14:foregroundMark x1="64952" y1="84076" x2="64952" y2="67746"/>
+                        <a14:foregroundMark x1="65434" y1="86235" x2="64068" y2="75574"/>
+                        <a14:foregroundMark x1="66801" y1="84750" x2="66801" y2="84750"/>
+                        <a14:foregroundMark x1="66801" y1="83401" x2="66801" y2="83401"/>
+                        <a14:foregroundMark x1="66801" y1="81107" x2="66801" y2="81107"/>
+                        <a14:foregroundMark x1="66559" y1="87314" x2="10531" y2="87179"/>
+                        <a14:foregroundMark x1="11334" y1="87989" x2="6833" y2="87314"/>
+                        <a14:foregroundMark x1="6833" y1="87314" x2="2412" y2="84480"/>
+                        <a14:foregroundMark x1="2412" y1="84480" x2="1286" y2="60459"/>
+                        <a14:foregroundMark x1="1286" y1="60459" x2="2090" y2="54251"/>
+                        <a14:foregroundMark x1="85531" y1="12281" x2="79421" y2="69906"/>
+                        <a14:foregroundMark x1="79421" y1="69906" x2="79502" y2="22942"/>
+                        <a14:foregroundMark x1="79502" y1="22942" x2="88826" y2="68556"/>
+                        <a14:foregroundMark x1="88826" y1="68556" x2="77894" y2="76653"/>
+                        <a14:foregroundMark x1="75402" y1="71930" x2="79582" y2="53441"/>
+                        <a14:foregroundMark x1="79582" y1="53441" x2="85289" y2="35493"/>
+                        <a14:foregroundMark x1="85289" y1="35493" x2="85289" y2="35493"/>
+                        <a14:foregroundMark x1="85531" y1="34143" x2="89952" y2="71390"/>
+                        <a14:foregroundMark x1="89952" y1="71390" x2="89952" y2="71930"/>
+                        <a14:foregroundMark x1="92524" y1="40486" x2="79100" y2="85830"/>
+                        <a14:foregroundMark x1="79100" y1="85830" x2="78055" y2="87449"/>
+                        <a14:foregroundMark x1="71543" y1="47773" x2="73232" y2="66937"/>
+                        <a14:foregroundMark x1="71704" y1="86910" x2="73232" y2="64642"/>
+                        <a14:foregroundMark x1="73232" y1="64642" x2="74598" y2="60999"/>
+                        <a14:foregroundMark x1="71543" y1="94467" x2="81431" y2="94467"/>
+                        <a14:foregroundMark x1="81431" y1="94467" x2="89952" y2="92443"/>
+                        <a14:foregroundMark x1="89952" y1="92443" x2="93891" y2="88934"/>
+                        <a14:foregroundMark x1="93891" y1="88934" x2="95016" y2="70580"/>
+                        <a14:foregroundMark x1="95016" y1="70580" x2="95096" y2="32524"/>
+                        <a14:foregroundMark x1="95096" y1="32524" x2="96463" y2="22807"/>
+                        <a14:foregroundMark x1="71543" y1="48988" x2="72990" y2="28610"/>
+                        <a14:foregroundMark x1="71543" y1="95816" x2="81270" y2="96221"/>
+                        <a14:foregroundMark x1="81270" y1="96221" x2="97347" y2="94602"/>
+                        <a14:foregroundMark x1="90675" y1="93522" x2="88103" y2="59379"/>
+                        <a14:foregroundMark x1="96785" y1="92173" x2="97347" y2="68016"/>
+                        <a14:foregroundMark x1="96945" y1="68556" x2="97026" y2="50067"/>
+                        <a14:foregroundMark x1="95820" y1="71255" x2="95740" y2="85695"/>
+                        <a14:foregroundMark x1="96302" y1="84750" x2="96624" y2="72065"/>
+                        <a14:foregroundMark x1="86576" y1="9852" x2="86897" y2="20513"/>
+                        <a14:foregroundMark x1="86897" y1="20513" x2="87299" y2="22807"/>
+                        <a14:foregroundMark x1="96302" y1="10796" x2="96865" y2="51687"/>
+                        <a14:foregroundMark x1="97106" y1="32794" x2="96624" y2="10931"/>
+                        <a14:foregroundMark x1="96624" y1="10931" x2="91881" y2="7692"/>
+                        <a14:foregroundMark x1="91881" y1="7692" x2="85611" y2="7692"/>
+                        <a14:foregroundMark x1="94293" y1="16599" x2="90836" y2="17679"/>
+                        <a14:foregroundMark x1="87862" y1="5668" x2="73232" y2="7692"/>
+                        <a14:foregroundMark x1="73232" y1="7692" x2="71865" y2="14980"/>
+                        <a14:foregroundMark x1="71865" y1="14980" x2="72347" y2="36437"/>
+                        <a14:foregroundMark x1="73955" y1="31579" x2="80305" y2="13225"/>
+                        <a14:foregroundMark x1="80305" y1="13225" x2="81511" y2="11336"/>
+                        <a14:foregroundMark x1="89952" y1="87989" x2="75723" y2="88664"/>
+                        <a14:foregroundMark x1="71865" y1="81511" x2="72669" y2="52497"/>
+                        <a14:foregroundMark x1="71785" y1="72605" x2="71945" y2="55331"/>
+                        <a14:foregroundMark x1="71945" y1="55331" x2="72749" y2="52497"/>
+                        <a14:foregroundMark x1="71543" y1="40621" x2="72428" y2="27260"/>
+                        <a14:foregroundMark x1="66559" y1="74764" x2="66559" y2="74764"/>
+                        <a14:foregroundMark x1="66399" y1="73819" x2="66559" y2="64507"/>
+                        <a14:foregroundMark x1="66640" y1="69906" x2="66318" y2="75439"/>
+                        <a14:foregroundMark x1="66479" y1="63968" x2="66640" y2="47233"/>
+                        <a14:foregroundMark x1="66479" y1="46559" x2="66077" y2="30229"/>
+                        <a14:foregroundMark x1="66077" y1="30229" x2="65113" y2="23482"/>
+                        <a14:foregroundMark x1="66640" y1="32659" x2="66640" y2="32659"/>
+                        <a14:foregroundMark x1="66801" y1="34683" x2="66238" y2="46559"/>
+                      </a14:backgroundRemoval>
+                    </a14:imgEffect>
+                  </a14:imgLayer>
+                </a14:imgProps>
+              </a:ext>
+            </a:extLst>
+          </a:blip>
+          <a:stretch>
+            <a:fillRect/>
+          </a:stretch>
+        </p:blipFill>
+        <p:spPr>
+          <a:xfrm>
+            <a:off x="339352" y="0"/>
+            <a:ext cx="11513296" cy="6858000"/>
+          </a:xfrm>
+          <a:prstGeom prst="rect">
+            <a:avLst/>
+          </a:prstGeom>
+        </p:spPr>
+      </p:pic>
+      <p:sp>
+        <p:nvSpPr>
+          <p:cNvPr id="3" name="ZoneTexte 2">
+            <a:extLst>
+              <a:ext uri="{FF2B5EF4-FFF2-40B4-BE49-F238E27FC236}">
+                <a16:creationId xmlns:a16="http://schemas.microsoft.com/office/drawing/2014/main" id="{0D58C9D2-4C5E-418F-BCA4-D374831CA5DF}"/>
+              </a:ext>
+            </a:extLst>
+          </p:cNvPr>
+          <p:cNvSpPr txBox="1"/>
+          <p:nvPr/>
+        </p:nvSpPr>
+        <p:spPr>
+          <a:xfrm>
+            <a:off x="794093" y="6247032"/>
+            <a:ext cx="7227580" cy="485775"/>
+          </a:xfrm>
+          <a:prstGeom prst="rect">
+            <a:avLst/>
+          </a:prstGeom>
+        </p:spPr>
+        <p:txBody>
+          <a:bodyPr vert="horz" lIns="91440" tIns="45720" rIns="91440" bIns="45720" rtlCol="0" anchor="t">
+            <a:normAutofit fontScale="70000" lnSpcReduction="20000"/>
+          </a:bodyPr>
+          <a:lstStyle/>
+          <a:p>
+            <a:pPr>
+              <a:spcBef>
+                <a:spcPct val="0"/>
+              </a:spcBef>
+              <a:spcAft>
+                <a:spcPts val="600"/>
+              </a:spcAft>
+            </a:pPr>
+            <a:r>
+              <a:rPr lang="en-US" sz="4400" b="1" dirty="0">
+                <a:solidFill>
+                  <a:srgbClr val="FEFEFE"/>
+                </a:solidFill>
+                <a:latin typeface="+mj-lt"/>
+                <a:ea typeface="+mj-ea"/>
+                <a:cs typeface="+mj-cs"/>
+              </a:rPr>
+              <a:t>Page “Gestion des </a:t>
+            </a:r>
+            <a:r>
+              <a:rPr lang="en-US" sz="4400" b="1" dirty="0" err="1">
+                <a:solidFill>
+                  <a:srgbClr val="FEFEFE"/>
+                </a:solidFill>
+                <a:latin typeface="+mj-lt"/>
+                <a:ea typeface="+mj-ea"/>
+                <a:cs typeface="+mj-cs"/>
+              </a:rPr>
+              <a:t>utilisateurs</a:t>
+            </a:r>
+            <a:r>
+              <a:rPr lang="en-US" sz="4400" b="1" dirty="0">
+                <a:solidFill>
+                  <a:srgbClr val="FEFEFE"/>
+                </a:solidFill>
+                <a:latin typeface="+mj-lt"/>
+                <a:ea typeface="+mj-ea"/>
+                <a:cs typeface="+mj-cs"/>
+              </a:rPr>
+              <a:t>”</a:t>
+            </a:r>
+          </a:p>
+        </p:txBody>
+      </p:sp>
+    </p:spTree>
+    <p:extLst>
+      <p:ext uri="{BB962C8B-B14F-4D97-AF65-F5344CB8AC3E}">
+        <p14:creationId xmlns:p14="http://schemas.microsoft.com/office/powerpoint/2010/main" val="3703492643"/>
+      </p:ext>
+    </p:extLst>
+  </p:cSld>
+  <p:clrMapOvr>
+    <a:masterClrMapping/>
+  </p:clrMapOvr>
+</p:sld>
+</file>
+
+<file path=ppt/slides/slide13.xml><?xml version="1.0" encoding="utf-8"?>
+<p:sld xmlns:a="http://schemas.openxmlformats.org/drawingml/2006/main" xmlns:r="http://schemas.openxmlformats.org/officeDocument/2006/relationships" xmlns:p="http://schemas.openxmlformats.org/presentationml/2006/main">
+  <p:cSld>
+    <p:bg>
+      <p:bgPr>
+        <a:solidFill>
+          <a:schemeClr val="bg1"/>
+        </a:solidFill>
+        <a:effectLst/>
+      </p:bgPr>
+    </p:bg>
+    <p:spTree>
+      <p:nvGrpSpPr>
+        <p:cNvPr id="1" name=""/>
+        <p:cNvGrpSpPr/>
+        <p:nvPr/>
+      </p:nvGrpSpPr>
+      <p:grpSpPr>
+        <a:xfrm>
+          <a:off x="0" y="0"/>
+          <a:ext cx="0" cy="0"/>
+          <a:chOff x="0" y="0"/>
+          <a:chExt cx="0" cy="0"/>
+        </a:xfrm>
+      </p:grpSpPr>
+      <p:sp>
+        <p:nvSpPr>
+          <p:cNvPr id="36" name="Freeform 6">
+            <a:extLst>
+              <a:ext uri="{FF2B5EF4-FFF2-40B4-BE49-F238E27FC236}">
+                <a16:creationId xmlns:a16="http://schemas.microsoft.com/office/drawing/2014/main" id="{133F8CB7-795C-4272-9073-64D8CF97F220}"/>
+              </a:ext>
+              <a:ext uri="{C183D7F6-B498-43B3-948B-1728B52AA6E4}">
+                <adec:decorative xmlns:adec="http://schemas.microsoft.com/office/drawing/2017/decorative" val="1"/>
+              </a:ext>
+            </a:extLst>
+          </p:cNvPr>
+          <p:cNvSpPr>
+            <a:spLocks noGrp="1" noRot="1" noChangeAspect="1" noMove="1" noResize="1" noEditPoints="1" noAdjustHandles="1" noChangeArrowheads="1" noChangeShapeType="1" noTextEdit="1"/>
+          </p:cNvSpPr>
+          <p:nvPr>
+            <p:extLst>
+              <p:ext uri="{386F3935-93C4-4BCD-93E2-E3B085C9AB24}">
+                <p16:designElem xmlns:p16="http://schemas.microsoft.com/office/powerpoint/2015/main" val="1"/>
+              </p:ext>
+            </p:extLst>
+          </p:nvPr>
+        </p:nvSpPr>
+        <p:spPr bwMode="auto">
+          <a:xfrm>
+            <a:off x="0" y="-3175"/>
+            <a:ext cx="12192000" cy="5203825"/>
+          </a:xfrm>
+          <a:custGeom>
+            <a:avLst/>
+            <a:gdLst/>
+            <a:ahLst/>
+            <a:cxnLst/>
+            <a:rect l="0" t="0" r="r" b="b"/>
+            <a:pathLst>
+              <a:path w="5760" h="3278">
+                <a:moveTo>
+                  <a:pt x="5760" y="0"/>
+                </a:moveTo>
+                <a:lnTo>
+                  <a:pt x="0" y="0"/>
+                </a:lnTo>
+                <a:lnTo>
+                  <a:pt x="0" y="3090"/>
+                </a:lnTo>
+                <a:lnTo>
+                  <a:pt x="943" y="3090"/>
+                </a:lnTo>
+                <a:lnTo>
+                  <a:pt x="1123" y="3270"/>
+                </a:lnTo>
+                <a:lnTo>
+                  <a:pt x="1123" y="3270"/>
+                </a:lnTo>
+                <a:lnTo>
+                  <a:pt x="1127" y="3272"/>
+                </a:lnTo>
+                <a:lnTo>
+                  <a:pt x="1133" y="3275"/>
+                </a:lnTo>
+                <a:lnTo>
+                  <a:pt x="1139" y="3278"/>
+                </a:lnTo>
+                <a:lnTo>
+                  <a:pt x="1144" y="3278"/>
+                </a:lnTo>
+                <a:lnTo>
+                  <a:pt x="1150" y="3278"/>
+                </a:lnTo>
+                <a:lnTo>
+                  <a:pt x="1155" y="3275"/>
+                </a:lnTo>
+                <a:lnTo>
+                  <a:pt x="1161" y="3272"/>
+                </a:lnTo>
+                <a:lnTo>
+                  <a:pt x="1165" y="3270"/>
+                </a:lnTo>
+                <a:lnTo>
+                  <a:pt x="1345" y="3090"/>
+                </a:lnTo>
+                <a:lnTo>
+                  <a:pt x="5760" y="3090"/>
+                </a:lnTo>
+                <a:lnTo>
+                  <a:pt x="5760" y="0"/>
+                </a:lnTo>
+                <a:close/>
+              </a:path>
+            </a:pathLst>
+          </a:custGeom>
+          <a:ln/>
+          <a:effectLst/>
+          <a:extLst>
+            <a:ext uri="{91240B29-F687-4f45-9708-019B960494DF}">
+              <a14:hiddenLine xmlns="" xmlns:a16="http://schemas.microsoft.com/office/drawing/2014/main" xmlns:p14="http://schemas.microsoft.com/office/powerpoint/2010/main" xmlns:a14="http://schemas.microsoft.com/office/drawing/2010/main" w="9525">
+                <a:solidFill>
+                  <a:srgbClr val="000000"/>
+                </a:solidFill>
+                <a:round/>
+                <a:headEnd/>
+                <a:tailEnd/>
+              </a14:hiddenLine>
+            </a:ext>
+          </a:extLst>
+        </p:spPr>
+        <p:style>
+          <a:lnRef idx="1">
+            <a:schemeClr val="accent1"/>
+          </a:lnRef>
+          <a:fillRef idx="3">
+            <a:schemeClr val="accent1"/>
+          </a:fillRef>
+          <a:effectRef idx="2">
+            <a:schemeClr val="accent1"/>
+          </a:effectRef>
+          <a:fontRef idx="minor">
+            <a:schemeClr val="lt1"/>
+          </a:fontRef>
+        </p:style>
+      </p:sp>
+      <p:sp>
+        <p:nvSpPr>
+          <p:cNvPr id="37" name="Rectangle 28">
+            <a:extLst>
+              <a:ext uri="{FF2B5EF4-FFF2-40B4-BE49-F238E27FC236}">
+                <a16:creationId xmlns:a16="http://schemas.microsoft.com/office/drawing/2014/main" id="{B7743172-17A8-4FA4-8434-B813E03B7665}"/>
+              </a:ext>
+              <a:ext uri="{C183D7F6-B498-43B3-948B-1728B52AA6E4}">
+                <adec:decorative xmlns:adec="http://schemas.microsoft.com/office/drawing/2017/decorative" val="1"/>
+              </a:ext>
+            </a:extLst>
+          </p:cNvPr>
+          <p:cNvSpPr>
+            <a:spLocks noGrp="1" noRot="1" noChangeAspect="1" noMove="1" noResize="1" noEditPoints="1" noAdjustHandles="1" noChangeArrowheads="1" noChangeShapeType="1" noTextEdit="1"/>
+          </p:cNvSpPr>
+          <p:nvPr>
+            <p:extLst>
+              <p:ext uri="{386F3935-93C4-4BCD-93E2-E3B085C9AB24}">
+                <p16:designElem xmlns:p16="http://schemas.microsoft.com/office/powerpoint/2015/main" val="1"/>
+              </p:ext>
+            </p:extLst>
+          </p:nvPr>
+        </p:nvSpPr>
+        <p:spPr>
+          <a:xfrm>
+            <a:off x="0" y="0"/>
+            <a:ext cx="12192000" cy="6858000"/>
+          </a:xfrm>
+          <a:prstGeom prst="rect">
+            <a:avLst/>
+          </a:prstGeom>
+          <a:solidFill>
+            <a:schemeClr val="bg1"/>
+          </a:solidFill>
+          <a:ln>
+            <a:noFill/>
+          </a:ln>
+        </p:spPr>
+        <p:style>
+          <a:lnRef idx="2">
+            <a:schemeClr val="accent1">
+              <a:shade val="50000"/>
+            </a:schemeClr>
+          </a:lnRef>
+          <a:fillRef idx="1">
+            <a:schemeClr val="accent1"/>
+          </a:fillRef>
+          <a:effectRef idx="0">
+            <a:schemeClr val="accent1"/>
+          </a:effectRef>
+          <a:fontRef idx="minor">
+            <a:schemeClr val="lt1"/>
+          </a:fontRef>
+        </p:style>
+        <p:txBody>
+          <a:bodyPr rtlCol="0" anchor="ctr"/>
+          <a:lstStyle/>
+          <a:p>
+            <a:pPr algn="ctr"/>
+            <a:endParaRPr lang="en-US"/>
+          </a:p>
+        </p:txBody>
+      </p:sp>
+      <p:sp>
+        <p:nvSpPr>
+          <p:cNvPr id="38" name="Freeform 23">
+            <a:extLst>
+              <a:ext uri="{FF2B5EF4-FFF2-40B4-BE49-F238E27FC236}">
+                <a16:creationId xmlns:a16="http://schemas.microsoft.com/office/drawing/2014/main" id="{4CE1233C-FD2F-489E-BFDE-086F5FED6491}"/>
+              </a:ext>
+              <a:ext uri="{C183D7F6-B498-43B3-948B-1728B52AA6E4}">
+                <adec:decorative xmlns:adec="http://schemas.microsoft.com/office/drawing/2017/decorative" val="1"/>
+              </a:ext>
+            </a:extLst>
+          </p:cNvPr>
+          <p:cNvSpPr>
+            <a:spLocks noGrp="1" noRot="1" noChangeAspect="1" noMove="1" noResize="1" noEditPoints="1" noAdjustHandles="1" noChangeArrowheads="1" noChangeShapeType="1" noTextEdit="1"/>
+          </p:cNvSpPr>
+          <p:nvPr>
+            <p:extLst>
+              <p:ext uri="{386F3935-93C4-4BCD-93E2-E3B085C9AB24}">
+                <p16:designElem xmlns:p16="http://schemas.microsoft.com/office/powerpoint/2015/main" val="1"/>
+              </p:ext>
+            </p:extLst>
+          </p:nvPr>
+        </p:nvSpPr>
+        <p:spPr bwMode="white">
+          <a:xfrm>
+            <a:off x="0" y="0"/>
+            <a:ext cx="4637005" cy="6858000"/>
+          </a:xfrm>
+          <a:custGeom>
+            <a:avLst/>
+            <a:gdLst>
+              <a:gd name="connsiteX0" fmla="*/ 0 w 4637005"/>
+              <a:gd name="connsiteY0" fmla="*/ 0 h 6858000"/>
+              <a:gd name="connsiteX1" fmla="*/ 4637005 w 4637005"/>
+              <a:gd name="connsiteY1" fmla="*/ 0 h 6858000"/>
+              <a:gd name="connsiteX2" fmla="*/ 4637005 w 4637005"/>
+              <a:gd name="connsiteY2" fmla="*/ 1900238 h 6858000"/>
+              <a:gd name="connsiteX3" fmla="*/ 4266589 w 4637005"/>
+              <a:gd name="connsiteY3" fmla="*/ 2178050 h 6858000"/>
+              <a:gd name="connsiteX4" fmla="*/ 4262355 w 4637005"/>
+              <a:gd name="connsiteY4" fmla="*/ 2184400 h 6858000"/>
+              <a:gd name="connsiteX5" fmla="*/ 4256005 w 4637005"/>
+              <a:gd name="connsiteY5" fmla="*/ 2193925 h 6858000"/>
+              <a:gd name="connsiteX6" fmla="*/ 4249655 w 4637005"/>
+              <a:gd name="connsiteY6" fmla="*/ 2201863 h 6858000"/>
+              <a:gd name="connsiteX7" fmla="*/ 4249655 w 4637005"/>
+              <a:gd name="connsiteY7" fmla="*/ 2211388 h 6858000"/>
+              <a:gd name="connsiteX8" fmla="*/ 4249655 w 4637005"/>
+              <a:gd name="connsiteY8" fmla="*/ 2220913 h 6858000"/>
+              <a:gd name="connsiteX9" fmla="*/ 4256005 w 4637005"/>
+              <a:gd name="connsiteY9" fmla="*/ 2228850 h 6858000"/>
+              <a:gd name="connsiteX10" fmla="*/ 4262355 w 4637005"/>
+              <a:gd name="connsiteY10" fmla="*/ 2238375 h 6858000"/>
+              <a:gd name="connsiteX11" fmla="*/ 4266589 w 4637005"/>
+              <a:gd name="connsiteY11" fmla="*/ 2244725 h 6858000"/>
+              <a:gd name="connsiteX12" fmla="*/ 4637005 w 4637005"/>
+              <a:gd name="connsiteY12" fmla="*/ 2522538 h 6858000"/>
+              <a:gd name="connsiteX13" fmla="*/ 4637005 w 4637005"/>
+              <a:gd name="connsiteY13" fmla="*/ 6858000 h 6858000"/>
+              <a:gd name="connsiteX14" fmla="*/ 0 w 4637005"/>
+              <a:gd name="connsiteY14" fmla="*/ 6858000 h 6858000"/>
+            </a:gdLst>
+            <a:ahLst/>
+            <a:cxnLst>
+              <a:cxn ang="0">
+                <a:pos x="connsiteX0" y="connsiteY0"/>
+              </a:cxn>
+              <a:cxn ang="0">
+                <a:pos x="connsiteX1" y="connsiteY1"/>
+              </a:cxn>
+              <a:cxn ang="0">
+                <a:pos x="connsiteX2" y="connsiteY2"/>
+              </a:cxn>
+              <a:cxn ang="0">
+                <a:pos x="connsiteX3" y="connsiteY3"/>
+              </a:cxn>
+              <a:cxn ang="0">
+                <a:pos x="connsiteX4" y="connsiteY4"/>
+              </a:cxn>
+              <a:cxn ang="0">
+                <a:pos x="connsiteX5" y="connsiteY5"/>
+              </a:cxn>
+              <a:cxn ang="0">
+                <a:pos x="connsiteX6" y="connsiteY6"/>
+              </a:cxn>
+              <a:cxn ang="0">
+                <a:pos x="connsiteX7" y="connsiteY7"/>
+              </a:cxn>
+              <a:cxn ang="0">
+                <a:pos x="connsiteX8" y="connsiteY8"/>
+              </a:cxn>
+              <a:cxn ang="0">
+                <a:pos x="connsiteX9" y="connsiteY9"/>
+              </a:cxn>
+              <a:cxn ang="0">
+                <a:pos x="connsiteX10" y="connsiteY10"/>
+              </a:cxn>
+              <a:cxn ang="0">
+                <a:pos x="connsiteX11" y="connsiteY11"/>
+              </a:cxn>
+              <a:cxn ang="0">
+                <a:pos x="connsiteX12" y="connsiteY12"/>
+              </a:cxn>
+              <a:cxn ang="0">
+                <a:pos x="connsiteX13" y="connsiteY13"/>
+              </a:cxn>
+              <a:cxn ang="0">
+                <a:pos x="connsiteX14" y="connsiteY14"/>
+              </a:cxn>
+            </a:cxnLst>
+            <a:rect l="l" t="t" r="r" b="b"/>
+            <a:pathLst>
+              <a:path w="4637005" h="6858000">
+                <a:moveTo>
+                  <a:pt x="0" y="0"/>
+                </a:moveTo>
+                <a:lnTo>
+                  <a:pt x="4637005" y="0"/>
+                </a:lnTo>
+                <a:lnTo>
+                  <a:pt x="4637005" y="1900238"/>
+                </a:lnTo>
+                <a:lnTo>
+                  <a:pt x="4266589" y="2178050"/>
+                </a:lnTo>
+                <a:lnTo>
+                  <a:pt x="4262355" y="2184400"/>
+                </a:lnTo>
+                <a:lnTo>
+                  <a:pt x="4256005" y="2193925"/>
+                </a:lnTo>
+                <a:lnTo>
+                  <a:pt x="4249655" y="2201863"/>
+                </a:lnTo>
+                <a:lnTo>
+                  <a:pt x="4249655" y="2211388"/>
+                </a:lnTo>
+                <a:lnTo>
+                  <a:pt x="4249655" y="2220913"/>
+                </a:lnTo>
+                <a:lnTo>
+                  <a:pt x="4256005" y="2228850"/>
+                </a:lnTo>
+                <a:lnTo>
+                  <a:pt x="4262355" y="2238375"/>
+                </a:lnTo>
+                <a:lnTo>
+                  <a:pt x="4266589" y="2244725"/>
+                </a:lnTo>
+                <a:lnTo>
+                  <a:pt x="4637005" y="2522538"/>
+                </a:lnTo>
+                <a:lnTo>
+                  <a:pt x="4637005" y="6858000"/>
+                </a:lnTo>
+                <a:lnTo>
+                  <a:pt x="0" y="6858000"/>
+                </a:lnTo>
+                <a:close/>
+              </a:path>
+            </a:pathLst>
+          </a:custGeom>
+          <a:blipFill>
+            <a:blip r:embed="rId2">
+              <a:duotone>
+                <a:schemeClr val="accent1">
+                  <a:tint val="98000"/>
+                  <a:lumMod val="102000"/>
+                </a:schemeClr>
+                <a:schemeClr val="accent1">
+                  <a:shade val="98000"/>
+                  <a:lumMod val="98000"/>
+                </a:schemeClr>
+              </a:duotone>
+            </a:blip>
+            <a:tile tx="0" ty="0" sx="100000" sy="100000" flip="none" algn="tl"/>
+          </a:blipFill>
+          <a:ln>
+            <a:headEnd/>
+            <a:tailEnd/>
+          </a:ln>
+        </p:spPr>
+        <p:style>
+          <a:lnRef idx="1">
+            <a:schemeClr val="accent1"/>
+          </a:lnRef>
+          <a:fillRef idx="3">
+            <a:schemeClr val="accent1"/>
+          </a:fillRef>
+          <a:effectRef idx="2">
+            <a:schemeClr val="accent1"/>
+          </a:effectRef>
+          <a:fontRef idx="minor">
+            <a:schemeClr val="lt1"/>
+          </a:fontRef>
+        </p:style>
+        <p:txBody>
+          <a:bodyPr wrap="square" rtlCol="0" anchor="ctr">
+            <a:noAutofit/>
+          </a:bodyPr>
+          <a:lstStyle/>
+          <a:p>
+            <a:pPr algn="ctr"/>
+            <a:endParaRPr lang="en-US"/>
+          </a:p>
+        </p:txBody>
+      </p:sp>
+      <p:sp>
+        <p:nvSpPr>
+          <p:cNvPr id="3" name="ZoneTexte 2">
+            <a:extLst>
+              <a:ext uri="{FF2B5EF4-FFF2-40B4-BE49-F238E27FC236}">
+                <a16:creationId xmlns:a16="http://schemas.microsoft.com/office/drawing/2014/main" id="{0D58C9D2-4C5E-418F-BCA4-D374831CA5DF}"/>
+              </a:ext>
+            </a:extLst>
+          </p:cNvPr>
+          <p:cNvSpPr txBox="1"/>
+          <p:nvPr/>
+        </p:nvSpPr>
+        <p:spPr>
+          <a:xfrm>
+            <a:off x="451514" y="1800225"/>
+            <a:ext cx="3444211" cy="4241136"/>
+          </a:xfrm>
+          <a:prstGeom prst="rect">
+            <a:avLst/>
+          </a:prstGeom>
+        </p:spPr>
+        <p:txBody>
+          <a:bodyPr vert="horz" lIns="91440" tIns="45720" rIns="91440" bIns="45720" rtlCol="0" anchor="t">
+            <a:normAutofit/>
+          </a:bodyPr>
+          <a:lstStyle/>
+          <a:p>
+            <a:pPr>
+              <a:spcBef>
+                <a:spcPct val="0"/>
+              </a:spcBef>
+              <a:spcAft>
+                <a:spcPts val="600"/>
+              </a:spcAft>
+            </a:pPr>
+            <a:r>
+              <a:rPr lang="en-US" sz="4400" b="1" dirty="0" err="1">
+                <a:solidFill>
+                  <a:srgbClr val="FEFEFE"/>
+                </a:solidFill>
+                <a:latin typeface="+mj-lt"/>
+                <a:ea typeface="+mj-ea"/>
+                <a:cs typeface="+mj-cs"/>
+              </a:rPr>
+              <a:t>Accès</a:t>
+            </a:r>
+            <a:r>
+              <a:rPr lang="en-US" sz="4400" b="1" dirty="0">
+                <a:solidFill>
+                  <a:srgbClr val="FEFEFE"/>
+                </a:solidFill>
+                <a:latin typeface="+mj-lt"/>
+                <a:ea typeface="+mj-ea"/>
+                <a:cs typeface="+mj-cs"/>
+              </a:rPr>
+              <a:t> à la page “Gestion des </a:t>
+            </a:r>
+            <a:r>
+              <a:rPr lang="en-US" sz="4400" b="1" dirty="0" err="1">
+                <a:solidFill>
+                  <a:srgbClr val="FEFEFE"/>
+                </a:solidFill>
+                <a:latin typeface="+mj-lt"/>
+                <a:ea typeface="+mj-ea"/>
+                <a:cs typeface="+mj-cs"/>
+              </a:rPr>
+              <a:t>utilisateurs</a:t>
+            </a:r>
+            <a:r>
+              <a:rPr lang="en-US" sz="4400" b="1" dirty="0">
+                <a:solidFill>
+                  <a:srgbClr val="FEFEFE"/>
+                </a:solidFill>
+                <a:latin typeface="+mj-lt"/>
+                <a:ea typeface="+mj-ea"/>
+                <a:cs typeface="+mj-cs"/>
+              </a:rPr>
+              <a:t>”</a:t>
+            </a:r>
+          </a:p>
+        </p:txBody>
+      </p:sp>
+      <p:pic>
+        <p:nvPicPr>
+          <p:cNvPr id="4" name="Image 3">
+            <a:extLst>
+              <a:ext uri="{FF2B5EF4-FFF2-40B4-BE49-F238E27FC236}">
+                <a16:creationId xmlns:a16="http://schemas.microsoft.com/office/drawing/2014/main" id="{30F47881-BD36-4941-9761-B699173268F0}"/>
+              </a:ext>
+            </a:extLst>
+          </p:cNvPr>
+          <p:cNvPicPr>
+            <a:picLocks noChangeAspect="1"/>
+          </p:cNvPicPr>
+          <p:nvPr/>
+        </p:nvPicPr>
+        <p:blipFill rotWithShape="1">
+          <a:blip r:embed="rId3"/>
+          <a:srcRect b="5757"/>
+          <a:stretch/>
+        </p:blipFill>
+        <p:spPr>
+          <a:xfrm>
+            <a:off x="4788039" y="1872241"/>
+            <a:ext cx="7252926" cy="2905032"/>
+          </a:xfrm>
+          <a:prstGeom prst="roundRect">
+            <a:avLst>
+              <a:gd name="adj" fmla="val 3876"/>
+            </a:avLst>
+          </a:prstGeom>
+          <a:ln>
+            <a:solidFill>
+              <a:schemeClr val="accent1"/>
+            </a:solidFill>
+          </a:ln>
+          <a:effectLst/>
+        </p:spPr>
+      </p:pic>
+    </p:spTree>
+    <p:extLst>
+      <p:ext uri="{BB962C8B-B14F-4D97-AF65-F5344CB8AC3E}">
+        <p14:creationId xmlns:p14="http://schemas.microsoft.com/office/powerpoint/2010/main" val="40024570"/>
+      </p:ext>
+    </p:extLst>
+  </p:cSld>
+  <p:clrMapOvr>
+    <a:overrideClrMapping bg1="lt1" tx1="dk1" bg2="lt2" tx2="dk2" accent1="accent1" accent2="accent2" accent3="accent3" accent4="accent4" accent5="accent5" accent6="accent6" hlink="hlink" folHlink="folHlink"/>
+  </p:clrMapOvr>
+</p:sld>
+</file>
+
+<file path=ppt/slides/slide14.xml><?xml version="1.0" encoding="utf-8"?>
+<p:sld xmlns:a="http://schemas.openxmlformats.org/drawingml/2006/main" xmlns:r="http://schemas.openxmlformats.org/officeDocument/2006/relationships" xmlns:p="http://schemas.openxmlformats.org/presentationml/2006/main">
+  <p:cSld>
+    <p:bg>
+      <p:bgPr>
+        <a:solidFill>
+          <a:schemeClr val="bg1"/>
+        </a:solidFill>
+        <a:effectLst/>
+      </p:bgPr>
+    </p:bg>
+    <p:spTree>
+      <p:nvGrpSpPr>
+        <p:cNvPr id="1" name=""/>
+        <p:cNvGrpSpPr/>
+        <p:nvPr/>
+      </p:nvGrpSpPr>
+      <p:grpSpPr>
+        <a:xfrm>
+          <a:off x="0" y="0"/>
+          <a:ext cx="0" cy="0"/>
+          <a:chOff x="0" y="0"/>
+          <a:chExt cx="0" cy="0"/>
+        </a:xfrm>
+      </p:grpSpPr>
+      <p:sp>
+        <p:nvSpPr>
+          <p:cNvPr id="9" name="Freeform 6">
+            <a:extLst>
+              <a:ext uri="{FF2B5EF4-FFF2-40B4-BE49-F238E27FC236}">
+                <a16:creationId xmlns:a16="http://schemas.microsoft.com/office/drawing/2014/main" id="{133F8CB7-795C-4272-9073-64D8CF97F220}"/>
+              </a:ext>
+              <a:ext uri="{C183D7F6-B498-43B3-948B-1728B52AA6E4}">
+                <adec:decorative xmlns:adec="http://schemas.microsoft.com/office/drawing/2017/decorative" val="1"/>
+              </a:ext>
+            </a:extLst>
+          </p:cNvPr>
+          <p:cNvSpPr>
+            <a:spLocks noGrp="1" noRot="1" noChangeAspect="1" noMove="1" noResize="1" noEditPoints="1" noAdjustHandles="1" noChangeArrowheads="1" noChangeShapeType="1" noTextEdit="1"/>
+          </p:cNvSpPr>
+          <p:nvPr>
+            <p:extLst>
+              <p:ext uri="{386F3935-93C4-4BCD-93E2-E3B085C9AB24}">
+                <p16:designElem xmlns:p16="http://schemas.microsoft.com/office/powerpoint/2015/main" val="1"/>
+              </p:ext>
+            </p:extLst>
+          </p:nvPr>
+        </p:nvSpPr>
+        <p:spPr bwMode="auto">
+          <a:xfrm>
+            <a:off x="0" y="-3175"/>
+            <a:ext cx="12192000" cy="5203825"/>
+          </a:xfrm>
+          <a:custGeom>
+            <a:avLst/>
+            <a:gdLst/>
+            <a:ahLst/>
+            <a:cxnLst/>
+            <a:rect l="0" t="0" r="r" b="b"/>
+            <a:pathLst>
+              <a:path w="5760" h="3278">
+                <a:moveTo>
+                  <a:pt x="5760" y="0"/>
+                </a:moveTo>
+                <a:lnTo>
+                  <a:pt x="0" y="0"/>
+                </a:lnTo>
+                <a:lnTo>
+                  <a:pt x="0" y="3090"/>
+                </a:lnTo>
+                <a:lnTo>
+                  <a:pt x="943" y="3090"/>
+                </a:lnTo>
+                <a:lnTo>
+                  <a:pt x="1123" y="3270"/>
+                </a:lnTo>
+                <a:lnTo>
+                  <a:pt x="1123" y="3270"/>
+                </a:lnTo>
+                <a:lnTo>
+                  <a:pt x="1127" y="3272"/>
+                </a:lnTo>
+                <a:lnTo>
+                  <a:pt x="1133" y="3275"/>
+                </a:lnTo>
+                <a:lnTo>
+                  <a:pt x="1139" y="3278"/>
+                </a:lnTo>
+                <a:lnTo>
+                  <a:pt x="1144" y="3278"/>
+                </a:lnTo>
+                <a:lnTo>
+                  <a:pt x="1150" y="3278"/>
+                </a:lnTo>
+                <a:lnTo>
+                  <a:pt x="1155" y="3275"/>
+                </a:lnTo>
+                <a:lnTo>
+                  <a:pt x="1161" y="3272"/>
+                </a:lnTo>
+                <a:lnTo>
+                  <a:pt x="1165" y="3270"/>
+                </a:lnTo>
+                <a:lnTo>
+                  <a:pt x="1345" y="3090"/>
+                </a:lnTo>
+                <a:lnTo>
+                  <a:pt x="5760" y="3090"/>
+                </a:lnTo>
+                <a:lnTo>
+                  <a:pt x="5760" y="0"/>
+                </a:lnTo>
+                <a:close/>
+              </a:path>
+            </a:pathLst>
+          </a:custGeom>
+          <a:ln/>
+          <a:effectLst/>
+          <a:extLst>
+            <a:ext uri="{91240B29-F687-4f45-9708-019B960494DF}">
+              <a14:hiddenLine xmlns="" xmlns:a16="http://schemas.microsoft.com/office/drawing/2014/main" xmlns:p14="http://schemas.microsoft.com/office/powerpoint/2010/main" xmlns:a14="http://schemas.microsoft.com/office/drawing/2010/main" w="9525">
+                <a:solidFill>
+                  <a:srgbClr val="000000"/>
+                </a:solidFill>
+                <a:round/>
+                <a:headEnd/>
+                <a:tailEnd/>
+              </a14:hiddenLine>
+            </a:ext>
+          </a:extLst>
+        </p:spPr>
+        <p:style>
+          <a:lnRef idx="1">
+            <a:schemeClr val="accent1"/>
+          </a:lnRef>
+          <a:fillRef idx="3">
+            <a:schemeClr val="accent1"/>
+          </a:fillRef>
+          <a:effectRef idx="2">
+            <a:schemeClr val="accent1"/>
+          </a:effectRef>
+          <a:fontRef idx="minor">
+            <a:schemeClr val="lt1"/>
+          </a:fontRef>
+        </p:style>
+      </p:sp>
+      <p:sp>
+        <p:nvSpPr>
+          <p:cNvPr id="11" name="Rectangle 10">
+            <a:extLst>
+              <a:ext uri="{FF2B5EF4-FFF2-40B4-BE49-F238E27FC236}">
+                <a16:creationId xmlns:a16="http://schemas.microsoft.com/office/drawing/2014/main" id="{B7743172-17A8-4FA4-8434-B813E03B7665}"/>
+              </a:ext>
+              <a:ext uri="{C183D7F6-B498-43B3-948B-1728B52AA6E4}">
+                <adec:decorative xmlns:adec="http://schemas.microsoft.com/office/drawing/2017/decorative" val="1"/>
+              </a:ext>
+            </a:extLst>
+          </p:cNvPr>
+          <p:cNvSpPr>
+            <a:spLocks noGrp="1" noRot="1" noChangeAspect="1" noMove="1" noResize="1" noEditPoints="1" noAdjustHandles="1" noChangeArrowheads="1" noChangeShapeType="1" noTextEdit="1"/>
+          </p:cNvSpPr>
+          <p:nvPr>
+            <p:extLst>
+              <p:ext uri="{386F3935-93C4-4BCD-93E2-E3B085C9AB24}">
+                <p16:designElem xmlns:p16="http://schemas.microsoft.com/office/powerpoint/2015/main" val="1"/>
+              </p:ext>
+            </p:extLst>
+          </p:nvPr>
+        </p:nvSpPr>
+        <p:spPr>
+          <a:xfrm>
+            <a:off x="0" y="0"/>
+            <a:ext cx="12192000" cy="6858000"/>
+          </a:xfrm>
+          <a:prstGeom prst="rect">
+            <a:avLst/>
+          </a:prstGeom>
+          <a:solidFill>
+            <a:schemeClr val="bg1"/>
+          </a:solidFill>
+          <a:ln>
+            <a:noFill/>
+          </a:ln>
+        </p:spPr>
+        <p:style>
+          <a:lnRef idx="2">
+            <a:schemeClr val="accent1">
+              <a:shade val="50000"/>
+            </a:schemeClr>
+          </a:lnRef>
+          <a:fillRef idx="1">
+            <a:schemeClr val="accent1"/>
+          </a:fillRef>
+          <a:effectRef idx="0">
+            <a:schemeClr val="accent1"/>
+          </a:effectRef>
+          <a:fontRef idx="minor">
+            <a:schemeClr val="lt1"/>
+          </a:fontRef>
+        </p:style>
+        <p:txBody>
+          <a:bodyPr rtlCol="0" anchor="ctr"/>
+          <a:lstStyle/>
+          <a:p>
+            <a:pPr algn="ctr"/>
+            <a:endParaRPr lang="en-US"/>
+          </a:p>
+        </p:txBody>
+      </p:sp>
+      <p:sp>
+        <p:nvSpPr>
+          <p:cNvPr id="13" name="Freeform 23">
+            <a:extLst>
+              <a:ext uri="{FF2B5EF4-FFF2-40B4-BE49-F238E27FC236}">
+                <a16:creationId xmlns:a16="http://schemas.microsoft.com/office/drawing/2014/main" id="{4CE1233C-FD2F-489E-BFDE-086F5FED6491}"/>
+              </a:ext>
+              <a:ext uri="{C183D7F6-B498-43B3-948B-1728B52AA6E4}">
+                <adec:decorative xmlns:adec="http://schemas.microsoft.com/office/drawing/2017/decorative" val="1"/>
+              </a:ext>
+            </a:extLst>
+          </p:cNvPr>
+          <p:cNvSpPr>
+            <a:spLocks noGrp="1" noRot="1" noChangeAspect="1" noMove="1" noResize="1" noEditPoints="1" noAdjustHandles="1" noChangeArrowheads="1" noChangeShapeType="1" noTextEdit="1"/>
+          </p:cNvSpPr>
+          <p:nvPr>
+            <p:extLst>
+              <p:ext uri="{386F3935-93C4-4BCD-93E2-E3B085C9AB24}">
+                <p16:designElem xmlns:p16="http://schemas.microsoft.com/office/powerpoint/2015/main" val="1"/>
+              </p:ext>
+            </p:extLst>
+          </p:nvPr>
+        </p:nvSpPr>
+        <p:spPr bwMode="white">
+          <a:xfrm>
+            <a:off x="0" y="0"/>
+            <a:ext cx="4637005" cy="6858000"/>
+          </a:xfrm>
+          <a:custGeom>
+            <a:avLst/>
+            <a:gdLst>
+              <a:gd name="connsiteX0" fmla="*/ 0 w 4637005"/>
+              <a:gd name="connsiteY0" fmla="*/ 0 h 6858000"/>
+              <a:gd name="connsiteX1" fmla="*/ 4637005 w 4637005"/>
+              <a:gd name="connsiteY1" fmla="*/ 0 h 6858000"/>
+              <a:gd name="connsiteX2" fmla="*/ 4637005 w 4637005"/>
+              <a:gd name="connsiteY2" fmla="*/ 1900238 h 6858000"/>
+              <a:gd name="connsiteX3" fmla="*/ 4266589 w 4637005"/>
+              <a:gd name="connsiteY3" fmla="*/ 2178050 h 6858000"/>
+              <a:gd name="connsiteX4" fmla="*/ 4262355 w 4637005"/>
+              <a:gd name="connsiteY4" fmla="*/ 2184400 h 6858000"/>
+              <a:gd name="connsiteX5" fmla="*/ 4256005 w 4637005"/>
+              <a:gd name="connsiteY5" fmla="*/ 2193925 h 6858000"/>
+              <a:gd name="connsiteX6" fmla="*/ 4249655 w 4637005"/>
+              <a:gd name="connsiteY6" fmla="*/ 2201863 h 6858000"/>
+              <a:gd name="connsiteX7" fmla="*/ 4249655 w 4637005"/>
+              <a:gd name="connsiteY7" fmla="*/ 2211388 h 6858000"/>
+              <a:gd name="connsiteX8" fmla="*/ 4249655 w 4637005"/>
+              <a:gd name="connsiteY8" fmla="*/ 2220913 h 6858000"/>
+              <a:gd name="connsiteX9" fmla="*/ 4256005 w 4637005"/>
+              <a:gd name="connsiteY9" fmla="*/ 2228850 h 6858000"/>
+              <a:gd name="connsiteX10" fmla="*/ 4262355 w 4637005"/>
+              <a:gd name="connsiteY10" fmla="*/ 2238375 h 6858000"/>
+              <a:gd name="connsiteX11" fmla="*/ 4266589 w 4637005"/>
+              <a:gd name="connsiteY11" fmla="*/ 2244725 h 6858000"/>
+              <a:gd name="connsiteX12" fmla="*/ 4637005 w 4637005"/>
+              <a:gd name="connsiteY12" fmla="*/ 2522538 h 6858000"/>
+              <a:gd name="connsiteX13" fmla="*/ 4637005 w 4637005"/>
+              <a:gd name="connsiteY13" fmla="*/ 6858000 h 6858000"/>
+              <a:gd name="connsiteX14" fmla="*/ 0 w 4637005"/>
+              <a:gd name="connsiteY14" fmla="*/ 6858000 h 6858000"/>
+            </a:gdLst>
+            <a:ahLst/>
+            <a:cxnLst>
+              <a:cxn ang="0">
+                <a:pos x="connsiteX0" y="connsiteY0"/>
+              </a:cxn>
+              <a:cxn ang="0">
+                <a:pos x="connsiteX1" y="connsiteY1"/>
+              </a:cxn>
+              <a:cxn ang="0">
+                <a:pos x="connsiteX2" y="connsiteY2"/>
+              </a:cxn>
+              <a:cxn ang="0">
+                <a:pos x="connsiteX3" y="connsiteY3"/>
+              </a:cxn>
+              <a:cxn ang="0">
+                <a:pos x="connsiteX4" y="connsiteY4"/>
+              </a:cxn>
+              <a:cxn ang="0">
+                <a:pos x="connsiteX5" y="connsiteY5"/>
+              </a:cxn>
+              <a:cxn ang="0">
+                <a:pos x="connsiteX6" y="connsiteY6"/>
+              </a:cxn>
+              <a:cxn ang="0">
+                <a:pos x="connsiteX7" y="connsiteY7"/>
+              </a:cxn>
+              <a:cxn ang="0">
+                <a:pos x="connsiteX8" y="connsiteY8"/>
+              </a:cxn>
+              <a:cxn ang="0">
+                <a:pos x="connsiteX9" y="connsiteY9"/>
+              </a:cxn>
+              <a:cxn ang="0">
+                <a:pos x="connsiteX10" y="connsiteY10"/>
+              </a:cxn>
+              <a:cxn ang="0">
+                <a:pos x="connsiteX11" y="connsiteY11"/>
+              </a:cxn>
+              <a:cxn ang="0">
+                <a:pos x="connsiteX12" y="connsiteY12"/>
+              </a:cxn>
+              <a:cxn ang="0">
+                <a:pos x="connsiteX13" y="connsiteY13"/>
+              </a:cxn>
+              <a:cxn ang="0">
+                <a:pos x="connsiteX14" y="connsiteY14"/>
+              </a:cxn>
+            </a:cxnLst>
+            <a:rect l="l" t="t" r="r" b="b"/>
+            <a:pathLst>
+              <a:path w="4637005" h="6858000">
+                <a:moveTo>
+                  <a:pt x="0" y="0"/>
+                </a:moveTo>
+                <a:lnTo>
+                  <a:pt x="4637005" y="0"/>
+                </a:lnTo>
+                <a:lnTo>
+                  <a:pt x="4637005" y="1900238"/>
+                </a:lnTo>
+                <a:lnTo>
+                  <a:pt x="4266589" y="2178050"/>
+                </a:lnTo>
+                <a:lnTo>
+                  <a:pt x="4262355" y="2184400"/>
+                </a:lnTo>
+                <a:lnTo>
+                  <a:pt x="4256005" y="2193925"/>
+                </a:lnTo>
+                <a:lnTo>
+                  <a:pt x="4249655" y="2201863"/>
+                </a:lnTo>
+                <a:lnTo>
+                  <a:pt x="4249655" y="2211388"/>
+                </a:lnTo>
+                <a:lnTo>
+                  <a:pt x="4249655" y="2220913"/>
+                </a:lnTo>
+                <a:lnTo>
+                  <a:pt x="4256005" y="2228850"/>
+                </a:lnTo>
+                <a:lnTo>
+                  <a:pt x="4262355" y="2238375"/>
+                </a:lnTo>
+                <a:lnTo>
+                  <a:pt x="4266589" y="2244725"/>
+                </a:lnTo>
+                <a:lnTo>
+                  <a:pt x="4637005" y="2522538"/>
+                </a:lnTo>
+                <a:lnTo>
+                  <a:pt x="4637005" y="6858000"/>
+                </a:lnTo>
+                <a:lnTo>
+                  <a:pt x="0" y="6858000"/>
+                </a:lnTo>
+                <a:close/>
+              </a:path>
+            </a:pathLst>
+          </a:custGeom>
+          <a:blipFill>
+            <a:blip r:embed="rId2">
+              <a:duotone>
+                <a:schemeClr val="accent1">
+                  <a:tint val="98000"/>
+                  <a:lumMod val="102000"/>
+                </a:schemeClr>
+                <a:schemeClr val="accent1">
+                  <a:shade val="98000"/>
+                  <a:lumMod val="98000"/>
+                </a:schemeClr>
+              </a:duotone>
+            </a:blip>
+            <a:tile tx="0" ty="0" sx="100000" sy="100000" flip="none" algn="tl"/>
+          </a:blipFill>
+          <a:ln>
+            <a:headEnd/>
+            <a:tailEnd/>
+          </a:ln>
+        </p:spPr>
+        <p:style>
+          <a:lnRef idx="1">
+            <a:schemeClr val="accent1"/>
+          </a:lnRef>
+          <a:fillRef idx="3">
+            <a:schemeClr val="accent1"/>
+          </a:fillRef>
+          <a:effectRef idx="2">
+            <a:schemeClr val="accent1"/>
+          </a:effectRef>
+          <a:fontRef idx="minor">
+            <a:schemeClr val="lt1"/>
+          </a:fontRef>
+        </p:style>
+        <p:txBody>
+          <a:bodyPr wrap="square" rtlCol="0" anchor="ctr">
+            <a:noAutofit/>
+          </a:bodyPr>
+          <a:lstStyle/>
+          <a:p>
+            <a:pPr algn="ctr"/>
+            <a:endParaRPr lang="en-US"/>
+          </a:p>
+        </p:txBody>
+      </p:sp>
+      <p:sp>
+        <p:nvSpPr>
+          <p:cNvPr id="3" name="ZoneTexte 2">
+            <a:extLst>
+              <a:ext uri="{FF2B5EF4-FFF2-40B4-BE49-F238E27FC236}">
+                <a16:creationId xmlns:a16="http://schemas.microsoft.com/office/drawing/2014/main" id="{0D58C9D2-4C5E-418F-BCA4-D374831CA5DF}"/>
+              </a:ext>
+            </a:extLst>
+          </p:cNvPr>
+          <p:cNvSpPr txBox="1"/>
+          <p:nvPr/>
+        </p:nvSpPr>
+        <p:spPr>
+          <a:xfrm>
+            <a:off x="596396" y="2616864"/>
+            <a:ext cx="3444211" cy="4241136"/>
+          </a:xfrm>
+          <a:prstGeom prst="rect">
+            <a:avLst/>
+          </a:prstGeom>
+        </p:spPr>
+        <p:txBody>
+          <a:bodyPr vert="horz" lIns="91440" tIns="45720" rIns="91440" bIns="45720" rtlCol="0" anchor="t">
+            <a:normAutofit/>
+          </a:bodyPr>
+          <a:lstStyle/>
+          <a:p>
+            <a:pPr>
+              <a:spcBef>
+                <a:spcPct val="0"/>
+              </a:spcBef>
+              <a:spcAft>
+                <a:spcPts val="600"/>
+              </a:spcAft>
+            </a:pPr>
+            <a:r>
+              <a:rPr lang="en-US" sz="4400" b="1" dirty="0" err="1">
+                <a:solidFill>
+                  <a:srgbClr val="FEFEFE"/>
+                </a:solidFill>
+                <a:latin typeface="+mj-lt"/>
+                <a:ea typeface="+mj-ea"/>
+                <a:cs typeface="+mj-cs"/>
+              </a:rPr>
+              <a:t>Ajout</a:t>
+            </a:r>
+            <a:r>
+              <a:rPr lang="en-US" sz="4400" b="1" dirty="0">
+                <a:solidFill>
+                  <a:srgbClr val="FEFEFE"/>
+                </a:solidFill>
+                <a:latin typeface="+mj-lt"/>
+                <a:ea typeface="+mj-ea"/>
+                <a:cs typeface="+mj-cs"/>
+              </a:rPr>
+              <a:t> d’un </a:t>
+            </a:r>
+            <a:r>
+              <a:rPr lang="en-US" sz="4400" b="1" dirty="0" err="1">
+                <a:solidFill>
+                  <a:srgbClr val="FEFEFE"/>
+                </a:solidFill>
+                <a:latin typeface="+mj-lt"/>
+                <a:ea typeface="+mj-ea"/>
+                <a:cs typeface="+mj-cs"/>
+              </a:rPr>
+              <a:t>utilisateur</a:t>
+            </a:r>
+            <a:endParaRPr lang="en-US" sz="4400" b="1" dirty="0">
+              <a:solidFill>
+                <a:srgbClr val="FEFEFE"/>
+              </a:solidFill>
+              <a:latin typeface="+mj-lt"/>
+              <a:ea typeface="+mj-ea"/>
+              <a:cs typeface="+mj-cs"/>
+            </a:endParaRPr>
+          </a:p>
+        </p:txBody>
+      </p:sp>
+      <p:pic>
+        <p:nvPicPr>
+          <p:cNvPr id="4" name="Image 3">
+            <a:extLst>
+              <a:ext uri="{FF2B5EF4-FFF2-40B4-BE49-F238E27FC236}">
+                <a16:creationId xmlns:a16="http://schemas.microsoft.com/office/drawing/2014/main" id="{9E746950-4002-481C-93FF-6ED54E3ED518}"/>
+              </a:ext>
+            </a:extLst>
+          </p:cNvPr>
+          <p:cNvPicPr>
+            <a:picLocks noChangeAspect="1"/>
+          </p:cNvPicPr>
+          <p:nvPr/>
+        </p:nvPicPr>
+        <p:blipFill>
+          <a:blip r:embed="rId3"/>
+          <a:stretch>
+            <a:fillRect/>
+          </a:stretch>
+        </p:blipFill>
+        <p:spPr>
+          <a:xfrm>
+            <a:off x="4925909" y="1310916"/>
+            <a:ext cx="7119612" cy="4236168"/>
+          </a:xfrm>
+          <a:prstGeom prst="roundRect">
+            <a:avLst>
+              <a:gd name="adj" fmla="val 3876"/>
+            </a:avLst>
+          </a:prstGeom>
+          <a:ln>
+            <a:solidFill>
+              <a:schemeClr val="accent1"/>
+            </a:solidFill>
+          </a:ln>
+          <a:effectLst/>
+        </p:spPr>
+      </p:pic>
+    </p:spTree>
+    <p:extLst>
+      <p:ext uri="{BB962C8B-B14F-4D97-AF65-F5344CB8AC3E}">
+        <p14:creationId xmlns:p14="http://schemas.microsoft.com/office/powerpoint/2010/main" val="3359887203"/>
+      </p:ext>
+    </p:extLst>
+  </p:cSld>
+  <p:clrMapOvr>
+    <a:overrideClrMapping bg1="lt1" tx1="dk1" bg2="lt2" tx2="dk2" accent1="accent1" accent2="accent2" accent3="accent3" accent4="accent4" accent5="accent5" accent6="accent6" hlink="hlink" folHlink="folHlink"/>
+  </p:clrMapOvr>
+</p:sld>
+</file>
+
+<file path=ppt/slides/slide15.xml><?xml version="1.0" encoding="utf-8"?>
+<p:sld xmlns:a="http://schemas.openxmlformats.org/drawingml/2006/main" xmlns:r="http://schemas.openxmlformats.org/officeDocument/2006/relationships" xmlns:p="http://schemas.openxmlformats.org/presentationml/2006/main">
+  <p:cSld>
+    <p:bg>
+      <p:bgPr>
+        <a:solidFill>
+          <a:schemeClr val="bg1"/>
+        </a:solidFill>
+        <a:effectLst/>
+      </p:bgPr>
+    </p:bg>
+    <p:spTree>
+      <p:nvGrpSpPr>
+        <p:cNvPr id="1" name=""/>
+        <p:cNvGrpSpPr/>
+        <p:nvPr/>
+      </p:nvGrpSpPr>
+      <p:grpSpPr>
+        <a:xfrm>
+          <a:off x="0" y="0"/>
+          <a:ext cx="0" cy="0"/>
+          <a:chOff x="0" y="0"/>
+          <a:chExt cx="0" cy="0"/>
+        </a:xfrm>
+      </p:grpSpPr>
+      <p:sp>
+        <p:nvSpPr>
+          <p:cNvPr id="9" name="Freeform 6">
+            <a:extLst>
+              <a:ext uri="{FF2B5EF4-FFF2-40B4-BE49-F238E27FC236}">
+                <a16:creationId xmlns:a16="http://schemas.microsoft.com/office/drawing/2014/main" id="{133F8CB7-795C-4272-9073-64D8CF97F220}"/>
+              </a:ext>
+              <a:ext uri="{C183D7F6-B498-43B3-948B-1728B52AA6E4}">
+                <adec:decorative xmlns:adec="http://schemas.microsoft.com/office/drawing/2017/decorative" val="1"/>
+              </a:ext>
+            </a:extLst>
+          </p:cNvPr>
+          <p:cNvSpPr>
+            <a:spLocks noGrp="1" noRot="1" noChangeAspect="1" noMove="1" noResize="1" noEditPoints="1" noAdjustHandles="1" noChangeArrowheads="1" noChangeShapeType="1" noTextEdit="1"/>
+          </p:cNvSpPr>
+          <p:nvPr>
+            <p:extLst>
+              <p:ext uri="{386F3935-93C4-4BCD-93E2-E3B085C9AB24}">
+                <p16:designElem xmlns:p16="http://schemas.microsoft.com/office/powerpoint/2015/main" val="1"/>
+              </p:ext>
+            </p:extLst>
+          </p:nvPr>
+        </p:nvSpPr>
+        <p:spPr bwMode="auto">
+          <a:xfrm>
+            <a:off x="0" y="-3175"/>
+            <a:ext cx="12192000" cy="5203825"/>
+          </a:xfrm>
+          <a:custGeom>
+            <a:avLst/>
+            <a:gdLst/>
+            <a:ahLst/>
+            <a:cxnLst/>
+            <a:rect l="0" t="0" r="r" b="b"/>
+            <a:pathLst>
+              <a:path w="5760" h="3278">
+                <a:moveTo>
+                  <a:pt x="5760" y="0"/>
+                </a:moveTo>
+                <a:lnTo>
+                  <a:pt x="0" y="0"/>
+                </a:lnTo>
+                <a:lnTo>
+                  <a:pt x="0" y="3090"/>
+                </a:lnTo>
+                <a:lnTo>
+                  <a:pt x="943" y="3090"/>
+                </a:lnTo>
+                <a:lnTo>
+                  <a:pt x="1123" y="3270"/>
+                </a:lnTo>
+                <a:lnTo>
+                  <a:pt x="1123" y="3270"/>
+                </a:lnTo>
+                <a:lnTo>
+                  <a:pt x="1127" y="3272"/>
+                </a:lnTo>
+                <a:lnTo>
+                  <a:pt x="1133" y="3275"/>
+                </a:lnTo>
+                <a:lnTo>
+                  <a:pt x="1139" y="3278"/>
+                </a:lnTo>
+                <a:lnTo>
+                  <a:pt x="1144" y="3278"/>
+                </a:lnTo>
+                <a:lnTo>
+                  <a:pt x="1150" y="3278"/>
+                </a:lnTo>
+                <a:lnTo>
+                  <a:pt x="1155" y="3275"/>
+                </a:lnTo>
+                <a:lnTo>
+                  <a:pt x="1161" y="3272"/>
+                </a:lnTo>
+                <a:lnTo>
+                  <a:pt x="1165" y="3270"/>
+                </a:lnTo>
+                <a:lnTo>
+                  <a:pt x="1345" y="3090"/>
+                </a:lnTo>
+                <a:lnTo>
+                  <a:pt x="5760" y="3090"/>
+                </a:lnTo>
+                <a:lnTo>
+                  <a:pt x="5760" y="0"/>
+                </a:lnTo>
+                <a:close/>
+              </a:path>
+            </a:pathLst>
+          </a:custGeom>
+          <a:ln/>
+          <a:effectLst/>
+          <a:extLst>
+            <a:ext uri="{91240B29-F687-4f45-9708-019B960494DF}">
+              <a14:hiddenLine xmlns="" xmlns:a16="http://schemas.microsoft.com/office/drawing/2014/main" xmlns:p14="http://schemas.microsoft.com/office/powerpoint/2010/main" xmlns:a14="http://schemas.microsoft.com/office/drawing/2010/main" w="9525">
+                <a:solidFill>
+                  <a:srgbClr val="000000"/>
+                </a:solidFill>
+                <a:round/>
+                <a:headEnd/>
+                <a:tailEnd/>
+              </a14:hiddenLine>
+            </a:ext>
+          </a:extLst>
+        </p:spPr>
+        <p:style>
+          <a:lnRef idx="1">
+            <a:schemeClr val="accent1"/>
+          </a:lnRef>
+          <a:fillRef idx="3">
+            <a:schemeClr val="accent1"/>
+          </a:fillRef>
+          <a:effectRef idx="2">
+            <a:schemeClr val="accent1"/>
+          </a:effectRef>
+          <a:fontRef idx="minor">
+            <a:schemeClr val="lt1"/>
+          </a:fontRef>
+        </p:style>
+      </p:sp>
+      <p:sp>
+        <p:nvSpPr>
+          <p:cNvPr id="11" name="Rectangle 10">
+            <a:extLst>
+              <a:ext uri="{FF2B5EF4-FFF2-40B4-BE49-F238E27FC236}">
+                <a16:creationId xmlns:a16="http://schemas.microsoft.com/office/drawing/2014/main" id="{B7743172-17A8-4FA4-8434-B813E03B7665}"/>
+              </a:ext>
+              <a:ext uri="{C183D7F6-B498-43B3-948B-1728B52AA6E4}">
+                <adec:decorative xmlns:adec="http://schemas.microsoft.com/office/drawing/2017/decorative" val="1"/>
+              </a:ext>
+            </a:extLst>
+          </p:cNvPr>
+          <p:cNvSpPr>
+            <a:spLocks noGrp="1" noRot="1" noChangeAspect="1" noMove="1" noResize="1" noEditPoints="1" noAdjustHandles="1" noChangeArrowheads="1" noChangeShapeType="1" noTextEdit="1"/>
+          </p:cNvSpPr>
+          <p:nvPr>
+            <p:extLst>
+              <p:ext uri="{386F3935-93C4-4BCD-93E2-E3B085C9AB24}">
+                <p16:designElem xmlns:p16="http://schemas.microsoft.com/office/powerpoint/2015/main" val="1"/>
+              </p:ext>
+            </p:extLst>
+          </p:nvPr>
+        </p:nvSpPr>
+        <p:spPr>
+          <a:xfrm>
+            <a:off x="0" y="0"/>
+            <a:ext cx="12192000" cy="6858000"/>
+          </a:xfrm>
+          <a:prstGeom prst="rect">
+            <a:avLst/>
+          </a:prstGeom>
+          <a:solidFill>
+            <a:schemeClr val="bg1"/>
+          </a:solidFill>
+          <a:ln>
+            <a:noFill/>
+          </a:ln>
+        </p:spPr>
+        <p:style>
+          <a:lnRef idx="2">
+            <a:schemeClr val="accent1">
+              <a:shade val="50000"/>
+            </a:schemeClr>
+          </a:lnRef>
+          <a:fillRef idx="1">
+            <a:schemeClr val="accent1"/>
+          </a:fillRef>
+          <a:effectRef idx="0">
+            <a:schemeClr val="accent1"/>
+          </a:effectRef>
+          <a:fontRef idx="minor">
+            <a:schemeClr val="lt1"/>
+          </a:fontRef>
+        </p:style>
+        <p:txBody>
+          <a:bodyPr rtlCol="0" anchor="ctr"/>
+          <a:lstStyle/>
+          <a:p>
+            <a:pPr algn="ctr"/>
+            <a:endParaRPr lang="en-US"/>
+          </a:p>
+        </p:txBody>
+      </p:sp>
+      <p:sp>
+        <p:nvSpPr>
+          <p:cNvPr id="13" name="Freeform 23">
+            <a:extLst>
+              <a:ext uri="{FF2B5EF4-FFF2-40B4-BE49-F238E27FC236}">
+                <a16:creationId xmlns:a16="http://schemas.microsoft.com/office/drawing/2014/main" id="{4CE1233C-FD2F-489E-BFDE-086F5FED6491}"/>
+              </a:ext>
+              <a:ext uri="{C183D7F6-B498-43B3-948B-1728B52AA6E4}">
+                <adec:decorative xmlns:adec="http://schemas.microsoft.com/office/drawing/2017/decorative" val="1"/>
+              </a:ext>
+            </a:extLst>
+          </p:cNvPr>
+          <p:cNvSpPr>
+            <a:spLocks noGrp="1" noRot="1" noChangeAspect="1" noMove="1" noResize="1" noEditPoints="1" noAdjustHandles="1" noChangeArrowheads="1" noChangeShapeType="1" noTextEdit="1"/>
+          </p:cNvSpPr>
+          <p:nvPr>
+            <p:extLst>
+              <p:ext uri="{386F3935-93C4-4BCD-93E2-E3B085C9AB24}">
+                <p16:designElem xmlns:p16="http://schemas.microsoft.com/office/powerpoint/2015/main" val="1"/>
+              </p:ext>
+            </p:extLst>
+          </p:nvPr>
+        </p:nvSpPr>
+        <p:spPr bwMode="white">
+          <a:xfrm>
+            <a:off x="0" y="0"/>
+            <a:ext cx="4637005" cy="6858000"/>
+          </a:xfrm>
+          <a:custGeom>
+            <a:avLst/>
+            <a:gdLst>
+              <a:gd name="connsiteX0" fmla="*/ 0 w 4637005"/>
+              <a:gd name="connsiteY0" fmla="*/ 0 h 6858000"/>
+              <a:gd name="connsiteX1" fmla="*/ 4637005 w 4637005"/>
+              <a:gd name="connsiteY1" fmla="*/ 0 h 6858000"/>
+              <a:gd name="connsiteX2" fmla="*/ 4637005 w 4637005"/>
+              <a:gd name="connsiteY2" fmla="*/ 1900238 h 6858000"/>
+              <a:gd name="connsiteX3" fmla="*/ 4266589 w 4637005"/>
+              <a:gd name="connsiteY3" fmla="*/ 2178050 h 6858000"/>
+              <a:gd name="connsiteX4" fmla="*/ 4262355 w 4637005"/>
+              <a:gd name="connsiteY4" fmla="*/ 2184400 h 6858000"/>
+              <a:gd name="connsiteX5" fmla="*/ 4256005 w 4637005"/>
+              <a:gd name="connsiteY5" fmla="*/ 2193925 h 6858000"/>
+              <a:gd name="connsiteX6" fmla="*/ 4249655 w 4637005"/>
+              <a:gd name="connsiteY6" fmla="*/ 2201863 h 6858000"/>
+              <a:gd name="connsiteX7" fmla="*/ 4249655 w 4637005"/>
+              <a:gd name="connsiteY7" fmla="*/ 2211388 h 6858000"/>
+              <a:gd name="connsiteX8" fmla="*/ 4249655 w 4637005"/>
+              <a:gd name="connsiteY8" fmla="*/ 2220913 h 6858000"/>
+              <a:gd name="connsiteX9" fmla="*/ 4256005 w 4637005"/>
+              <a:gd name="connsiteY9" fmla="*/ 2228850 h 6858000"/>
+              <a:gd name="connsiteX10" fmla="*/ 4262355 w 4637005"/>
+              <a:gd name="connsiteY10" fmla="*/ 2238375 h 6858000"/>
+              <a:gd name="connsiteX11" fmla="*/ 4266589 w 4637005"/>
+              <a:gd name="connsiteY11" fmla="*/ 2244725 h 6858000"/>
+              <a:gd name="connsiteX12" fmla="*/ 4637005 w 4637005"/>
+              <a:gd name="connsiteY12" fmla="*/ 2522538 h 6858000"/>
+              <a:gd name="connsiteX13" fmla="*/ 4637005 w 4637005"/>
+              <a:gd name="connsiteY13" fmla="*/ 6858000 h 6858000"/>
+              <a:gd name="connsiteX14" fmla="*/ 0 w 4637005"/>
+              <a:gd name="connsiteY14" fmla="*/ 6858000 h 6858000"/>
+            </a:gdLst>
+            <a:ahLst/>
+            <a:cxnLst>
+              <a:cxn ang="0">
+                <a:pos x="connsiteX0" y="connsiteY0"/>
+              </a:cxn>
+              <a:cxn ang="0">
+                <a:pos x="connsiteX1" y="connsiteY1"/>
+              </a:cxn>
+              <a:cxn ang="0">
+                <a:pos x="connsiteX2" y="connsiteY2"/>
+              </a:cxn>
+              <a:cxn ang="0">
+                <a:pos x="connsiteX3" y="connsiteY3"/>
+              </a:cxn>
+              <a:cxn ang="0">
+                <a:pos x="connsiteX4" y="connsiteY4"/>
+              </a:cxn>
+              <a:cxn ang="0">
+                <a:pos x="connsiteX5" y="connsiteY5"/>
+              </a:cxn>
+              <a:cxn ang="0">
+                <a:pos x="connsiteX6" y="connsiteY6"/>
+              </a:cxn>
+              <a:cxn ang="0">
+                <a:pos x="connsiteX7" y="connsiteY7"/>
+              </a:cxn>
+              <a:cxn ang="0">
+                <a:pos x="connsiteX8" y="connsiteY8"/>
+              </a:cxn>
+              <a:cxn ang="0">
+                <a:pos x="connsiteX9" y="connsiteY9"/>
+              </a:cxn>
+              <a:cxn ang="0">
+                <a:pos x="connsiteX10" y="connsiteY10"/>
+              </a:cxn>
+              <a:cxn ang="0">
+                <a:pos x="connsiteX11" y="connsiteY11"/>
+              </a:cxn>
+              <a:cxn ang="0">
+                <a:pos x="connsiteX12" y="connsiteY12"/>
+              </a:cxn>
+              <a:cxn ang="0">
+                <a:pos x="connsiteX13" y="connsiteY13"/>
+              </a:cxn>
+              <a:cxn ang="0">
+                <a:pos x="connsiteX14" y="connsiteY14"/>
+              </a:cxn>
+            </a:cxnLst>
+            <a:rect l="l" t="t" r="r" b="b"/>
+            <a:pathLst>
+              <a:path w="4637005" h="6858000">
+                <a:moveTo>
+                  <a:pt x="0" y="0"/>
+                </a:moveTo>
+                <a:lnTo>
+                  <a:pt x="4637005" y="0"/>
+                </a:lnTo>
+                <a:lnTo>
+                  <a:pt x="4637005" y="1900238"/>
+                </a:lnTo>
+                <a:lnTo>
+                  <a:pt x="4266589" y="2178050"/>
+                </a:lnTo>
+                <a:lnTo>
+                  <a:pt x="4262355" y="2184400"/>
+                </a:lnTo>
+                <a:lnTo>
+                  <a:pt x="4256005" y="2193925"/>
+                </a:lnTo>
+                <a:lnTo>
+                  <a:pt x="4249655" y="2201863"/>
+                </a:lnTo>
+                <a:lnTo>
+                  <a:pt x="4249655" y="2211388"/>
+                </a:lnTo>
+                <a:lnTo>
+                  <a:pt x="4249655" y="2220913"/>
+                </a:lnTo>
+                <a:lnTo>
+                  <a:pt x="4256005" y="2228850"/>
+                </a:lnTo>
+                <a:lnTo>
+                  <a:pt x="4262355" y="2238375"/>
+                </a:lnTo>
+                <a:lnTo>
+                  <a:pt x="4266589" y="2244725"/>
+                </a:lnTo>
+                <a:lnTo>
+                  <a:pt x="4637005" y="2522538"/>
+                </a:lnTo>
+                <a:lnTo>
+                  <a:pt x="4637005" y="6858000"/>
+                </a:lnTo>
+                <a:lnTo>
+                  <a:pt x="0" y="6858000"/>
+                </a:lnTo>
+                <a:close/>
+              </a:path>
+            </a:pathLst>
+          </a:custGeom>
+          <a:blipFill>
+            <a:blip r:embed="rId2">
+              <a:duotone>
+                <a:schemeClr val="accent1">
+                  <a:tint val="98000"/>
+                  <a:lumMod val="102000"/>
+                </a:schemeClr>
+                <a:schemeClr val="accent1">
+                  <a:shade val="98000"/>
+                  <a:lumMod val="98000"/>
+                </a:schemeClr>
+              </a:duotone>
+            </a:blip>
+            <a:tile tx="0" ty="0" sx="100000" sy="100000" flip="none" algn="tl"/>
+          </a:blipFill>
+          <a:ln>
+            <a:headEnd/>
+            <a:tailEnd/>
+          </a:ln>
+        </p:spPr>
+        <p:style>
+          <a:lnRef idx="1">
+            <a:schemeClr val="accent1"/>
+          </a:lnRef>
+          <a:fillRef idx="3">
+            <a:schemeClr val="accent1"/>
+          </a:fillRef>
+          <a:effectRef idx="2">
+            <a:schemeClr val="accent1"/>
+          </a:effectRef>
+          <a:fontRef idx="minor">
+            <a:schemeClr val="lt1"/>
+          </a:fontRef>
+        </p:style>
+        <p:txBody>
+          <a:bodyPr wrap="square" rtlCol="0" anchor="ctr">
+            <a:noAutofit/>
+          </a:bodyPr>
+          <a:lstStyle/>
+          <a:p>
+            <a:pPr algn="ctr"/>
+            <a:endParaRPr lang="en-US"/>
+          </a:p>
+        </p:txBody>
+      </p:sp>
+      <p:sp>
+        <p:nvSpPr>
+          <p:cNvPr id="3" name="ZoneTexte 2">
+            <a:extLst>
+              <a:ext uri="{FF2B5EF4-FFF2-40B4-BE49-F238E27FC236}">
+                <a16:creationId xmlns:a16="http://schemas.microsoft.com/office/drawing/2014/main" id="{0D58C9D2-4C5E-418F-BCA4-D374831CA5DF}"/>
+              </a:ext>
+            </a:extLst>
+          </p:cNvPr>
+          <p:cNvSpPr txBox="1"/>
+          <p:nvPr/>
+        </p:nvSpPr>
+        <p:spPr>
+          <a:xfrm>
+            <a:off x="596396" y="2360062"/>
+            <a:ext cx="3444211" cy="4241136"/>
+          </a:xfrm>
+          <a:prstGeom prst="rect">
+            <a:avLst/>
+          </a:prstGeom>
+        </p:spPr>
+        <p:txBody>
+          <a:bodyPr vert="horz" lIns="91440" tIns="45720" rIns="91440" bIns="45720" rtlCol="0" anchor="t">
+            <a:normAutofit/>
+          </a:bodyPr>
+          <a:lstStyle/>
+          <a:p>
+            <a:pPr>
+              <a:spcBef>
+                <a:spcPct val="0"/>
+              </a:spcBef>
+              <a:spcAft>
+                <a:spcPts val="600"/>
+              </a:spcAft>
+            </a:pPr>
+            <a:r>
+              <a:rPr lang="en-US" sz="4400" b="1" dirty="0">
+                <a:solidFill>
+                  <a:srgbClr val="FEFEFE"/>
+                </a:solidFill>
+                <a:latin typeface="+mj-lt"/>
+                <a:ea typeface="+mj-ea"/>
+                <a:cs typeface="+mj-cs"/>
+              </a:rPr>
+              <a:t>Suppression d’un </a:t>
+            </a:r>
+            <a:r>
+              <a:rPr lang="en-US" sz="4400" b="1" dirty="0" err="1">
+                <a:solidFill>
+                  <a:srgbClr val="FEFEFE"/>
+                </a:solidFill>
+                <a:latin typeface="+mj-lt"/>
+                <a:ea typeface="+mj-ea"/>
+                <a:cs typeface="+mj-cs"/>
+              </a:rPr>
+              <a:t>utilisateur</a:t>
+            </a:r>
+            <a:endParaRPr lang="en-US" sz="4400" b="1" dirty="0">
+              <a:solidFill>
+                <a:srgbClr val="FEFEFE"/>
+              </a:solidFill>
+              <a:latin typeface="+mj-lt"/>
+              <a:ea typeface="+mj-ea"/>
+              <a:cs typeface="+mj-cs"/>
+            </a:endParaRPr>
+          </a:p>
+        </p:txBody>
+      </p:sp>
+      <p:pic>
+        <p:nvPicPr>
+          <p:cNvPr id="4" name="Image 3">
+            <a:extLst>
+              <a:ext uri="{FF2B5EF4-FFF2-40B4-BE49-F238E27FC236}">
+                <a16:creationId xmlns:a16="http://schemas.microsoft.com/office/drawing/2014/main" id="{F7EC7A42-2FA2-44C9-9D36-EA99B0D45320}"/>
+              </a:ext>
+            </a:extLst>
+          </p:cNvPr>
+          <p:cNvPicPr>
+            <a:picLocks noChangeAspect="1"/>
+          </p:cNvPicPr>
+          <p:nvPr/>
+        </p:nvPicPr>
+        <p:blipFill>
+          <a:blip r:embed="rId3"/>
+          <a:stretch>
+            <a:fillRect/>
+          </a:stretch>
+        </p:blipFill>
+        <p:spPr>
+          <a:xfrm>
+            <a:off x="4785710" y="671805"/>
+            <a:ext cx="7257585" cy="5080308"/>
+          </a:xfrm>
+          <a:prstGeom prst="roundRect">
+            <a:avLst>
+              <a:gd name="adj" fmla="val 3876"/>
+            </a:avLst>
+          </a:prstGeom>
+          <a:ln>
+            <a:solidFill>
+              <a:schemeClr val="accent1"/>
+            </a:solidFill>
+          </a:ln>
+          <a:effectLst/>
+        </p:spPr>
+      </p:pic>
+    </p:spTree>
+    <p:extLst>
+      <p:ext uri="{BB962C8B-B14F-4D97-AF65-F5344CB8AC3E}">
+        <p14:creationId xmlns:p14="http://schemas.microsoft.com/office/powerpoint/2010/main" val="3049248257"/>
+      </p:ext>
+    </p:extLst>
+  </p:cSld>
+  <p:clrMapOvr>
+    <a:overrideClrMapping bg1="lt1" tx1="dk1" bg2="lt2" tx2="dk2" accent1="accent1" accent2="accent2" accent3="accent3" accent4="accent4" accent5="accent5" accent6="accent6" hlink="hlink" folHlink="folHlink"/>
+  </p:clrMapOvr>
+</p:sld>
+</file>
+
+<file path=ppt/slides/slide16.xml><?xml version="1.0" encoding="utf-8"?>
+<p:sld xmlns:a="http://schemas.openxmlformats.org/drawingml/2006/main" xmlns:r="http://schemas.openxmlformats.org/officeDocument/2006/relationships" xmlns:p="http://schemas.openxmlformats.org/presentationml/2006/main">
+  <p:cSld>
+    <p:spTree>
+      <p:nvGrpSpPr>
+        <p:cNvPr id="1" name=""/>
+        <p:cNvGrpSpPr/>
+        <p:nvPr/>
+      </p:nvGrpSpPr>
+      <p:grpSpPr>
+        <a:xfrm>
+          <a:off x="0" y="0"/>
+          <a:ext cx="0" cy="0"/>
+          <a:chOff x="0" y="0"/>
+          <a:chExt cx="0" cy="0"/>
+        </a:xfrm>
+      </p:grpSpPr>
+      <p:sp>
+        <p:nvSpPr>
+          <p:cNvPr id="3" name="ZoneTexte 2">
+            <a:extLst>
+              <a:ext uri="{FF2B5EF4-FFF2-40B4-BE49-F238E27FC236}">
+                <a16:creationId xmlns:a16="http://schemas.microsoft.com/office/drawing/2014/main" id="{0D58C9D2-4C5E-418F-BCA4-D374831CA5DF}"/>
+              </a:ext>
+            </a:extLst>
+          </p:cNvPr>
+          <p:cNvSpPr txBox="1"/>
+          <p:nvPr/>
+        </p:nvSpPr>
+        <p:spPr>
+          <a:xfrm>
+            <a:off x="794093" y="6247032"/>
+            <a:ext cx="7227580" cy="485775"/>
+          </a:xfrm>
+          <a:prstGeom prst="rect">
+            <a:avLst/>
+          </a:prstGeom>
+        </p:spPr>
+        <p:txBody>
+          <a:bodyPr vert="horz" lIns="91440" tIns="45720" rIns="91440" bIns="45720" rtlCol="0" anchor="t">
+            <a:normAutofit fontScale="70000" lnSpcReduction="20000"/>
+          </a:bodyPr>
+          <a:lstStyle/>
+          <a:p>
+            <a:pPr>
+              <a:spcBef>
+                <a:spcPct val="0"/>
+              </a:spcBef>
+              <a:spcAft>
+                <a:spcPts val="600"/>
+              </a:spcAft>
+            </a:pPr>
+            <a:r>
+              <a:rPr lang="en-US" sz="4400" b="1" dirty="0">
+                <a:solidFill>
+                  <a:srgbClr val="FEFEFE"/>
+                </a:solidFill>
+                <a:latin typeface="+mj-lt"/>
+                <a:ea typeface="+mj-ea"/>
+                <a:cs typeface="+mj-cs"/>
+              </a:rPr>
+              <a:t>Page “</a:t>
+            </a:r>
+            <a:r>
+              <a:rPr lang="en-US" sz="4400" b="1" dirty="0" err="1">
+                <a:solidFill>
+                  <a:srgbClr val="FEFEFE"/>
+                </a:solidFill>
+                <a:latin typeface="+mj-lt"/>
+                <a:ea typeface="+mj-ea"/>
+                <a:cs typeface="+mj-cs"/>
+              </a:rPr>
+              <a:t>Localisation</a:t>
+            </a:r>
+            <a:r>
+              <a:rPr lang="en-US" sz="4400" b="1" dirty="0">
+                <a:solidFill>
+                  <a:srgbClr val="FEFEFE"/>
+                </a:solidFill>
+                <a:latin typeface="+mj-lt"/>
+                <a:ea typeface="+mj-ea"/>
+                <a:cs typeface="+mj-cs"/>
+              </a:rPr>
+              <a:t>”</a:t>
+            </a:r>
+          </a:p>
+        </p:txBody>
+      </p:sp>
+      <p:pic>
+        <p:nvPicPr>
+          <p:cNvPr id="4" name="Image 3">
+            <a:extLst>
+              <a:ext uri="{FF2B5EF4-FFF2-40B4-BE49-F238E27FC236}">
+                <a16:creationId xmlns:a16="http://schemas.microsoft.com/office/drawing/2014/main" id="{5CC1396C-78C0-4B08-A313-177566ED0A74}"/>
+              </a:ext>
+            </a:extLst>
+          </p:cNvPr>
+          <p:cNvPicPr>
+            <a:picLocks noChangeAspect="1"/>
+          </p:cNvPicPr>
+          <p:nvPr/>
+        </p:nvPicPr>
+        <p:blipFill>
+          <a:blip r:embed="rId2">
+            <a:extLst>
+              <a:ext uri="{BEBA8EAE-BF5A-486C-A8C5-ECC9F3942E4B}">
+                <a14:imgProps xmlns:a14="http://schemas.microsoft.com/office/drawing/2010/main">
+                  <a14:imgLayer r:embed="rId3">
+                    <a14:imgEffect>
+                      <a14:backgroundRemoval t="2877" b="95205" l="2769" r="95174">
+                        <a14:foregroundMark x1="32911" y1="20548" x2="18434" y2="24110"/>
+                        <a14:foregroundMark x1="18434" y1="24110" x2="12025" y2="36849"/>
+                        <a14:foregroundMark x1="12025" y1="36849" x2="20016" y2="53562"/>
+                        <a14:foregroundMark x1="20016" y1="53562" x2="38370" y2="62329"/>
+                        <a14:foregroundMark x1="38370" y1="62329" x2="48734" y2="59863"/>
+                        <a14:foregroundMark x1="48734" y1="59863" x2="49842" y2="48767"/>
+                        <a14:foregroundMark x1="49842" y1="48767" x2="46123" y2="38767"/>
+                        <a14:foregroundMark x1="53797" y1="14384" x2="50079" y2="47397"/>
+                        <a14:foregroundMark x1="56646" y1="56438" x2="55617" y2="77260"/>
+                        <a14:foregroundMark x1="57358" y1="85342" x2="41693" y2="87260"/>
+                        <a14:foregroundMark x1="41693" y1="87260" x2="22864" y2="84521"/>
+                        <a14:foregroundMark x1="6408" y1="89452" x2="3323" y2="76301"/>
+                        <a14:foregroundMark x1="3323" y1="76301" x2="3165" y2="59178"/>
+                        <a14:foregroundMark x1="3165" y1="59178" x2="3718" y2="55890"/>
+                        <a14:foregroundMark x1="3006" y1="9589" x2="37184" y2="12329"/>
+                        <a14:foregroundMark x1="24051" y1="9863" x2="20174" y2="16712"/>
+                        <a14:foregroundMark x1="20174" y1="16712" x2="20174" y2="17945"/>
+                        <a14:foregroundMark x1="55775" y1="12329" x2="50396" y2="18356"/>
+                        <a14:foregroundMark x1="50396" y1="18356" x2="45095" y2="12740"/>
+                        <a14:foregroundMark x1="45095" y1="12740" x2="5142" y2="13151"/>
+                        <a14:foregroundMark x1="5459" y1="7397" x2="53085" y2="9589"/>
+                        <a14:foregroundMark x1="54747" y1="9452" x2="61788" y2="9452"/>
+                        <a14:foregroundMark x1="62184" y1="9726" x2="62025" y2="19041"/>
+                        <a14:foregroundMark x1="65032" y1="6849" x2="39082" y2="6849"/>
+                        <a14:foregroundMark x1="73892" y1="13973" x2="75633" y2="69863"/>
+                        <a14:foregroundMark x1="79589" y1="82329" x2="84019" y2="71918"/>
+                        <a14:foregroundMark x1="84019" y1="71918" x2="88845" y2="28767"/>
+                        <a14:foregroundMark x1="88845" y1="28767" x2="88845" y2="15342"/>
+                        <a14:foregroundMark x1="88687" y1="86301" x2="88054" y2="16712"/>
+                        <a14:foregroundMark x1="93434" y1="69178" x2="92168" y2="95890"/>
+                        <a14:foregroundMark x1="92168" y1="95890" x2="87500" y2="94795"/>
+                        <a14:foregroundMark x1="89320" y1="92192" x2="72073" y2="93699"/>
+                        <a14:foregroundMark x1="72073" y1="93699" x2="72073" y2="93699"/>
+                        <a14:foregroundMark x1="93434" y1="94110" x2="94778" y2="87397"/>
+                        <a14:foregroundMark x1="94778" y1="87397" x2="94778" y2="87260"/>
+                        <a14:foregroundMark x1="94699" y1="92329" x2="95095" y2="56986"/>
+                        <a14:foregroundMark x1="73972" y1="5342" x2="78956" y2="5342"/>
+                        <a14:foregroundMark x1="78877" y1="5205" x2="86472" y2="5205"/>
+                        <a14:foregroundMark x1="93829" y1="8630" x2="92959" y2="16575"/>
+                        <a14:foregroundMark x1="94541" y1="10959" x2="93275" y2="18493"/>
+                        <a14:foregroundMark x1="93275" y1="18493" x2="94778" y2="45068"/>
+                        <a14:foregroundMark x1="94699" y1="48767" x2="94541" y2="58082"/>
+                        <a14:foregroundMark x1="95253" y1="54658" x2="95095" y2="27808"/>
+                        <a14:foregroundMark x1="70728" y1="91370" x2="70728" y2="26712"/>
+                        <a14:foregroundMark x1="92722" y1="7534" x2="91535" y2="15890"/>
+                        <a14:foregroundMark x1="91535" y1="15890" x2="91456" y2="16027"/>
+                        <a14:foregroundMark x1="93829" y1="2877" x2="91614" y2="3288"/>
+                        <a14:backgroundMark x1="75791" y1="411" x2="79984" y2="137"/>
+                        <a14:backgroundMark x1="79984" y1="137" x2="86234" y2="137"/>
+                        <a14:backgroundMark x1="87184" y1="548" x2="95253" y2="685"/>
+                        <a14:backgroundMark x1="158" y1="81918" x2="791" y2="59041"/>
+                      </a14:backgroundRemoval>
+                    </a14:imgEffect>
+                  </a14:imgLayer>
+                </a14:imgProps>
+              </a:ext>
+            </a:extLst>
+          </a:blip>
+          <a:stretch>
+            <a:fillRect/>
+          </a:stretch>
+        </p:blipFill>
+        <p:spPr>
+          <a:xfrm>
+            <a:off x="448896" y="167619"/>
+            <a:ext cx="11294207" cy="6522762"/>
+          </a:xfrm>
+          <a:prstGeom prst="rect">
+            <a:avLst/>
+          </a:prstGeom>
+        </p:spPr>
+      </p:pic>
+    </p:spTree>
+    <p:extLst>
+      <p:ext uri="{BB962C8B-B14F-4D97-AF65-F5344CB8AC3E}">
+        <p14:creationId xmlns:p14="http://schemas.microsoft.com/office/powerpoint/2010/main" val="312232511"/>
+      </p:ext>
+    </p:extLst>
+  </p:cSld>
+  <p:clrMapOvr>
+    <a:masterClrMapping/>
+  </p:clrMapOvr>
+</p:sld>
+</file>
+
+<file path=ppt/slides/slide17.xml><?xml version="1.0" encoding="utf-8"?>
+<p:sld xmlns:a="http://schemas.openxmlformats.org/drawingml/2006/main" xmlns:r="http://schemas.openxmlformats.org/officeDocument/2006/relationships" xmlns:p="http://schemas.openxmlformats.org/presentationml/2006/main">
+  <p:cSld>
+    <p:bg>
+      <p:bgPr>
+        <a:solidFill>
+          <a:schemeClr val="bg1"/>
+        </a:solidFill>
+        <a:effectLst/>
+      </p:bgPr>
+    </p:bg>
+    <p:spTree>
+      <p:nvGrpSpPr>
+        <p:cNvPr id="1" name=""/>
+        <p:cNvGrpSpPr/>
+        <p:nvPr/>
+      </p:nvGrpSpPr>
+      <p:grpSpPr>
+        <a:xfrm>
+          <a:off x="0" y="0"/>
+          <a:ext cx="0" cy="0"/>
+          <a:chOff x="0" y="0"/>
+          <a:chExt cx="0" cy="0"/>
+        </a:xfrm>
+      </p:grpSpPr>
+      <p:sp>
+        <p:nvSpPr>
+          <p:cNvPr id="8" name="Freeform 6">
+            <a:extLst>
+              <a:ext uri="{FF2B5EF4-FFF2-40B4-BE49-F238E27FC236}">
+                <a16:creationId xmlns:a16="http://schemas.microsoft.com/office/drawing/2014/main" id="{133F8CB7-795C-4272-9073-64D8CF97F220}"/>
+              </a:ext>
+              <a:ext uri="{C183D7F6-B498-43B3-948B-1728B52AA6E4}">
+                <adec:decorative xmlns:adec="http://schemas.microsoft.com/office/drawing/2017/decorative" val="1"/>
+              </a:ext>
+            </a:extLst>
+          </p:cNvPr>
+          <p:cNvSpPr>
+            <a:spLocks noGrp="1" noRot="1" noChangeAspect="1" noMove="1" noResize="1" noEditPoints="1" noAdjustHandles="1" noChangeArrowheads="1" noChangeShapeType="1" noTextEdit="1"/>
+          </p:cNvSpPr>
+          <p:nvPr>
+            <p:extLst>
+              <p:ext uri="{386F3935-93C4-4BCD-93E2-E3B085C9AB24}">
+                <p16:designElem xmlns:p16="http://schemas.microsoft.com/office/powerpoint/2015/main" val="1"/>
+              </p:ext>
+            </p:extLst>
+          </p:nvPr>
+        </p:nvSpPr>
+        <p:spPr bwMode="auto">
+          <a:xfrm>
+            <a:off x="0" y="-3175"/>
+            <a:ext cx="12192000" cy="5203825"/>
+          </a:xfrm>
+          <a:custGeom>
+            <a:avLst/>
+            <a:gdLst/>
+            <a:ahLst/>
+            <a:cxnLst/>
+            <a:rect l="0" t="0" r="r" b="b"/>
+            <a:pathLst>
+              <a:path w="5760" h="3278">
+                <a:moveTo>
+                  <a:pt x="5760" y="0"/>
+                </a:moveTo>
+                <a:lnTo>
+                  <a:pt x="0" y="0"/>
+                </a:lnTo>
+                <a:lnTo>
+                  <a:pt x="0" y="3090"/>
+                </a:lnTo>
+                <a:lnTo>
+                  <a:pt x="943" y="3090"/>
+                </a:lnTo>
+                <a:lnTo>
+                  <a:pt x="1123" y="3270"/>
+                </a:lnTo>
+                <a:lnTo>
+                  <a:pt x="1123" y="3270"/>
+                </a:lnTo>
+                <a:lnTo>
+                  <a:pt x="1127" y="3272"/>
+                </a:lnTo>
+                <a:lnTo>
+                  <a:pt x="1133" y="3275"/>
+                </a:lnTo>
+                <a:lnTo>
+                  <a:pt x="1139" y="3278"/>
+                </a:lnTo>
+                <a:lnTo>
+                  <a:pt x="1144" y="3278"/>
+                </a:lnTo>
+                <a:lnTo>
+                  <a:pt x="1150" y="3278"/>
+                </a:lnTo>
+                <a:lnTo>
+                  <a:pt x="1155" y="3275"/>
+                </a:lnTo>
+                <a:lnTo>
+                  <a:pt x="1161" y="3272"/>
+                </a:lnTo>
+                <a:lnTo>
+                  <a:pt x="1165" y="3270"/>
+                </a:lnTo>
+                <a:lnTo>
+                  <a:pt x="1345" y="3090"/>
+                </a:lnTo>
+                <a:lnTo>
+                  <a:pt x="5760" y="3090"/>
+                </a:lnTo>
+                <a:lnTo>
+                  <a:pt x="5760" y="0"/>
+                </a:lnTo>
+                <a:close/>
+              </a:path>
+            </a:pathLst>
+          </a:custGeom>
+          <a:ln/>
+          <a:effectLst/>
+          <a:extLst>
+            <a:ext uri="{91240B29-F687-4f45-9708-019B960494DF}">
+              <a14:hiddenLine xmlns="" xmlns:a16="http://schemas.microsoft.com/office/drawing/2014/main" xmlns:p14="http://schemas.microsoft.com/office/powerpoint/2010/main" xmlns:a14="http://schemas.microsoft.com/office/drawing/2010/main" w="9525">
+                <a:solidFill>
+                  <a:srgbClr val="000000"/>
+                </a:solidFill>
+                <a:round/>
+                <a:headEnd/>
+                <a:tailEnd/>
+              </a14:hiddenLine>
+            </a:ext>
+          </a:extLst>
+        </p:spPr>
+        <p:style>
+          <a:lnRef idx="1">
+            <a:schemeClr val="accent1"/>
+          </a:lnRef>
+          <a:fillRef idx="3">
+            <a:schemeClr val="accent1"/>
+          </a:fillRef>
+          <a:effectRef idx="2">
+            <a:schemeClr val="accent1"/>
+          </a:effectRef>
+          <a:fontRef idx="minor">
+            <a:schemeClr val="lt1"/>
+          </a:fontRef>
+        </p:style>
+      </p:sp>
+      <p:sp>
+        <p:nvSpPr>
+          <p:cNvPr id="10" name="Rectangle 9">
+            <a:extLst>
+              <a:ext uri="{FF2B5EF4-FFF2-40B4-BE49-F238E27FC236}">
+                <a16:creationId xmlns:a16="http://schemas.microsoft.com/office/drawing/2014/main" id="{B7743172-17A8-4FA4-8434-B813E03B7665}"/>
+              </a:ext>
+              <a:ext uri="{C183D7F6-B498-43B3-948B-1728B52AA6E4}">
+                <adec:decorative xmlns:adec="http://schemas.microsoft.com/office/drawing/2017/decorative" val="1"/>
+              </a:ext>
+            </a:extLst>
+          </p:cNvPr>
+          <p:cNvSpPr>
+            <a:spLocks noGrp="1" noRot="1" noChangeAspect="1" noMove="1" noResize="1" noEditPoints="1" noAdjustHandles="1" noChangeArrowheads="1" noChangeShapeType="1" noTextEdit="1"/>
+          </p:cNvSpPr>
+          <p:nvPr>
+            <p:extLst>
+              <p:ext uri="{386F3935-93C4-4BCD-93E2-E3B085C9AB24}">
+                <p16:designElem xmlns:p16="http://schemas.microsoft.com/office/powerpoint/2015/main" val="1"/>
+              </p:ext>
+            </p:extLst>
+          </p:nvPr>
+        </p:nvSpPr>
+        <p:spPr>
+          <a:xfrm>
+            <a:off x="0" y="0"/>
+            <a:ext cx="12192000" cy="6858000"/>
+          </a:xfrm>
+          <a:prstGeom prst="rect">
+            <a:avLst/>
+          </a:prstGeom>
+          <a:solidFill>
+            <a:schemeClr val="bg1"/>
+          </a:solidFill>
+          <a:ln>
+            <a:noFill/>
+          </a:ln>
+        </p:spPr>
+        <p:style>
+          <a:lnRef idx="2">
+            <a:schemeClr val="accent1">
+              <a:shade val="50000"/>
+            </a:schemeClr>
+          </a:lnRef>
+          <a:fillRef idx="1">
+            <a:schemeClr val="accent1"/>
+          </a:fillRef>
+          <a:effectRef idx="0">
+            <a:schemeClr val="accent1"/>
+          </a:effectRef>
+          <a:fontRef idx="minor">
+            <a:schemeClr val="lt1"/>
+          </a:fontRef>
+        </p:style>
+        <p:txBody>
+          <a:bodyPr rtlCol="0" anchor="ctr"/>
+          <a:lstStyle/>
+          <a:p>
+            <a:pPr algn="ctr"/>
+            <a:endParaRPr lang="en-US"/>
+          </a:p>
+        </p:txBody>
+      </p:sp>
+      <p:sp>
+        <p:nvSpPr>
+          <p:cNvPr id="12" name="Freeform 23">
+            <a:extLst>
+              <a:ext uri="{FF2B5EF4-FFF2-40B4-BE49-F238E27FC236}">
+                <a16:creationId xmlns:a16="http://schemas.microsoft.com/office/drawing/2014/main" id="{4CE1233C-FD2F-489E-BFDE-086F5FED6491}"/>
+              </a:ext>
+              <a:ext uri="{C183D7F6-B498-43B3-948B-1728B52AA6E4}">
+                <adec:decorative xmlns:adec="http://schemas.microsoft.com/office/drawing/2017/decorative" val="1"/>
+              </a:ext>
+            </a:extLst>
+          </p:cNvPr>
+          <p:cNvSpPr>
+            <a:spLocks noGrp="1" noRot="1" noChangeAspect="1" noMove="1" noResize="1" noEditPoints="1" noAdjustHandles="1" noChangeArrowheads="1" noChangeShapeType="1" noTextEdit="1"/>
+          </p:cNvSpPr>
+          <p:nvPr>
+            <p:extLst>
+              <p:ext uri="{386F3935-93C4-4BCD-93E2-E3B085C9AB24}">
+                <p16:designElem xmlns:p16="http://schemas.microsoft.com/office/powerpoint/2015/main" val="1"/>
+              </p:ext>
+            </p:extLst>
+          </p:nvPr>
+        </p:nvSpPr>
+        <p:spPr bwMode="white">
+          <a:xfrm>
+            <a:off x="0" y="0"/>
+            <a:ext cx="4637005" cy="6858000"/>
+          </a:xfrm>
+          <a:custGeom>
+            <a:avLst/>
+            <a:gdLst>
+              <a:gd name="connsiteX0" fmla="*/ 0 w 4637005"/>
+              <a:gd name="connsiteY0" fmla="*/ 0 h 6858000"/>
+              <a:gd name="connsiteX1" fmla="*/ 4637005 w 4637005"/>
+              <a:gd name="connsiteY1" fmla="*/ 0 h 6858000"/>
+              <a:gd name="connsiteX2" fmla="*/ 4637005 w 4637005"/>
+              <a:gd name="connsiteY2" fmla="*/ 1900238 h 6858000"/>
+              <a:gd name="connsiteX3" fmla="*/ 4266589 w 4637005"/>
+              <a:gd name="connsiteY3" fmla="*/ 2178050 h 6858000"/>
+              <a:gd name="connsiteX4" fmla="*/ 4262355 w 4637005"/>
+              <a:gd name="connsiteY4" fmla="*/ 2184400 h 6858000"/>
+              <a:gd name="connsiteX5" fmla="*/ 4256005 w 4637005"/>
+              <a:gd name="connsiteY5" fmla="*/ 2193925 h 6858000"/>
+              <a:gd name="connsiteX6" fmla="*/ 4249655 w 4637005"/>
+              <a:gd name="connsiteY6" fmla="*/ 2201863 h 6858000"/>
+              <a:gd name="connsiteX7" fmla="*/ 4249655 w 4637005"/>
+              <a:gd name="connsiteY7" fmla="*/ 2211388 h 6858000"/>
+              <a:gd name="connsiteX8" fmla="*/ 4249655 w 4637005"/>
+              <a:gd name="connsiteY8" fmla="*/ 2220913 h 6858000"/>
+              <a:gd name="connsiteX9" fmla="*/ 4256005 w 4637005"/>
+              <a:gd name="connsiteY9" fmla="*/ 2228850 h 6858000"/>
+              <a:gd name="connsiteX10" fmla="*/ 4262355 w 4637005"/>
+              <a:gd name="connsiteY10" fmla="*/ 2238375 h 6858000"/>
+              <a:gd name="connsiteX11" fmla="*/ 4266589 w 4637005"/>
+              <a:gd name="connsiteY11" fmla="*/ 2244725 h 6858000"/>
+              <a:gd name="connsiteX12" fmla="*/ 4637005 w 4637005"/>
+              <a:gd name="connsiteY12" fmla="*/ 2522538 h 6858000"/>
+              <a:gd name="connsiteX13" fmla="*/ 4637005 w 4637005"/>
+              <a:gd name="connsiteY13" fmla="*/ 6858000 h 6858000"/>
+              <a:gd name="connsiteX14" fmla="*/ 0 w 4637005"/>
+              <a:gd name="connsiteY14" fmla="*/ 6858000 h 6858000"/>
+            </a:gdLst>
+            <a:ahLst/>
+            <a:cxnLst>
+              <a:cxn ang="0">
+                <a:pos x="connsiteX0" y="connsiteY0"/>
+              </a:cxn>
+              <a:cxn ang="0">
+                <a:pos x="connsiteX1" y="connsiteY1"/>
+              </a:cxn>
+              <a:cxn ang="0">
+                <a:pos x="connsiteX2" y="connsiteY2"/>
+              </a:cxn>
+              <a:cxn ang="0">
+                <a:pos x="connsiteX3" y="connsiteY3"/>
+              </a:cxn>
+              <a:cxn ang="0">
+                <a:pos x="connsiteX4" y="connsiteY4"/>
+              </a:cxn>
+              <a:cxn ang="0">
+                <a:pos x="connsiteX5" y="connsiteY5"/>
+              </a:cxn>
+              <a:cxn ang="0">
+                <a:pos x="connsiteX6" y="connsiteY6"/>
+              </a:cxn>
+              <a:cxn ang="0">
+                <a:pos x="connsiteX7" y="connsiteY7"/>
+              </a:cxn>
+              <a:cxn ang="0">
+                <a:pos x="connsiteX8" y="connsiteY8"/>
+              </a:cxn>
+              <a:cxn ang="0">
+                <a:pos x="connsiteX9" y="connsiteY9"/>
+              </a:cxn>
+              <a:cxn ang="0">
+                <a:pos x="connsiteX10" y="connsiteY10"/>
+              </a:cxn>
+              <a:cxn ang="0">
+                <a:pos x="connsiteX11" y="connsiteY11"/>
+              </a:cxn>
+              <a:cxn ang="0">
+                <a:pos x="connsiteX12" y="connsiteY12"/>
+              </a:cxn>
+              <a:cxn ang="0">
+                <a:pos x="connsiteX13" y="connsiteY13"/>
+              </a:cxn>
+              <a:cxn ang="0">
+                <a:pos x="connsiteX14" y="connsiteY14"/>
+              </a:cxn>
+            </a:cxnLst>
+            <a:rect l="l" t="t" r="r" b="b"/>
+            <a:pathLst>
+              <a:path w="4637005" h="6858000">
+                <a:moveTo>
+                  <a:pt x="0" y="0"/>
+                </a:moveTo>
+                <a:lnTo>
+                  <a:pt x="4637005" y="0"/>
+                </a:lnTo>
+                <a:lnTo>
+                  <a:pt x="4637005" y="1900238"/>
+                </a:lnTo>
+                <a:lnTo>
+                  <a:pt x="4266589" y="2178050"/>
+                </a:lnTo>
+                <a:lnTo>
+                  <a:pt x="4262355" y="2184400"/>
+                </a:lnTo>
+                <a:lnTo>
+                  <a:pt x="4256005" y="2193925"/>
+                </a:lnTo>
+                <a:lnTo>
+                  <a:pt x="4249655" y="2201863"/>
+                </a:lnTo>
+                <a:lnTo>
+                  <a:pt x="4249655" y="2211388"/>
+                </a:lnTo>
+                <a:lnTo>
+                  <a:pt x="4249655" y="2220913"/>
+                </a:lnTo>
+                <a:lnTo>
+                  <a:pt x="4256005" y="2228850"/>
+                </a:lnTo>
+                <a:lnTo>
+                  <a:pt x="4262355" y="2238375"/>
+                </a:lnTo>
+                <a:lnTo>
+                  <a:pt x="4266589" y="2244725"/>
+                </a:lnTo>
+                <a:lnTo>
+                  <a:pt x="4637005" y="2522538"/>
+                </a:lnTo>
+                <a:lnTo>
+                  <a:pt x="4637005" y="6858000"/>
+                </a:lnTo>
+                <a:lnTo>
+                  <a:pt x="0" y="6858000"/>
+                </a:lnTo>
+                <a:close/>
+              </a:path>
+            </a:pathLst>
+          </a:custGeom>
+          <a:blipFill>
+            <a:blip r:embed="rId2">
+              <a:duotone>
+                <a:schemeClr val="accent1">
+                  <a:tint val="98000"/>
+                  <a:lumMod val="102000"/>
+                </a:schemeClr>
+                <a:schemeClr val="accent1">
+                  <a:shade val="98000"/>
+                  <a:lumMod val="98000"/>
+                </a:schemeClr>
+              </a:duotone>
+            </a:blip>
+            <a:tile tx="0" ty="0" sx="100000" sy="100000" flip="none" algn="tl"/>
+          </a:blipFill>
+          <a:ln>
+            <a:headEnd/>
+            <a:tailEnd/>
+          </a:ln>
+        </p:spPr>
+        <p:style>
+          <a:lnRef idx="1">
+            <a:schemeClr val="accent1"/>
+          </a:lnRef>
+          <a:fillRef idx="3">
+            <a:schemeClr val="accent1"/>
+          </a:fillRef>
+          <a:effectRef idx="2">
+            <a:schemeClr val="accent1"/>
+          </a:effectRef>
+          <a:fontRef idx="minor">
+            <a:schemeClr val="lt1"/>
+          </a:fontRef>
+        </p:style>
+        <p:txBody>
+          <a:bodyPr wrap="square" rtlCol="0" anchor="ctr">
+            <a:noAutofit/>
+          </a:bodyPr>
+          <a:lstStyle/>
+          <a:p>
+            <a:pPr algn="ctr"/>
+            <a:endParaRPr lang="en-US"/>
+          </a:p>
+        </p:txBody>
+      </p:sp>
+      <p:sp>
+        <p:nvSpPr>
+          <p:cNvPr id="3" name="ZoneTexte 2">
+            <a:extLst>
+              <a:ext uri="{FF2B5EF4-FFF2-40B4-BE49-F238E27FC236}">
+                <a16:creationId xmlns:a16="http://schemas.microsoft.com/office/drawing/2014/main" id="{0D58C9D2-4C5E-418F-BCA4-D374831CA5DF}"/>
+              </a:ext>
+            </a:extLst>
+          </p:cNvPr>
+          <p:cNvSpPr txBox="1"/>
+          <p:nvPr/>
+        </p:nvSpPr>
+        <p:spPr>
+          <a:xfrm>
+            <a:off x="332904" y="2741618"/>
+            <a:ext cx="3971196" cy="4241136"/>
+          </a:xfrm>
+          <a:prstGeom prst="rect">
+            <a:avLst/>
+          </a:prstGeom>
+        </p:spPr>
+        <p:txBody>
+          <a:bodyPr vert="horz" lIns="91440" tIns="45720" rIns="91440" bIns="45720" rtlCol="0" anchor="t">
+            <a:normAutofit/>
+          </a:bodyPr>
+          <a:lstStyle/>
+          <a:p>
+            <a:pPr>
+              <a:spcBef>
+                <a:spcPct val="0"/>
+              </a:spcBef>
+              <a:spcAft>
+                <a:spcPts val="600"/>
+              </a:spcAft>
+            </a:pPr>
+            <a:r>
+              <a:rPr lang="en-US" sz="4400" b="1" dirty="0" err="1">
+                <a:solidFill>
+                  <a:srgbClr val="FEFEFE"/>
+                </a:solidFill>
+                <a:latin typeface="+mj-lt"/>
+                <a:ea typeface="+mj-ea"/>
+                <a:cs typeface="+mj-cs"/>
+              </a:rPr>
+              <a:t>Accès</a:t>
+            </a:r>
+            <a:r>
+              <a:rPr lang="en-US" sz="4400" b="1" dirty="0">
+                <a:solidFill>
+                  <a:srgbClr val="FEFEFE"/>
+                </a:solidFill>
+                <a:latin typeface="+mj-lt"/>
+                <a:ea typeface="+mj-ea"/>
+                <a:cs typeface="+mj-cs"/>
+              </a:rPr>
+              <a:t> page “</a:t>
+            </a:r>
+            <a:r>
+              <a:rPr lang="en-US" sz="4400" b="1" dirty="0" err="1">
+                <a:solidFill>
+                  <a:srgbClr val="FEFEFE"/>
+                </a:solidFill>
+                <a:latin typeface="+mj-lt"/>
+                <a:ea typeface="+mj-ea"/>
+                <a:cs typeface="+mj-cs"/>
+              </a:rPr>
+              <a:t>Localisation</a:t>
+            </a:r>
+            <a:r>
+              <a:rPr lang="en-US" sz="4400" b="1" dirty="0">
+                <a:solidFill>
+                  <a:srgbClr val="FEFEFE"/>
+                </a:solidFill>
+                <a:latin typeface="+mj-lt"/>
+                <a:ea typeface="+mj-ea"/>
+                <a:cs typeface="+mj-cs"/>
+              </a:rPr>
+              <a:t>”</a:t>
+            </a:r>
+          </a:p>
+        </p:txBody>
+      </p:sp>
+      <p:pic>
+        <p:nvPicPr>
+          <p:cNvPr id="2" name="Image 1">
+            <a:extLst>
+              <a:ext uri="{FF2B5EF4-FFF2-40B4-BE49-F238E27FC236}">
+                <a16:creationId xmlns:a16="http://schemas.microsoft.com/office/drawing/2014/main" id="{4DB71313-B49D-4848-82C1-916B06BFAF0B}"/>
+              </a:ext>
+            </a:extLst>
+          </p:cNvPr>
+          <p:cNvPicPr>
+            <a:picLocks noChangeAspect="1"/>
+          </p:cNvPicPr>
+          <p:nvPr/>
+        </p:nvPicPr>
+        <p:blipFill>
+          <a:blip r:embed="rId3"/>
+          <a:stretch>
+            <a:fillRect/>
+          </a:stretch>
+        </p:blipFill>
+        <p:spPr>
+          <a:xfrm>
+            <a:off x="4739665" y="1995814"/>
+            <a:ext cx="7349674" cy="2866372"/>
+          </a:xfrm>
+          <a:prstGeom prst="roundRect">
+            <a:avLst>
+              <a:gd name="adj" fmla="val 3876"/>
+            </a:avLst>
+          </a:prstGeom>
+          <a:ln>
+            <a:solidFill>
+              <a:schemeClr val="accent1"/>
+            </a:solidFill>
+          </a:ln>
+          <a:effectLst/>
+        </p:spPr>
+      </p:pic>
+    </p:spTree>
+    <p:extLst>
+      <p:ext uri="{BB962C8B-B14F-4D97-AF65-F5344CB8AC3E}">
+        <p14:creationId xmlns:p14="http://schemas.microsoft.com/office/powerpoint/2010/main" val="3993460833"/>
+      </p:ext>
+    </p:extLst>
+  </p:cSld>
+  <p:clrMapOvr>
+    <a:overrideClrMapping bg1="lt1" tx1="dk1" bg2="lt2" tx2="dk2" accent1="accent1" accent2="accent2" accent3="accent3" accent4="accent4" accent5="accent5" accent6="accent6" hlink="hlink" folHlink="folHlink"/>
+  </p:clrMapOvr>
+</p:sld>
+</file>
+
+<file path=ppt/slides/slide18.xml><?xml version="1.0" encoding="utf-8"?>
+<p:sld xmlns:a="http://schemas.openxmlformats.org/drawingml/2006/main" xmlns:r="http://schemas.openxmlformats.org/officeDocument/2006/relationships" xmlns:p="http://schemas.openxmlformats.org/presentationml/2006/main">
+  <p:cSld>
+    <p:bg>
+      <p:bgPr>
+        <a:solidFill>
+          <a:schemeClr val="bg1"/>
+        </a:solidFill>
+        <a:effectLst/>
+      </p:bgPr>
+    </p:bg>
+    <p:spTree>
+      <p:nvGrpSpPr>
+        <p:cNvPr id="1" name=""/>
+        <p:cNvGrpSpPr/>
+        <p:nvPr/>
+      </p:nvGrpSpPr>
+      <p:grpSpPr>
+        <a:xfrm>
+          <a:off x="0" y="0"/>
+          <a:ext cx="0" cy="0"/>
+          <a:chOff x="0" y="0"/>
+          <a:chExt cx="0" cy="0"/>
+        </a:xfrm>
+      </p:grpSpPr>
+      <p:sp>
+        <p:nvSpPr>
+          <p:cNvPr id="8" name="Freeform 6">
+            <a:extLst>
+              <a:ext uri="{FF2B5EF4-FFF2-40B4-BE49-F238E27FC236}">
+                <a16:creationId xmlns:a16="http://schemas.microsoft.com/office/drawing/2014/main" id="{133F8CB7-795C-4272-9073-64D8CF97F220}"/>
+              </a:ext>
+              <a:ext uri="{C183D7F6-B498-43B3-948B-1728B52AA6E4}">
+                <adec:decorative xmlns:adec="http://schemas.microsoft.com/office/drawing/2017/decorative" val="1"/>
+              </a:ext>
+            </a:extLst>
+          </p:cNvPr>
+          <p:cNvSpPr>
+            <a:spLocks noGrp="1" noRot="1" noChangeAspect="1" noMove="1" noResize="1" noEditPoints="1" noAdjustHandles="1" noChangeArrowheads="1" noChangeShapeType="1" noTextEdit="1"/>
+          </p:cNvSpPr>
+          <p:nvPr>
+            <p:extLst>
+              <p:ext uri="{386F3935-93C4-4BCD-93E2-E3B085C9AB24}">
+                <p16:designElem xmlns:p16="http://schemas.microsoft.com/office/powerpoint/2015/main" val="1"/>
+              </p:ext>
+            </p:extLst>
+          </p:nvPr>
+        </p:nvSpPr>
+        <p:spPr bwMode="auto">
+          <a:xfrm>
+            <a:off x="0" y="-3175"/>
+            <a:ext cx="12192000" cy="5203825"/>
+          </a:xfrm>
+          <a:custGeom>
+            <a:avLst/>
+            <a:gdLst/>
+            <a:ahLst/>
+            <a:cxnLst/>
+            <a:rect l="0" t="0" r="r" b="b"/>
+            <a:pathLst>
+              <a:path w="5760" h="3278">
+                <a:moveTo>
+                  <a:pt x="5760" y="0"/>
+                </a:moveTo>
+                <a:lnTo>
+                  <a:pt x="0" y="0"/>
+                </a:lnTo>
+                <a:lnTo>
+                  <a:pt x="0" y="3090"/>
+                </a:lnTo>
+                <a:lnTo>
+                  <a:pt x="943" y="3090"/>
+                </a:lnTo>
+                <a:lnTo>
+                  <a:pt x="1123" y="3270"/>
+                </a:lnTo>
+                <a:lnTo>
+                  <a:pt x="1123" y="3270"/>
+                </a:lnTo>
+                <a:lnTo>
+                  <a:pt x="1127" y="3272"/>
+                </a:lnTo>
+                <a:lnTo>
+                  <a:pt x="1133" y="3275"/>
+                </a:lnTo>
+                <a:lnTo>
+                  <a:pt x="1139" y="3278"/>
+                </a:lnTo>
+                <a:lnTo>
+                  <a:pt x="1144" y="3278"/>
+                </a:lnTo>
+                <a:lnTo>
+                  <a:pt x="1150" y="3278"/>
+                </a:lnTo>
+                <a:lnTo>
+                  <a:pt x="1155" y="3275"/>
+                </a:lnTo>
+                <a:lnTo>
+                  <a:pt x="1161" y="3272"/>
+                </a:lnTo>
+                <a:lnTo>
+                  <a:pt x="1165" y="3270"/>
+                </a:lnTo>
+                <a:lnTo>
+                  <a:pt x="1345" y="3090"/>
+                </a:lnTo>
+                <a:lnTo>
+                  <a:pt x="5760" y="3090"/>
+                </a:lnTo>
+                <a:lnTo>
+                  <a:pt x="5760" y="0"/>
+                </a:lnTo>
+                <a:close/>
+              </a:path>
+            </a:pathLst>
+          </a:custGeom>
+          <a:ln/>
+          <a:effectLst/>
+          <a:extLst>
+            <a:ext uri="{91240B29-F687-4f45-9708-019B960494DF}">
+              <a14:hiddenLine xmlns="" xmlns:a16="http://schemas.microsoft.com/office/drawing/2014/main" xmlns:p14="http://schemas.microsoft.com/office/powerpoint/2010/main" xmlns:a14="http://schemas.microsoft.com/office/drawing/2010/main" w="9525">
+                <a:solidFill>
+                  <a:srgbClr val="000000"/>
+                </a:solidFill>
+                <a:round/>
+                <a:headEnd/>
+                <a:tailEnd/>
+              </a14:hiddenLine>
+            </a:ext>
+          </a:extLst>
+        </p:spPr>
+        <p:style>
+          <a:lnRef idx="1">
+            <a:schemeClr val="accent1"/>
+          </a:lnRef>
+          <a:fillRef idx="3">
+            <a:schemeClr val="accent1"/>
+          </a:fillRef>
+          <a:effectRef idx="2">
+            <a:schemeClr val="accent1"/>
+          </a:effectRef>
+          <a:fontRef idx="minor">
+            <a:schemeClr val="lt1"/>
+          </a:fontRef>
+        </p:style>
+      </p:sp>
+      <p:sp>
+        <p:nvSpPr>
+          <p:cNvPr id="10" name="Rectangle 9">
+            <a:extLst>
+              <a:ext uri="{FF2B5EF4-FFF2-40B4-BE49-F238E27FC236}">
+                <a16:creationId xmlns:a16="http://schemas.microsoft.com/office/drawing/2014/main" id="{B7743172-17A8-4FA4-8434-B813E03B7665}"/>
+              </a:ext>
+              <a:ext uri="{C183D7F6-B498-43B3-948B-1728B52AA6E4}">
+                <adec:decorative xmlns:adec="http://schemas.microsoft.com/office/drawing/2017/decorative" val="1"/>
+              </a:ext>
+            </a:extLst>
+          </p:cNvPr>
+          <p:cNvSpPr>
+            <a:spLocks noGrp="1" noRot="1" noChangeAspect="1" noMove="1" noResize="1" noEditPoints="1" noAdjustHandles="1" noChangeArrowheads="1" noChangeShapeType="1" noTextEdit="1"/>
+          </p:cNvSpPr>
+          <p:nvPr>
+            <p:extLst>
+              <p:ext uri="{386F3935-93C4-4BCD-93E2-E3B085C9AB24}">
+                <p16:designElem xmlns:p16="http://schemas.microsoft.com/office/powerpoint/2015/main" val="1"/>
+              </p:ext>
+            </p:extLst>
+          </p:nvPr>
+        </p:nvSpPr>
+        <p:spPr>
+          <a:xfrm>
+            <a:off x="0" y="0"/>
+            <a:ext cx="12192000" cy="6858000"/>
+          </a:xfrm>
+          <a:prstGeom prst="rect">
+            <a:avLst/>
+          </a:prstGeom>
+          <a:solidFill>
+            <a:schemeClr val="bg1"/>
+          </a:solidFill>
+          <a:ln>
+            <a:noFill/>
+          </a:ln>
+        </p:spPr>
+        <p:style>
+          <a:lnRef idx="2">
+            <a:schemeClr val="accent1">
+              <a:shade val="50000"/>
+            </a:schemeClr>
+          </a:lnRef>
+          <a:fillRef idx="1">
+            <a:schemeClr val="accent1"/>
+          </a:fillRef>
+          <a:effectRef idx="0">
+            <a:schemeClr val="accent1"/>
+          </a:effectRef>
+          <a:fontRef idx="minor">
+            <a:schemeClr val="lt1"/>
+          </a:fontRef>
+        </p:style>
+        <p:txBody>
+          <a:bodyPr rtlCol="0" anchor="ctr"/>
+          <a:lstStyle/>
+          <a:p>
+            <a:pPr algn="ctr"/>
+            <a:endParaRPr lang="en-US"/>
+          </a:p>
+        </p:txBody>
+      </p:sp>
+      <p:sp>
+        <p:nvSpPr>
+          <p:cNvPr id="12" name="Freeform 23">
+            <a:extLst>
+              <a:ext uri="{FF2B5EF4-FFF2-40B4-BE49-F238E27FC236}">
+                <a16:creationId xmlns:a16="http://schemas.microsoft.com/office/drawing/2014/main" id="{4CE1233C-FD2F-489E-BFDE-086F5FED6491}"/>
+              </a:ext>
+              <a:ext uri="{C183D7F6-B498-43B3-948B-1728B52AA6E4}">
+                <adec:decorative xmlns:adec="http://schemas.microsoft.com/office/drawing/2017/decorative" val="1"/>
+              </a:ext>
+            </a:extLst>
+          </p:cNvPr>
+          <p:cNvSpPr>
+            <a:spLocks noGrp="1" noRot="1" noChangeAspect="1" noMove="1" noResize="1" noEditPoints="1" noAdjustHandles="1" noChangeArrowheads="1" noChangeShapeType="1" noTextEdit="1"/>
+          </p:cNvSpPr>
+          <p:nvPr>
+            <p:extLst>
+              <p:ext uri="{386F3935-93C4-4BCD-93E2-E3B085C9AB24}">
+                <p16:designElem xmlns:p16="http://schemas.microsoft.com/office/powerpoint/2015/main" val="1"/>
+              </p:ext>
+            </p:extLst>
+          </p:nvPr>
+        </p:nvSpPr>
+        <p:spPr bwMode="white">
+          <a:xfrm>
+            <a:off x="0" y="0"/>
+            <a:ext cx="4637005" cy="6858000"/>
+          </a:xfrm>
+          <a:custGeom>
+            <a:avLst/>
+            <a:gdLst>
+              <a:gd name="connsiteX0" fmla="*/ 0 w 4637005"/>
+              <a:gd name="connsiteY0" fmla="*/ 0 h 6858000"/>
+              <a:gd name="connsiteX1" fmla="*/ 4637005 w 4637005"/>
+              <a:gd name="connsiteY1" fmla="*/ 0 h 6858000"/>
+              <a:gd name="connsiteX2" fmla="*/ 4637005 w 4637005"/>
+              <a:gd name="connsiteY2" fmla="*/ 1900238 h 6858000"/>
+              <a:gd name="connsiteX3" fmla="*/ 4266589 w 4637005"/>
+              <a:gd name="connsiteY3" fmla="*/ 2178050 h 6858000"/>
+              <a:gd name="connsiteX4" fmla="*/ 4262355 w 4637005"/>
+              <a:gd name="connsiteY4" fmla="*/ 2184400 h 6858000"/>
+              <a:gd name="connsiteX5" fmla="*/ 4256005 w 4637005"/>
+              <a:gd name="connsiteY5" fmla="*/ 2193925 h 6858000"/>
+              <a:gd name="connsiteX6" fmla="*/ 4249655 w 4637005"/>
+              <a:gd name="connsiteY6" fmla="*/ 2201863 h 6858000"/>
+              <a:gd name="connsiteX7" fmla="*/ 4249655 w 4637005"/>
+              <a:gd name="connsiteY7" fmla="*/ 2211388 h 6858000"/>
+              <a:gd name="connsiteX8" fmla="*/ 4249655 w 4637005"/>
+              <a:gd name="connsiteY8" fmla="*/ 2220913 h 6858000"/>
+              <a:gd name="connsiteX9" fmla="*/ 4256005 w 4637005"/>
+              <a:gd name="connsiteY9" fmla="*/ 2228850 h 6858000"/>
+              <a:gd name="connsiteX10" fmla="*/ 4262355 w 4637005"/>
+              <a:gd name="connsiteY10" fmla="*/ 2238375 h 6858000"/>
+              <a:gd name="connsiteX11" fmla="*/ 4266589 w 4637005"/>
+              <a:gd name="connsiteY11" fmla="*/ 2244725 h 6858000"/>
+              <a:gd name="connsiteX12" fmla="*/ 4637005 w 4637005"/>
+              <a:gd name="connsiteY12" fmla="*/ 2522538 h 6858000"/>
+              <a:gd name="connsiteX13" fmla="*/ 4637005 w 4637005"/>
+              <a:gd name="connsiteY13" fmla="*/ 6858000 h 6858000"/>
+              <a:gd name="connsiteX14" fmla="*/ 0 w 4637005"/>
+              <a:gd name="connsiteY14" fmla="*/ 6858000 h 6858000"/>
+            </a:gdLst>
+            <a:ahLst/>
+            <a:cxnLst>
+              <a:cxn ang="0">
+                <a:pos x="connsiteX0" y="connsiteY0"/>
+              </a:cxn>
+              <a:cxn ang="0">
+                <a:pos x="connsiteX1" y="connsiteY1"/>
+              </a:cxn>
+              <a:cxn ang="0">
+                <a:pos x="connsiteX2" y="connsiteY2"/>
+              </a:cxn>
+              <a:cxn ang="0">
+                <a:pos x="connsiteX3" y="connsiteY3"/>
+              </a:cxn>
+              <a:cxn ang="0">
+                <a:pos x="connsiteX4" y="connsiteY4"/>
+              </a:cxn>
+              <a:cxn ang="0">
+                <a:pos x="connsiteX5" y="connsiteY5"/>
+              </a:cxn>
+              <a:cxn ang="0">
+                <a:pos x="connsiteX6" y="connsiteY6"/>
+              </a:cxn>
+              <a:cxn ang="0">
+                <a:pos x="connsiteX7" y="connsiteY7"/>
+              </a:cxn>
+              <a:cxn ang="0">
+                <a:pos x="connsiteX8" y="connsiteY8"/>
+              </a:cxn>
+              <a:cxn ang="0">
+                <a:pos x="connsiteX9" y="connsiteY9"/>
+              </a:cxn>
+              <a:cxn ang="0">
+                <a:pos x="connsiteX10" y="connsiteY10"/>
+              </a:cxn>
+              <a:cxn ang="0">
+                <a:pos x="connsiteX11" y="connsiteY11"/>
+              </a:cxn>
+              <a:cxn ang="0">
+                <a:pos x="connsiteX12" y="connsiteY12"/>
+              </a:cxn>
+              <a:cxn ang="0">
+                <a:pos x="connsiteX13" y="connsiteY13"/>
+              </a:cxn>
+              <a:cxn ang="0">
+                <a:pos x="connsiteX14" y="connsiteY14"/>
+              </a:cxn>
+            </a:cxnLst>
+            <a:rect l="l" t="t" r="r" b="b"/>
+            <a:pathLst>
+              <a:path w="4637005" h="6858000">
+                <a:moveTo>
+                  <a:pt x="0" y="0"/>
+                </a:moveTo>
+                <a:lnTo>
+                  <a:pt x="4637005" y="0"/>
+                </a:lnTo>
+                <a:lnTo>
+                  <a:pt x="4637005" y="1900238"/>
+                </a:lnTo>
+                <a:lnTo>
+                  <a:pt x="4266589" y="2178050"/>
+                </a:lnTo>
+                <a:lnTo>
+                  <a:pt x="4262355" y="2184400"/>
+                </a:lnTo>
+                <a:lnTo>
+                  <a:pt x="4256005" y="2193925"/>
+                </a:lnTo>
+                <a:lnTo>
+                  <a:pt x="4249655" y="2201863"/>
+                </a:lnTo>
+                <a:lnTo>
+                  <a:pt x="4249655" y="2211388"/>
+                </a:lnTo>
+                <a:lnTo>
+                  <a:pt x="4249655" y="2220913"/>
+                </a:lnTo>
+                <a:lnTo>
+                  <a:pt x="4256005" y="2228850"/>
+                </a:lnTo>
+                <a:lnTo>
+                  <a:pt x="4262355" y="2238375"/>
+                </a:lnTo>
+                <a:lnTo>
+                  <a:pt x="4266589" y="2244725"/>
+                </a:lnTo>
+                <a:lnTo>
+                  <a:pt x="4637005" y="2522538"/>
+                </a:lnTo>
+                <a:lnTo>
+                  <a:pt x="4637005" y="6858000"/>
+                </a:lnTo>
+                <a:lnTo>
+                  <a:pt x="0" y="6858000"/>
+                </a:lnTo>
+                <a:close/>
+              </a:path>
+            </a:pathLst>
+          </a:custGeom>
+          <a:blipFill>
+            <a:blip r:embed="rId2">
+              <a:duotone>
+                <a:schemeClr val="accent1">
+                  <a:tint val="98000"/>
+                  <a:lumMod val="102000"/>
+                </a:schemeClr>
+                <a:schemeClr val="accent1">
+                  <a:shade val="98000"/>
+                  <a:lumMod val="98000"/>
+                </a:schemeClr>
+              </a:duotone>
+            </a:blip>
+            <a:tile tx="0" ty="0" sx="100000" sy="100000" flip="none" algn="tl"/>
+          </a:blipFill>
+          <a:ln>
+            <a:headEnd/>
+            <a:tailEnd/>
+          </a:ln>
+        </p:spPr>
+        <p:style>
+          <a:lnRef idx="1">
+            <a:schemeClr val="accent1"/>
+          </a:lnRef>
+          <a:fillRef idx="3">
+            <a:schemeClr val="accent1"/>
+          </a:fillRef>
+          <a:effectRef idx="2">
+            <a:schemeClr val="accent1"/>
+          </a:effectRef>
+          <a:fontRef idx="minor">
+            <a:schemeClr val="lt1"/>
+          </a:fontRef>
+        </p:style>
+        <p:txBody>
+          <a:bodyPr wrap="square" rtlCol="0" anchor="ctr">
+            <a:noAutofit/>
+          </a:bodyPr>
+          <a:lstStyle/>
+          <a:p>
+            <a:pPr algn="ctr"/>
+            <a:endParaRPr lang="en-US"/>
+          </a:p>
+        </p:txBody>
+      </p:sp>
+      <p:sp>
+        <p:nvSpPr>
+          <p:cNvPr id="3" name="ZoneTexte 2">
+            <a:extLst>
+              <a:ext uri="{FF2B5EF4-FFF2-40B4-BE49-F238E27FC236}">
+                <a16:creationId xmlns:a16="http://schemas.microsoft.com/office/drawing/2014/main" id="{0D58C9D2-4C5E-418F-BCA4-D374831CA5DF}"/>
+              </a:ext>
+            </a:extLst>
+          </p:cNvPr>
+          <p:cNvSpPr txBox="1"/>
+          <p:nvPr/>
+        </p:nvSpPr>
+        <p:spPr>
+          <a:xfrm>
+            <a:off x="507498" y="2598737"/>
+            <a:ext cx="3444211" cy="4241136"/>
+          </a:xfrm>
+          <a:prstGeom prst="rect">
+            <a:avLst/>
+          </a:prstGeom>
+        </p:spPr>
+        <p:txBody>
+          <a:bodyPr vert="horz" lIns="91440" tIns="45720" rIns="91440" bIns="45720" rtlCol="0" anchor="t">
+            <a:normAutofit/>
+          </a:bodyPr>
+          <a:lstStyle/>
+          <a:p>
+            <a:pPr>
+              <a:spcBef>
+                <a:spcPct val="0"/>
+              </a:spcBef>
+              <a:spcAft>
+                <a:spcPts val="600"/>
+              </a:spcAft>
+            </a:pPr>
+            <a:r>
+              <a:rPr lang="en-US" sz="4400" b="1" dirty="0" err="1">
+                <a:solidFill>
+                  <a:srgbClr val="FEFEFE"/>
+                </a:solidFill>
+                <a:latin typeface="+mj-lt"/>
+                <a:ea typeface="+mj-ea"/>
+                <a:cs typeface="+mj-cs"/>
+              </a:rPr>
+              <a:t>Localiser</a:t>
+            </a:r>
+            <a:r>
+              <a:rPr lang="en-US" sz="4400" b="1" dirty="0">
+                <a:solidFill>
+                  <a:srgbClr val="FEFEFE"/>
+                </a:solidFill>
+                <a:latin typeface="+mj-lt"/>
+                <a:ea typeface="+mj-ea"/>
+                <a:cs typeface="+mj-cs"/>
+              </a:rPr>
+              <a:t> un </a:t>
+            </a:r>
+            <a:r>
+              <a:rPr lang="en-US" sz="4400" b="1" dirty="0" err="1">
+                <a:solidFill>
+                  <a:srgbClr val="FEFEFE"/>
+                </a:solidFill>
+                <a:latin typeface="+mj-lt"/>
+                <a:ea typeface="+mj-ea"/>
+                <a:cs typeface="+mj-cs"/>
+              </a:rPr>
+              <a:t>utilisateur</a:t>
+            </a:r>
+            <a:endParaRPr lang="en-US" sz="4400" b="1" dirty="0">
+              <a:solidFill>
+                <a:srgbClr val="FEFEFE"/>
+              </a:solidFill>
+              <a:latin typeface="+mj-lt"/>
+              <a:ea typeface="+mj-ea"/>
+              <a:cs typeface="+mj-cs"/>
+            </a:endParaRPr>
+          </a:p>
+        </p:txBody>
+      </p:sp>
+      <p:pic>
+        <p:nvPicPr>
+          <p:cNvPr id="2" name="Image 1">
+            <a:extLst>
+              <a:ext uri="{FF2B5EF4-FFF2-40B4-BE49-F238E27FC236}">
+                <a16:creationId xmlns:a16="http://schemas.microsoft.com/office/drawing/2014/main" id="{BAA1A4D9-B77E-49B5-AB3D-FD28EF95EB31}"/>
+              </a:ext>
+            </a:extLst>
+          </p:cNvPr>
+          <p:cNvPicPr>
+            <a:picLocks noChangeAspect="1"/>
+          </p:cNvPicPr>
+          <p:nvPr/>
+        </p:nvPicPr>
+        <p:blipFill>
+          <a:blip r:embed="rId3"/>
+          <a:stretch>
+            <a:fillRect/>
+          </a:stretch>
+        </p:blipFill>
+        <p:spPr>
+          <a:xfrm>
+            <a:off x="4867342" y="1657350"/>
+            <a:ext cx="7094320" cy="3547160"/>
+          </a:xfrm>
+          <a:prstGeom prst="roundRect">
+            <a:avLst>
+              <a:gd name="adj" fmla="val 3876"/>
+            </a:avLst>
+          </a:prstGeom>
+          <a:ln>
+            <a:solidFill>
+              <a:schemeClr val="accent1"/>
+            </a:solidFill>
+          </a:ln>
+          <a:effectLst/>
+        </p:spPr>
+      </p:pic>
+    </p:spTree>
+    <p:extLst>
+      <p:ext uri="{BB962C8B-B14F-4D97-AF65-F5344CB8AC3E}">
+        <p14:creationId xmlns:p14="http://schemas.microsoft.com/office/powerpoint/2010/main" val="333523297"/>
+      </p:ext>
+    </p:extLst>
+  </p:cSld>
+  <p:clrMapOvr>
+    <a:overrideClrMapping bg1="lt1" tx1="dk1" bg2="lt2" tx2="dk2" accent1="accent1" accent2="accent2" accent3="accent3" accent4="accent4" accent5="accent5" accent6="accent6" hlink="hlink" folHlink="folHlink"/>
+  </p:clrMapOvr>
+</p:sld>
+</file>
+
 <file path=ppt/slides/slide2.xml><?xml version="1.0" encoding="utf-8"?>
 <p:sld xmlns:a="http://schemas.openxmlformats.org/drawingml/2006/main" xmlns:r="http://schemas.openxmlformats.org/officeDocument/2006/relationships" xmlns:p="http://schemas.openxmlformats.org/presentationml/2006/main">
   <p:cSld>
@@ -6577,6 +10729,1652 @@
     <p:extLst>
       <p:ext uri="{BB962C8B-B14F-4D97-AF65-F5344CB8AC3E}">
         <p14:creationId xmlns:p14="http://schemas.microsoft.com/office/powerpoint/2010/main" val="2250430334"/>
+      </p:ext>
+    </p:extLst>
+  </p:cSld>
+  <p:clrMapOvr>
+    <a:masterClrMapping/>
+  </p:clrMapOvr>
+</p:sld>
+</file>
+
+<file path=ppt/slides/slide5.xml><?xml version="1.0" encoding="utf-8"?>
+<p:sld xmlns:a="http://schemas.openxmlformats.org/drawingml/2006/main" xmlns:r="http://schemas.openxmlformats.org/officeDocument/2006/relationships" xmlns:p="http://schemas.openxmlformats.org/presentationml/2006/main">
+  <p:cSld>
+    <p:bg>
+      <p:bgPr>
+        <a:solidFill>
+          <a:schemeClr val="bg2"/>
+        </a:solidFill>
+        <a:effectLst/>
+      </p:bgPr>
+    </p:bg>
+    <p:spTree>
+      <p:nvGrpSpPr>
+        <p:cNvPr id="1" name=""/>
+        <p:cNvGrpSpPr/>
+        <p:nvPr/>
+      </p:nvGrpSpPr>
+      <p:grpSpPr>
+        <a:xfrm>
+          <a:off x="0" y="0"/>
+          <a:ext cx="0" cy="0"/>
+          <a:chOff x="0" y="0"/>
+          <a:chExt cx="0" cy="0"/>
+        </a:xfrm>
+      </p:grpSpPr>
+      <p:sp>
+        <p:nvSpPr>
+          <p:cNvPr id="12" name="Freeform 6">
+            <a:extLst>
+              <a:ext uri="{FF2B5EF4-FFF2-40B4-BE49-F238E27FC236}">
+                <a16:creationId xmlns:a16="http://schemas.microsoft.com/office/drawing/2014/main" id="{E7597382-59B5-427B-9E49-55383F0A5561}"/>
+              </a:ext>
+              <a:ext uri="{C183D7F6-B498-43B3-948B-1728B52AA6E4}">
+                <adec:decorative xmlns:adec="http://schemas.microsoft.com/office/drawing/2017/decorative" val="1"/>
+              </a:ext>
+            </a:extLst>
+          </p:cNvPr>
+          <p:cNvSpPr>
+            <a:spLocks noGrp="1" noRot="1" noChangeAspect="1" noMove="1" noResize="1" noEditPoints="1" noAdjustHandles="1" noChangeArrowheads="1" noChangeShapeType="1" noTextEdit="1"/>
+          </p:cNvSpPr>
+          <p:nvPr>
+            <p:extLst>
+              <p:ext uri="{386F3935-93C4-4BCD-93E2-E3B085C9AB24}">
+                <p16:designElem xmlns:p16="http://schemas.microsoft.com/office/powerpoint/2015/main" val="1"/>
+              </p:ext>
+            </p:extLst>
+          </p:nvPr>
+        </p:nvSpPr>
+        <p:spPr bwMode="auto">
+          <a:xfrm>
+            <a:off x="0" y="-3175"/>
+            <a:ext cx="12192000" cy="6229804"/>
+          </a:xfrm>
+          <a:custGeom>
+            <a:avLst/>
+            <a:gdLst/>
+            <a:ahLst/>
+            <a:cxnLst/>
+            <a:rect l="0" t="0" r="r" b="b"/>
+            <a:pathLst>
+              <a:path w="5760" h="3278">
+                <a:moveTo>
+                  <a:pt x="5760" y="0"/>
+                </a:moveTo>
+                <a:lnTo>
+                  <a:pt x="0" y="0"/>
+                </a:lnTo>
+                <a:lnTo>
+                  <a:pt x="0" y="3090"/>
+                </a:lnTo>
+                <a:lnTo>
+                  <a:pt x="943" y="3090"/>
+                </a:lnTo>
+                <a:lnTo>
+                  <a:pt x="1123" y="3270"/>
+                </a:lnTo>
+                <a:lnTo>
+                  <a:pt x="1123" y="3270"/>
+                </a:lnTo>
+                <a:lnTo>
+                  <a:pt x="1127" y="3272"/>
+                </a:lnTo>
+                <a:lnTo>
+                  <a:pt x="1133" y="3275"/>
+                </a:lnTo>
+                <a:lnTo>
+                  <a:pt x="1139" y="3278"/>
+                </a:lnTo>
+                <a:lnTo>
+                  <a:pt x="1144" y="3278"/>
+                </a:lnTo>
+                <a:lnTo>
+                  <a:pt x="1150" y="3278"/>
+                </a:lnTo>
+                <a:lnTo>
+                  <a:pt x="1155" y="3275"/>
+                </a:lnTo>
+                <a:lnTo>
+                  <a:pt x="1161" y="3272"/>
+                </a:lnTo>
+                <a:lnTo>
+                  <a:pt x="1165" y="3270"/>
+                </a:lnTo>
+                <a:lnTo>
+                  <a:pt x="1345" y="3090"/>
+                </a:lnTo>
+                <a:lnTo>
+                  <a:pt x="5760" y="3090"/>
+                </a:lnTo>
+                <a:lnTo>
+                  <a:pt x="5760" y="0"/>
+                </a:lnTo>
+                <a:close/>
+              </a:path>
+            </a:pathLst>
+          </a:custGeom>
+          <a:ln>
+            <a:noFill/>
+          </a:ln>
+          <a:extLst>
+            <a:ext uri="{91240B29-F687-4f45-9708-019B960494DF}">
+              <a14:hiddenLine xmlns="" xmlns:a16="http://schemas.microsoft.com/office/drawing/2014/main" xmlns:p14="http://schemas.microsoft.com/office/powerpoint/2010/main" xmlns:a14="http://schemas.microsoft.com/office/drawing/2010/main" w="9525">
+                <a:solidFill>
+                  <a:srgbClr val="000000"/>
+                </a:solidFill>
+                <a:round/>
+                <a:headEnd/>
+                <a:tailEnd/>
+              </a14:hiddenLine>
+            </a:ext>
+          </a:extLst>
+        </p:spPr>
+        <p:style>
+          <a:lnRef idx="1">
+            <a:schemeClr val="accent1"/>
+          </a:lnRef>
+          <a:fillRef idx="3">
+            <a:schemeClr val="accent1"/>
+          </a:fillRef>
+          <a:effectRef idx="2">
+            <a:schemeClr val="accent1"/>
+          </a:effectRef>
+          <a:fontRef idx="minor">
+            <a:schemeClr val="lt1"/>
+          </a:fontRef>
+        </p:style>
+      </p:sp>
+      <p:sp>
+        <p:nvSpPr>
+          <p:cNvPr id="13" name="Rounded Rectangle 16">
+            <a:extLst>
+              <a:ext uri="{FF2B5EF4-FFF2-40B4-BE49-F238E27FC236}">
+                <a16:creationId xmlns:a16="http://schemas.microsoft.com/office/drawing/2014/main" id="{26471DC7-FA6E-40EF-A167-93BB0BCE16AD}"/>
+              </a:ext>
+              <a:ext uri="{C183D7F6-B498-43B3-948B-1728B52AA6E4}">
+                <adec:decorative xmlns:adec="http://schemas.microsoft.com/office/drawing/2017/decorative" val="1"/>
+              </a:ext>
+            </a:extLst>
+          </p:cNvPr>
+          <p:cNvSpPr>
+            <a:spLocks noGrp="1" noRot="1" noChangeAspect="1" noMove="1" noResize="1" noEditPoints="1" noAdjustHandles="1" noChangeArrowheads="1" noChangeShapeType="1" noTextEdit="1"/>
+          </p:cNvSpPr>
+          <p:nvPr>
+            <p:extLst>
+              <p:ext uri="{386F3935-93C4-4BCD-93E2-E3B085C9AB24}">
+                <p16:designElem xmlns:p16="http://schemas.microsoft.com/office/powerpoint/2015/main" val="1"/>
+              </p:ext>
+            </p:extLst>
+          </p:nvPr>
+        </p:nvSpPr>
+        <p:spPr>
+          <a:xfrm>
+            <a:off x="643468" y="643466"/>
+            <a:ext cx="10905066" cy="4592561"/>
+          </a:xfrm>
+          <a:prstGeom prst="roundRect">
+            <a:avLst>
+              <a:gd name="adj" fmla="val 3513"/>
+            </a:avLst>
+          </a:prstGeom>
+          <a:solidFill>
+            <a:schemeClr val="tx1"/>
+          </a:solidFill>
+          <a:ln>
+            <a:solidFill>
+              <a:schemeClr val="accent1">
+                <a:lumMod val="75000"/>
+              </a:schemeClr>
+            </a:solidFill>
+          </a:ln>
+          <a:effectLst/>
+        </p:spPr>
+        <p:style>
+          <a:lnRef idx="2">
+            <a:schemeClr val="accent1">
+              <a:shade val="50000"/>
+            </a:schemeClr>
+          </a:lnRef>
+          <a:fillRef idx="1">
+            <a:schemeClr val="accent1"/>
+          </a:fillRef>
+          <a:effectRef idx="0">
+            <a:schemeClr val="accent1"/>
+          </a:effectRef>
+          <a:fontRef idx="minor">
+            <a:schemeClr val="lt1"/>
+          </a:fontRef>
+        </p:style>
+        <p:txBody>
+          <a:bodyPr rtlCol="0" anchor="ctr"/>
+          <a:lstStyle/>
+          <a:p>
+            <a:pPr algn="ctr"/>
+            <a:endParaRPr lang="en-US"/>
+          </a:p>
+        </p:txBody>
+      </p:sp>
+      <p:pic>
+        <p:nvPicPr>
+          <p:cNvPr id="3" name="Image 2">
+            <a:extLst>
+              <a:ext uri="{FF2B5EF4-FFF2-40B4-BE49-F238E27FC236}">
+                <a16:creationId xmlns:a16="http://schemas.microsoft.com/office/drawing/2014/main" id="{79471CF9-C56F-4C12-A691-280C0207476F}"/>
+              </a:ext>
+            </a:extLst>
+          </p:cNvPr>
+          <p:cNvPicPr>
+            <a:picLocks noChangeAspect="1"/>
+          </p:cNvPicPr>
+          <p:nvPr/>
+        </p:nvPicPr>
+        <p:blipFill>
+          <a:blip r:embed="rId2"/>
+          <a:stretch>
+            <a:fillRect/>
+          </a:stretch>
+        </p:blipFill>
+        <p:spPr>
+          <a:xfrm>
+            <a:off x="2462979" y="720264"/>
+            <a:ext cx="7001182" cy="4515763"/>
+          </a:xfrm>
+          <a:prstGeom prst="rect">
+            <a:avLst/>
+          </a:prstGeom>
+        </p:spPr>
+      </p:pic>
+      <p:sp>
+        <p:nvSpPr>
+          <p:cNvPr id="4" name="ZoneTexte 3">
+            <a:extLst>
+              <a:ext uri="{FF2B5EF4-FFF2-40B4-BE49-F238E27FC236}">
+                <a16:creationId xmlns:a16="http://schemas.microsoft.com/office/drawing/2014/main" id="{74737907-7650-415E-8ED6-A351F1007235}"/>
+              </a:ext>
+            </a:extLst>
+          </p:cNvPr>
+          <p:cNvSpPr txBox="1"/>
+          <p:nvPr/>
+        </p:nvSpPr>
+        <p:spPr>
+          <a:xfrm>
+            <a:off x="2869035" y="6031684"/>
+            <a:ext cx="6727971" cy="369332"/>
+          </a:xfrm>
+          <a:prstGeom prst="rect">
+            <a:avLst/>
+          </a:prstGeom>
+          <a:noFill/>
+        </p:spPr>
+        <p:txBody>
+          <a:bodyPr wrap="square" rtlCol="0">
+            <a:spAutoFit/>
+          </a:bodyPr>
+          <a:lstStyle/>
+          <a:p>
+            <a:r>
+              <a:rPr lang="fr-FR" dirty="0"/>
+              <a:t>Diagramme de classe application Web</a:t>
+            </a:r>
+          </a:p>
+        </p:txBody>
+      </p:sp>
+    </p:spTree>
+    <p:extLst>
+      <p:ext uri="{BB962C8B-B14F-4D97-AF65-F5344CB8AC3E}">
+        <p14:creationId xmlns:p14="http://schemas.microsoft.com/office/powerpoint/2010/main" val="2789487766"/>
+      </p:ext>
+    </p:extLst>
+  </p:cSld>
+  <p:clrMapOvr>
+    <a:masterClrMapping/>
+  </p:clrMapOvr>
+</p:sld>
+</file>
+
+<file path=ppt/slides/slide6.xml><?xml version="1.0" encoding="utf-8"?>
+<p:sld xmlns:a="http://schemas.openxmlformats.org/drawingml/2006/main" xmlns:r="http://schemas.openxmlformats.org/officeDocument/2006/relationships" xmlns:p="http://schemas.openxmlformats.org/presentationml/2006/main">
+  <p:cSld>
+    <p:bg>
+      <p:bgPr>
+        <a:solidFill>
+          <a:schemeClr val="bg2"/>
+        </a:solidFill>
+        <a:effectLst/>
+      </p:bgPr>
+    </p:bg>
+    <p:spTree>
+      <p:nvGrpSpPr>
+        <p:cNvPr id="1" name=""/>
+        <p:cNvGrpSpPr/>
+        <p:nvPr/>
+      </p:nvGrpSpPr>
+      <p:grpSpPr>
+        <a:xfrm>
+          <a:off x="0" y="0"/>
+          <a:ext cx="0" cy="0"/>
+          <a:chOff x="0" y="0"/>
+          <a:chExt cx="0" cy="0"/>
+        </a:xfrm>
+      </p:grpSpPr>
+      <p:sp>
+        <p:nvSpPr>
+          <p:cNvPr id="14" name="Rectangle 13">
+            <a:extLst>
+              <a:ext uri="{FF2B5EF4-FFF2-40B4-BE49-F238E27FC236}">
+                <a16:creationId xmlns:a16="http://schemas.microsoft.com/office/drawing/2014/main" id="{6A01907A-BF04-440F-BA0D-49BC9627344C}"/>
+              </a:ext>
+              <a:ext uri="{C183D7F6-B498-43B3-948B-1728B52AA6E4}">
+                <adec:decorative xmlns:adec="http://schemas.microsoft.com/office/drawing/2017/decorative" val="1"/>
+              </a:ext>
+            </a:extLst>
+          </p:cNvPr>
+          <p:cNvSpPr>
+            <a:spLocks noGrp="1" noRot="1" noChangeAspect="1" noMove="1" noResize="1" noEditPoints="1" noAdjustHandles="1" noChangeArrowheads="1" noChangeShapeType="1" noTextEdit="1"/>
+          </p:cNvSpPr>
+          <p:nvPr>
+            <p:extLst>
+              <p:ext uri="{386F3935-93C4-4BCD-93E2-E3B085C9AB24}">
+                <p16:designElem xmlns:p16="http://schemas.microsoft.com/office/powerpoint/2015/main" val="1"/>
+              </p:ext>
+            </p:extLst>
+          </p:nvPr>
+        </p:nvSpPr>
+        <p:spPr>
+          <a:xfrm>
+            <a:off x="0" y="0"/>
+            <a:ext cx="12192000" cy="6858000"/>
+          </a:xfrm>
+          <a:prstGeom prst="rect">
+            <a:avLst/>
+          </a:prstGeom>
+          <a:ln>
+            <a:noFill/>
+          </a:ln>
+        </p:spPr>
+        <p:style>
+          <a:lnRef idx="1">
+            <a:schemeClr val="dk1"/>
+          </a:lnRef>
+          <a:fillRef idx="3">
+            <a:schemeClr val="dk1"/>
+          </a:fillRef>
+          <a:effectRef idx="2">
+            <a:schemeClr val="dk1"/>
+          </a:effectRef>
+          <a:fontRef idx="minor">
+            <a:schemeClr val="lt1"/>
+          </a:fontRef>
+        </p:style>
+        <p:txBody>
+          <a:bodyPr rtlCol="0" anchor="ctr"/>
+          <a:lstStyle/>
+          <a:p>
+            <a:pPr algn="ctr"/>
+            <a:endParaRPr lang="en-US"/>
+          </a:p>
+        </p:txBody>
+      </p:sp>
+      <p:pic>
+        <p:nvPicPr>
+          <p:cNvPr id="2" name="Image 1">
+            <a:extLst>
+              <a:ext uri="{FF2B5EF4-FFF2-40B4-BE49-F238E27FC236}">
+                <a16:creationId xmlns:a16="http://schemas.microsoft.com/office/drawing/2014/main" id="{3389D5BB-271B-44DA-A64F-332C1B0F7772}"/>
+              </a:ext>
+            </a:extLst>
+          </p:cNvPr>
+          <p:cNvPicPr>
+            <a:picLocks noChangeAspect="1"/>
+          </p:cNvPicPr>
+          <p:nvPr/>
+        </p:nvPicPr>
+        <p:blipFill>
+          <a:blip r:embed="rId2">
+            <a:extLst>
+              <a:ext uri="{BEBA8EAE-BF5A-486C-A8C5-ECC9F3942E4B}">
+                <a14:imgProps xmlns:a14="http://schemas.microsoft.com/office/drawing/2010/main">
+                  <a14:imgLayer r:embed="rId3">
+                    <a14:imgEffect>
+                      <a14:backgroundRemoval t="2408" b="95751" l="1240" r="98017">
+                        <a14:foregroundMark x1="12066" y1="16289" x2="29587" y2="47450"/>
+                        <a14:foregroundMark x1="43058" y1="38810" x2="25950" y2="66856"/>
+                        <a14:foregroundMark x1="19669" y1="59490" x2="22562" y2="52833"/>
+                        <a14:foregroundMark x1="22562" y1="52833" x2="31405" y2="51558"/>
+                        <a14:foregroundMark x1="31405" y1="51558" x2="37603" y2="57082"/>
+                        <a14:foregroundMark x1="37603" y1="57082" x2="34628" y2="64731"/>
+                        <a14:foregroundMark x1="34628" y1="64731" x2="25041" y2="66289"/>
+                        <a14:foregroundMark x1="25041" y1="66289" x2="16612" y2="53116"/>
+                        <a14:foregroundMark x1="16612" y1="53116" x2="19008" y2="34136"/>
+                        <a14:foregroundMark x1="19008" y1="34136" x2="25372" y2="28187"/>
+                        <a14:foregroundMark x1="25372" y1="28187" x2="29917" y2="38669"/>
+                        <a14:foregroundMark x1="29917" y1="38669" x2="32479" y2="53966"/>
+                        <a14:foregroundMark x1="32479" y1="53966" x2="30000" y2="59773"/>
+                        <a14:foregroundMark x1="30000" y1="59773" x2="30000" y2="52125"/>
+                        <a14:foregroundMark x1="30000" y1="52125" x2="34298" y2="46034"/>
+                        <a14:foregroundMark x1="34298" y1="46034" x2="38512" y2="46742"/>
+                        <a14:foregroundMark x1="38512" y1="46742" x2="39091" y2="47592"/>
+                        <a14:foregroundMark x1="44711" y1="31020" x2="38430" y2="31728"/>
+                        <a14:foregroundMark x1="38430" y1="31728" x2="22975" y2="49575"/>
+                        <a14:foregroundMark x1="22975" y1="49575" x2="19008" y2="67564"/>
+                        <a14:foregroundMark x1="19008" y1="67564" x2="32149" y2="70255"/>
+                        <a14:foregroundMark x1="32149" y1="70255" x2="43058" y2="58074"/>
+                        <a14:foregroundMark x1="43058" y1="58074" x2="40744" y2="46601"/>
+                        <a14:foregroundMark x1="40744" y1="46601" x2="27686" y2="39943"/>
+                        <a14:foregroundMark x1="27686" y1="39943" x2="16942" y2="51983"/>
+                        <a14:foregroundMark x1="16942" y1="51983" x2="21488" y2="63739"/>
+                        <a14:foregroundMark x1="21488" y1="63739" x2="39339" y2="56799"/>
+                        <a14:foregroundMark x1="39339" y1="56799" x2="44793" y2="48300"/>
+                        <a14:foregroundMark x1="44793" y1="48300" x2="37934" y2="41785"/>
+                        <a14:foregroundMark x1="37934" y1="41785" x2="29256" y2="48442"/>
+                        <a14:foregroundMark x1="29256" y1="48442" x2="33636" y2="59773"/>
+                        <a14:foregroundMark x1="33636" y1="59773" x2="44380" y2="52408"/>
+                        <a14:foregroundMark x1="44380" y1="52408" x2="44298" y2="42068"/>
+                        <a14:foregroundMark x1="44298" y1="42068" x2="34545" y2="37394"/>
+                        <a14:foregroundMark x1="34545" y1="37394" x2="40165" y2="44618"/>
+                        <a14:foregroundMark x1="40165" y1="44618" x2="41405" y2="45042"/>
+                        <a14:foregroundMark x1="41240" y1="38669" x2="29339" y2="60482"/>
+                        <a14:foregroundMark x1="29339" y1="60482" x2="27355" y2="77195"/>
+                        <a14:foregroundMark x1="27355" y1="77195" x2="42231" y2="79887"/>
+                        <a14:foregroundMark x1="42231" y1="79887" x2="56860" y2="68839"/>
+                        <a14:foregroundMark x1="56860" y1="68839" x2="57438" y2="59632"/>
+                        <a14:foregroundMark x1="57438" y1="59632" x2="44711" y2="46176"/>
+                        <a14:foregroundMark x1="44711" y1="46176" x2="23306" y2="47025"/>
+                        <a14:foregroundMark x1="23306" y1="47025" x2="17438" y2="60198"/>
+                        <a14:foregroundMark x1="17438" y1="60198" x2="25455" y2="62890"/>
+                        <a14:foregroundMark x1="25455" y1="62890" x2="34959" y2="56799"/>
+                        <a14:foregroundMark x1="34959" y1="56799" x2="33306" y2="50000"/>
+                        <a14:foregroundMark x1="33306" y1="50000" x2="21570" y2="36686"/>
+                        <a14:foregroundMark x1="21570" y1="36686" x2="31240" y2="57224"/>
+                        <a14:foregroundMark x1="31240" y1="57224" x2="44628" y2="58074"/>
+                        <a14:foregroundMark x1="44628" y1="58074" x2="36116" y2="41218"/>
+                        <a14:foregroundMark x1="36116" y1="41218" x2="27521" y2="37252"/>
+                        <a14:foregroundMark x1="33388" y1="20822" x2="21570" y2="27337"/>
+                        <a14:foregroundMark x1="21570" y1="27337" x2="12810" y2="37960"/>
+                        <a14:foregroundMark x1="12810" y1="37960" x2="10248" y2="46884"/>
+                        <a14:foregroundMark x1="10248" y1="46884" x2="10248" y2="63031"/>
+                        <a14:foregroundMark x1="10248" y1="63031" x2="14959" y2="78329"/>
+                        <a14:foregroundMark x1="14959" y1="78329" x2="20661" y2="84278"/>
+                        <a14:foregroundMark x1="20661" y1="84278" x2="34298" y2="85411"/>
+                        <a14:foregroundMark x1="34298" y1="85411" x2="40909" y2="83569"/>
+                        <a14:foregroundMark x1="40909" y1="83569" x2="50579" y2="71671"/>
+                        <a14:foregroundMark x1="50579" y1="71671" x2="57190" y2="49575"/>
+                        <a14:foregroundMark x1="57190" y1="49575" x2="58182" y2="42493"/>
+                        <a14:foregroundMark x1="58182" y1="42493" x2="57934" y2="31586"/>
+                        <a14:foregroundMark x1="57934" y1="31586" x2="55041" y2="24079"/>
+                        <a14:foregroundMark x1="55041" y1="24079" x2="30744" y2="18414"/>
+                        <a14:foregroundMark x1="30744" y1="18414" x2="29504" y2="18414"/>
+                        <a14:foregroundMark x1="32314" y1="18555" x2="52645" y2="36119"/>
+                        <a14:foregroundMark x1="52645" y1="36119" x2="55950" y2="45609"/>
+                        <a14:foregroundMark x1="55950" y1="45609" x2="55785" y2="53116"/>
+                        <a14:foregroundMark x1="55785" y1="53116" x2="55289" y2="54674"/>
+                        <a14:foregroundMark x1="48678" y1="37394" x2="43140" y2="58074"/>
+                        <a14:foregroundMark x1="43140" y1="58074" x2="42314" y2="64589"/>
+                        <a14:foregroundMark x1="44050" y1="63881" x2="50248" y2="61615"/>
+                        <a14:foregroundMark x1="33388" y1="87677" x2="62727" y2="87677"/>
+                        <a14:foregroundMark x1="63223" y1="90227" x2="59917" y2="55099"/>
+                        <a14:foregroundMark x1="64298" y1="69972" x2="63802" y2="38952"/>
+                        <a14:foregroundMark x1="63802" y1="38952" x2="63719" y2="38810"/>
+                        <a14:foregroundMark x1="63058" y1="46884" x2="63140" y2="20397"/>
+                        <a14:foregroundMark x1="62314" y1="36686" x2="61818" y2="16856"/>
+                        <a14:foregroundMark x1="61818" y1="16856" x2="61818" y2="16856"/>
+                        <a14:foregroundMark x1="61240" y1="15156" x2="15124" y2="15156"/>
+                        <a14:foregroundMark x1="30000" y1="16997" x2="52562" y2="11756"/>
+                        <a14:foregroundMark x1="53140" y1="11756" x2="22645" y2="19263"/>
+                        <a14:foregroundMark x1="22645" y1="19263" x2="17438" y2="22096"/>
+                        <a14:foregroundMark x1="17438" y1="22096" x2="17025" y2="22521"/>
+                        <a14:foregroundMark x1="18099" y1="13739" x2="14959" y2="21813"/>
+                        <a14:foregroundMark x1="14959" y1="21813" x2="11157" y2="69830"/>
+                        <a14:foregroundMark x1="11240" y1="23654" x2="9008" y2="33003"/>
+                        <a14:foregroundMark x1="9008" y1="33003" x2="8595" y2="73513"/>
+                        <a14:foregroundMark x1="14545" y1="30878" x2="13058" y2="64448"/>
+                        <a14:foregroundMark x1="30000" y1="90652" x2="10909" y2="86402"/>
+                        <a14:foregroundMark x1="15207" y1="16147" x2="7190" y2="18414"/>
+                        <a14:foregroundMark x1="9917" y1="8074" x2="15041" y2="7932"/>
+                        <a14:foregroundMark x1="15041" y1="7932" x2="19917" y2="7932"/>
+                        <a14:foregroundMark x1="19917" y1="7932" x2="25207" y2="7649"/>
+                        <a14:foregroundMark x1="25207" y1="7649" x2="25455" y2="7649"/>
+                        <a14:foregroundMark x1="20579" y1="6374" x2="45124" y2="4249"/>
+                        <a14:foregroundMark x1="49504" y1="5949" x2="35041" y2="7365"/>
+                        <a14:foregroundMark x1="37851" y1="7507" x2="48595" y2="7507"/>
+                        <a14:foregroundMark x1="48595" y1="7507" x2="63967" y2="6941"/>
+                        <a14:foregroundMark x1="63967" y1="6941" x2="63967" y2="6941"/>
+                        <a14:foregroundMark x1="63719" y1="7365" x2="62066" y2="20255"/>
+                        <a14:foregroundMark x1="61405" y1="19122" x2="50992" y2="9773"/>
+                        <a14:foregroundMark x1="50992" y1="9773" x2="48430" y2="8499"/>
+                        <a14:foregroundMark x1="50248" y1="8924" x2="60909" y2="20397"/>
+                        <a14:foregroundMark x1="66777" y1="15297" x2="66364" y2="11190"/>
+                        <a14:foregroundMark x1="45537" y1="4108" x2="45537" y2="4108"/>
+                        <a14:foregroundMark x1="46033" y1="4108" x2="63802" y2="4816"/>
+                        <a14:foregroundMark x1="63058" y1="4816" x2="50083" y2="4816"/>
+                        <a14:foregroundMark x1="50083" y1="4816" x2="54380" y2="4249"/>
+                        <a14:foregroundMark x1="54380" y1="4249" x2="62975" y2="4674"/>
+                        <a14:foregroundMark x1="20165" y1="7365" x2="3636" y2="8074"/>
+                        <a14:foregroundMark x1="20826" y1="5949" x2="6942" y2="5949"/>
+                        <a14:foregroundMark x1="6860" y1="5807" x2="1983" y2="5807"/>
+                        <a14:foregroundMark x1="5124" y1="10340" x2="10496" y2="58074"/>
+                        <a14:foregroundMark x1="10496" y1="58074" x2="9669" y2="66714"/>
+                        <a14:foregroundMark x1="9669" y1="66714" x2="7107" y2="78895"/>
+                        <a14:foregroundMark x1="10826" y1="83144" x2="7025" y2="75354"/>
+                        <a14:foregroundMark x1="7025" y1="75354" x2="5537" y2="48159"/>
+                        <a14:foregroundMark x1="5537" y1="48159" x2="7769" y2="25212"/>
+                        <a14:foregroundMark x1="15950" y1="6657" x2="9669" y2="9348"/>
+                        <a14:foregroundMark x1="9669" y1="9348" x2="6694" y2="17280"/>
+                        <a14:foregroundMark x1="6694" y1="17280" x2="5950" y2="25921"/>
+                        <a14:foregroundMark x1="5950" y1="25921" x2="6942" y2="28612"/>
+                        <a14:foregroundMark x1="8017" y1="8357" x2="10000" y2="18980"/>
+                        <a14:foregroundMark x1="10000" y1="18980" x2="13636" y2="24079"/>
+                        <a14:foregroundMark x1="13636" y1="24079" x2="16529" y2="25637"/>
+                        <a14:foregroundMark x1="6364" y1="10057" x2="3140" y2="16006"/>
+                        <a14:foregroundMark x1="3140" y1="16006" x2="1818" y2="34703"/>
+                        <a14:foregroundMark x1="4545" y1="30453" x2="3967" y2="14873"/>
+                        <a14:foregroundMark x1="3967" y1="14873" x2="2066" y2="8924"/>
+                        <a14:foregroundMark x1="3140" y1="53116" x2="3802" y2="73938"/>
+                        <a14:foregroundMark x1="2562" y1="72946" x2="1901" y2="88244"/>
+                        <a14:foregroundMark x1="48760" y1="7365" x2="57355" y2="7224"/>
+                        <a14:foregroundMark x1="57355" y1="7224" x2="61901" y2="7790"/>
+                        <a14:foregroundMark x1="61901" y1="7790" x2="60000" y2="14164"/>
+                        <a14:foregroundMark x1="60000" y1="14164" x2="51653" y2="14448"/>
+                        <a14:foregroundMark x1="1653" y1="7224" x2="1240" y2="17422"/>
+                        <a14:foregroundMark x1="21901" y1="4249" x2="9917" y2="4958"/>
+                        <a14:foregroundMark x1="10000" y1="4816" x2="18760" y2="5382"/>
+                        <a14:foregroundMark x1="19835" y1="4816" x2="13967" y2="4816"/>
+                        <a14:foregroundMark x1="49917" y1="3966" x2="49917" y2="3966"/>
+                        <a14:foregroundMark x1="50000" y1="3824" x2="50000" y2="3824"/>
+                        <a14:foregroundMark x1="50579" y1="3824" x2="50579" y2="3824"/>
+                        <a14:foregroundMark x1="50992" y1="3824" x2="52727" y2="3824"/>
+                        <a14:foregroundMark x1="55785" y1="3824" x2="55785" y2="3824"/>
+                        <a14:foregroundMark x1="56033" y1="3824" x2="58099" y2="4108"/>
+                        <a14:foregroundMark x1="19421" y1="4249" x2="10083" y2="4533"/>
+                        <a14:foregroundMark x1="62727" y1="12465" x2="65620" y2="34136"/>
+                        <a14:foregroundMark x1="67438" y1="14589" x2="67521" y2="11473"/>
+                        <a14:foregroundMark x1="67438" y1="10340" x2="66942" y2="4816"/>
+                        <a14:foregroundMark x1="14876" y1="3966" x2="14876" y2="3966"/>
+                        <a14:foregroundMark x1="14380" y1="3966" x2="14380" y2="3966"/>
+                        <a14:foregroundMark x1="13719" y1="4108" x2="13719" y2="4108"/>
+                        <a14:foregroundMark x1="13719" y1="4108" x2="13719" y2="4108"/>
+                        <a14:foregroundMark x1="13306" y1="4108" x2="13306" y2="4108"/>
+                        <a14:foregroundMark x1="12727" y1="4108" x2="12727" y2="4108"/>
+                        <a14:foregroundMark x1="12231" y1="4391" x2="12231" y2="4391"/>
+                        <a14:foregroundMark x1="13306" y1="4249" x2="10000" y2="4249"/>
+                        <a14:foregroundMark x1="83140" y1="33428" x2="84050" y2="50283"/>
+                        <a14:foregroundMark x1="84132" y1="26346" x2="88017" y2="63598"/>
+                        <a14:foregroundMark x1="88182" y1="62323" x2="87934" y2="20680"/>
+                        <a14:foregroundMark x1="89504" y1="20963" x2="83471" y2="65864"/>
+                        <a14:foregroundMark x1="83471" y1="65864" x2="83388" y2="72238"/>
+                        <a14:foregroundMark x1="83388" y1="72238" x2="86446" y2="52833"/>
+                        <a14:foregroundMark x1="86446" y1="52833" x2="87273" y2="34136"/>
+                        <a14:foregroundMark x1="83802" y1="29178" x2="78017" y2="41785"/>
+                        <a14:foregroundMark x1="78017" y1="41785" x2="75041" y2="84561"/>
+                        <a14:foregroundMark x1="75041" y1="84561" x2="87686" y2="84561"/>
+                        <a14:foregroundMark x1="87686" y1="84561" x2="91405" y2="83286"/>
+                        <a14:foregroundMark x1="91488" y1="83003" x2="94463" y2="52550"/>
+                        <a14:foregroundMark x1="65041" y1="17280" x2="60992" y2="10623"/>
+                        <a14:foregroundMark x1="60992" y1="10623" x2="56694" y2="7507"/>
+                        <a14:foregroundMark x1="56694" y1="7507" x2="51818" y2="8357"/>
+                        <a14:foregroundMark x1="51818" y1="8357" x2="47355" y2="12890"/>
+                        <a14:foregroundMark x1="47355" y1="12890" x2="47107" y2="13881"/>
+                        <a14:foregroundMark x1="82645" y1="12040" x2="80744" y2="18980"/>
+                        <a14:foregroundMark x1="80744" y1="18980" x2="78760" y2="41076"/>
+                        <a14:foregroundMark x1="76612" y1="4108" x2="85455" y2="4108"/>
+                        <a14:foregroundMark x1="85455" y1="4108" x2="94132" y2="3824"/>
+                        <a14:foregroundMark x1="94132" y1="3824" x2="88264" y2="59207"/>
+                        <a14:foregroundMark x1="90992" y1="69972" x2="93223" y2="64023"/>
+                        <a14:foregroundMark x1="93223" y1="64023" x2="94545" y2="25637"/>
+                        <a14:foregroundMark x1="94545" y1="25637" x2="90496" y2="19830"/>
+                        <a14:foregroundMark x1="90496" y1="19830" x2="82479" y2="18130"/>
+                        <a14:foregroundMark x1="82479" y1="18130" x2="78264" y2="19405"/>
+                        <a14:foregroundMark x1="78264" y1="19405" x2="74463" y2="24646"/>
+                        <a14:foregroundMark x1="74463" y1="24646" x2="72645" y2="35127"/>
+                        <a14:foregroundMark x1="72645" y1="35127" x2="74215" y2="54958"/>
+                        <a14:foregroundMark x1="77851" y1="2408" x2="73388" y2="2408"/>
+                        <a14:foregroundMark x1="73388" y1="2408" x2="71653" y2="9348"/>
+                        <a14:foregroundMark x1="71653" y1="9348" x2="71818" y2="22663"/>
+                        <a14:foregroundMark x1="91157" y1="2975" x2="95455" y2="3966"/>
+                        <a14:foregroundMark x1="95455" y1="3966" x2="98017" y2="9773"/>
+                        <a14:foregroundMark x1="98017" y1="9773" x2="97273" y2="35836"/>
+                        <a14:foregroundMark x1="95537" y1="4958" x2="94298" y2="28045"/>
+                        <a14:foregroundMark x1="95702" y1="20255" x2="80331" y2="8499"/>
+                        <a14:foregroundMark x1="79174" y1="5807" x2="74793" y2="13739"/>
+                        <a14:foregroundMark x1="74793" y1="13739" x2="72727" y2="24079"/>
+                        <a14:foregroundMark x1="73388" y1="18272" x2="74298" y2="10482"/>
+                        <a14:foregroundMark x1="74298" y1="10482" x2="75124" y2="8215"/>
+                        <a14:foregroundMark x1="74298" y1="7507" x2="71983" y2="15864"/>
+                        <a14:foregroundMark x1="71983" y1="15864" x2="71653" y2="23088"/>
+                        <a14:foregroundMark x1="71653" y1="23088" x2="72149" y2="23513"/>
+                        <a14:foregroundMark x1="72975" y1="18697" x2="72397" y2="41360"/>
+                        <a14:foregroundMark x1="72397" y1="41360" x2="72645" y2="42351"/>
+                        <a14:foregroundMark x1="73884" y1="95751" x2="94711" y2="95751"/>
+                        <a14:foregroundMark x1="94463" y1="95751" x2="97603" y2="91076"/>
+                        <a14:foregroundMark x1="97603" y1="91076" x2="97107" y2="33994"/>
+                        <a14:foregroundMark x1="71983" y1="22380" x2="71157" y2="45326"/>
+                        <a14:foregroundMark x1="71157" y1="45326" x2="72149" y2="60765"/>
+                        <a14:foregroundMark x1="72149" y1="60765" x2="72562" y2="95751"/>
+                        <a14:foregroundMark x1="71901" y1="95751" x2="71736" y2="95751"/>
+                        <a14:foregroundMark x1="71736" y1="95751" x2="73554" y2="87677"/>
+                        <a14:foregroundMark x1="73554" y1="87677" x2="73388" y2="65297"/>
+                        <a14:foregroundMark x1="73388" y1="65297" x2="72231" y2="57932"/>
+                        <a14:foregroundMark x1="72231" y1="57932" x2="72479" y2="55099"/>
+                        <a14:foregroundMark x1="71074" y1="56374" x2="72479" y2="95042"/>
+                        <a14:foregroundMark x1="3223" y1="4816" x2="3223" y2="4816"/>
+                        <a14:foregroundMark x1="1570" y1="4816" x2="1570" y2="4816"/>
+                        <a14:foregroundMark x1="40744" y1="4391" x2="40744" y2="4391"/>
+                        <a14:foregroundMark x1="41570" y1="4249" x2="41983" y2="4249"/>
+                        <a14:foregroundMark x1="42645" y1="4249" x2="42645" y2="4249"/>
+                        <a14:foregroundMark x1="26033" y1="4249" x2="26033" y2="4249"/>
+                        <a14:foregroundMark x1="25372" y1="4249" x2="25372" y2="4249"/>
+                        <a14:foregroundMark x1="23802" y1="4249" x2="23802" y2="4249"/>
+                        <a14:foregroundMark x1="32975" y1="4249" x2="32975" y2="4249"/>
+                        <a14:foregroundMark x1="33967" y1="4108" x2="42645" y2="4249"/>
+                        <a14:foregroundMark x1="34298" y1="4249" x2="23140" y2="4533"/>
+                        <a14:foregroundMark x1="21983" y1="3966" x2="32727" y2="4391"/>
+                        <a14:foregroundMark x1="32810" y1="4108" x2="27769" y2="4108"/>
+                        <a14:backgroundMark x1="9776" y1="2217" x2="16529" y2="1558"/>
+                        <a14:backgroundMark x1="6364" y1="2550" x2="9264" y2="2267"/>
+                        <a14:backgroundMark x1="13223" y1="708" x2="18182" y2="708"/>
+                        <a14:backgroundMark x1="3884" y1="3116" x2="4234" y2="3775"/>
+                      </a14:backgroundRemoval>
+                    </a14:imgEffect>
+                  </a14:imgLayer>
+                </a14:imgProps>
+              </a:ext>
+            </a:extLst>
+          </a:blip>
+          <a:stretch>
+            <a:fillRect/>
+          </a:stretch>
+        </p:blipFill>
+        <p:spPr>
+          <a:xfrm>
+            <a:off x="497337" y="167778"/>
+            <a:ext cx="11197326" cy="6522443"/>
+          </a:xfrm>
+          <a:prstGeom prst="rect">
+            <a:avLst/>
+          </a:prstGeom>
+        </p:spPr>
+      </p:pic>
+      <p:sp>
+        <p:nvSpPr>
+          <p:cNvPr id="3" name="ZoneTexte 2">
+            <a:extLst>
+              <a:ext uri="{FF2B5EF4-FFF2-40B4-BE49-F238E27FC236}">
+                <a16:creationId xmlns:a16="http://schemas.microsoft.com/office/drawing/2014/main" id="{5BCECAC4-C246-409D-B1A5-6236A23DB60C}"/>
+              </a:ext>
+            </a:extLst>
+          </p:cNvPr>
+          <p:cNvSpPr txBox="1"/>
+          <p:nvPr/>
+        </p:nvSpPr>
+        <p:spPr>
+          <a:xfrm>
+            <a:off x="793102" y="6391469"/>
+            <a:ext cx="7333861" cy="369332"/>
+          </a:xfrm>
+          <a:prstGeom prst="rect">
+            <a:avLst/>
+          </a:prstGeom>
+          <a:noFill/>
+        </p:spPr>
+        <p:txBody>
+          <a:bodyPr wrap="square" rtlCol="0">
+            <a:spAutoFit/>
+          </a:bodyPr>
+          <a:lstStyle/>
+          <a:p>
+            <a:pPr algn="ctr"/>
+            <a:r>
+              <a:rPr lang="fr-FR" dirty="0"/>
+              <a:t>Page de connexion</a:t>
+            </a:r>
+          </a:p>
+        </p:txBody>
+      </p:sp>
+    </p:spTree>
+    <p:extLst>
+      <p:ext uri="{BB962C8B-B14F-4D97-AF65-F5344CB8AC3E}">
+        <p14:creationId xmlns:p14="http://schemas.microsoft.com/office/powerpoint/2010/main" val="1771517468"/>
+      </p:ext>
+    </p:extLst>
+  </p:cSld>
+  <p:clrMapOvr>
+    <a:masterClrMapping/>
+  </p:clrMapOvr>
+</p:sld>
+</file>
+
+<file path=ppt/slides/slide7.xml><?xml version="1.0" encoding="utf-8"?>
+<p:sld xmlns:a="http://schemas.openxmlformats.org/drawingml/2006/main" xmlns:r="http://schemas.openxmlformats.org/officeDocument/2006/relationships" xmlns:p="http://schemas.openxmlformats.org/presentationml/2006/main">
+  <p:cSld>
+    <p:bg>
+      <p:bgPr>
+        <a:solidFill>
+          <a:schemeClr val="bg2"/>
+        </a:solidFill>
+        <a:effectLst/>
+      </p:bgPr>
+    </p:bg>
+    <p:spTree>
+      <p:nvGrpSpPr>
+        <p:cNvPr id="1" name=""/>
+        <p:cNvGrpSpPr/>
+        <p:nvPr/>
+      </p:nvGrpSpPr>
+      <p:grpSpPr>
+        <a:xfrm>
+          <a:off x="0" y="0"/>
+          <a:ext cx="0" cy="0"/>
+          <a:chOff x="0" y="0"/>
+          <a:chExt cx="0" cy="0"/>
+        </a:xfrm>
+      </p:grpSpPr>
+      <p:sp>
+        <p:nvSpPr>
+          <p:cNvPr id="7" name="Freeform 6">
+            <a:extLst>
+              <a:ext uri="{FF2B5EF4-FFF2-40B4-BE49-F238E27FC236}">
+                <a16:creationId xmlns:a16="http://schemas.microsoft.com/office/drawing/2014/main" id="{E7597382-59B5-427B-9E49-55383F0A5561}"/>
+              </a:ext>
+              <a:ext uri="{C183D7F6-B498-43B3-948B-1728B52AA6E4}">
+                <adec:decorative xmlns:adec="http://schemas.microsoft.com/office/drawing/2017/decorative" val="1"/>
+              </a:ext>
+            </a:extLst>
+          </p:cNvPr>
+          <p:cNvSpPr>
+            <a:spLocks noGrp="1" noRot="1" noChangeAspect="1" noMove="1" noResize="1" noEditPoints="1" noAdjustHandles="1" noChangeArrowheads="1" noChangeShapeType="1" noTextEdit="1"/>
+          </p:cNvSpPr>
+          <p:nvPr>
+            <p:extLst>
+              <p:ext uri="{386F3935-93C4-4BCD-93E2-E3B085C9AB24}">
+                <p16:designElem xmlns:p16="http://schemas.microsoft.com/office/powerpoint/2015/main" val="1"/>
+              </p:ext>
+            </p:extLst>
+          </p:nvPr>
+        </p:nvSpPr>
+        <p:spPr bwMode="auto">
+          <a:xfrm>
+            <a:off x="0" y="-3175"/>
+            <a:ext cx="12192000" cy="6229804"/>
+          </a:xfrm>
+          <a:custGeom>
+            <a:avLst/>
+            <a:gdLst/>
+            <a:ahLst/>
+            <a:cxnLst/>
+            <a:rect l="0" t="0" r="r" b="b"/>
+            <a:pathLst>
+              <a:path w="5760" h="3278">
+                <a:moveTo>
+                  <a:pt x="5760" y="0"/>
+                </a:moveTo>
+                <a:lnTo>
+                  <a:pt x="0" y="0"/>
+                </a:lnTo>
+                <a:lnTo>
+                  <a:pt x="0" y="3090"/>
+                </a:lnTo>
+                <a:lnTo>
+                  <a:pt x="943" y="3090"/>
+                </a:lnTo>
+                <a:lnTo>
+                  <a:pt x="1123" y="3270"/>
+                </a:lnTo>
+                <a:lnTo>
+                  <a:pt x="1123" y="3270"/>
+                </a:lnTo>
+                <a:lnTo>
+                  <a:pt x="1127" y="3272"/>
+                </a:lnTo>
+                <a:lnTo>
+                  <a:pt x="1133" y="3275"/>
+                </a:lnTo>
+                <a:lnTo>
+                  <a:pt x="1139" y="3278"/>
+                </a:lnTo>
+                <a:lnTo>
+                  <a:pt x="1144" y="3278"/>
+                </a:lnTo>
+                <a:lnTo>
+                  <a:pt x="1150" y="3278"/>
+                </a:lnTo>
+                <a:lnTo>
+                  <a:pt x="1155" y="3275"/>
+                </a:lnTo>
+                <a:lnTo>
+                  <a:pt x="1161" y="3272"/>
+                </a:lnTo>
+                <a:lnTo>
+                  <a:pt x="1165" y="3270"/>
+                </a:lnTo>
+                <a:lnTo>
+                  <a:pt x="1345" y="3090"/>
+                </a:lnTo>
+                <a:lnTo>
+                  <a:pt x="5760" y="3090"/>
+                </a:lnTo>
+                <a:lnTo>
+                  <a:pt x="5760" y="0"/>
+                </a:lnTo>
+                <a:close/>
+              </a:path>
+            </a:pathLst>
+          </a:custGeom>
+          <a:ln>
+            <a:noFill/>
+          </a:ln>
+          <a:extLst>
+            <a:ext uri="{91240B29-F687-4f45-9708-019B960494DF}">
+              <a14:hiddenLine xmlns="" xmlns:a16="http://schemas.microsoft.com/office/drawing/2014/main" xmlns:p14="http://schemas.microsoft.com/office/powerpoint/2010/main" xmlns:a14="http://schemas.microsoft.com/office/drawing/2010/main" w="9525">
+                <a:solidFill>
+                  <a:srgbClr val="000000"/>
+                </a:solidFill>
+                <a:round/>
+                <a:headEnd/>
+                <a:tailEnd/>
+              </a14:hiddenLine>
+            </a:ext>
+          </a:extLst>
+        </p:spPr>
+        <p:style>
+          <a:lnRef idx="1">
+            <a:schemeClr val="accent1"/>
+          </a:lnRef>
+          <a:fillRef idx="3">
+            <a:schemeClr val="accent1"/>
+          </a:fillRef>
+          <a:effectRef idx="2">
+            <a:schemeClr val="accent1"/>
+          </a:effectRef>
+          <a:fontRef idx="minor">
+            <a:schemeClr val="lt1"/>
+          </a:fontRef>
+        </p:style>
+      </p:sp>
+      <p:sp>
+        <p:nvSpPr>
+          <p:cNvPr id="9" name="Rounded Rectangle 16">
+            <a:extLst>
+              <a:ext uri="{FF2B5EF4-FFF2-40B4-BE49-F238E27FC236}">
+                <a16:creationId xmlns:a16="http://schemas.microsoft.com/office/drawing/2014/main" id="{26471DC7-FA6E-40EF-A167-93BB0BCE16AD}"/>
+              </a:ext>
+              <a:ext uri="{C183D7F6-B498-43B3-948B-1728B52AA6E4}">
+                <adec:decorative xmlns:adec="http://schemas.microsoft.com/office/drawing/2017/decorative" val="1"/>
+              </a:ext>
+            </a:extLst>
+          </p:cNvPr>
+          <p:cNvSpPr>
+            <a:spLocks noGrp="1" noRot="1" noChangeAspect="1" noMove="1" noResize="1" noEditPoints="1" noAdjustHandles="1" noChangeArrowheads="1" noChangeShapeType="1" noTextEdit="1"/>
+          </p:cNvSpPr>
+          <p:nvPr>
+            <p:extLst>
+              <p:ext uri="{386F3935-93C4-4BCD-93E2-E3B085C9AB24}">
+                <p16:designElem xmlns:p16="http://schemas.microsoft.com/office/powerpoint/2015/main" val="1"/>
+              </p:ext>
+            </p:extLst>
+          </p:nvPr>
+        </p:nvSpPr>
+        <p:spPr>
+          <a:xfrm>
+            <a:off x="643468" y="643466"/>
+            <a:ext cx="10905066" cy="4592561"/>
+          </a:xfrm>
+          <a:prstGeom prst="roundRect">
+            <a:avLst>
+              <a:gd name="adj" fmla="val 3513"/>
+            </a:avLst>
+          </a:prstGeom>
+          <a:solidFill>
+            <a:schemeClr val="tx1"/>
+          </a:solidFill>
+          <a:ln>
+            <a:solidFill>
+              <a:schemeClr val="accent1">
+                <a:lumMod val="75000"/>
+              </a:schemeClr>
+            </a:solidFill>
+          </a:ln>
+          <a:effectLst/>
+        </p:spPr>
+        <p:style>
+          <a:lnRef idx="2">
+            <a:schemeClr val="accent1">
+              <a:shade val="50000"/>
+            </a:schemeClr>
+          </a:lnRef>
+          <a:fillRef idx="1">
+            <a:schemeClr val="accent1"/>
+          </a:fillRef>
+          <a:effectRef idx="0">
+            <a:schemeClr val="accent1"/>
+          </a:effectRef>
+          <a:fontRef idx="minor">
+            <a:schemeClr val="lt1"/>
+          </a:fontRef>
+        </p:style>
+        <p:txBody>
+          <a:bodyPr rtlCol="0" anchor="ctr"/>
+          <a:lstStyle/>
+          <a:p>
+            <a:pPr algn="ctr"/>
+            <a:endParaRPr lang="en-US"/>
+          </a:p>
+        </p:txBody>
+      </p:sp>
+      <p:pic>
+        <p:nvPicPr>
+          <p:cNvPr id="2" name="Image 1">
+            <a:extLst>
+              <a:ext uri="{FF2B5EF4-FFF2-40B4-BE49-F238E27FC236}">
+                <a16:creationId xmlns:a16="http://schemas.microsoft.com/office/drawing/2014/main" id="{E795D710-B96D-43DB-B14C-28829AD23934}"/>
+              </a:ext>
+            </a:extLst>
+          </p:cNvPr>
+          <p:cNvPicPr>
+            <a:picLocks noChangeAspect="1"/>
+          </p:cNvPicPr>
+          <p:nvPr/>
+        </p:nvPicPr>
+        <p:blipFill>
+          <a:blip r:embed="rId2"/>
+          <a:stretch>
+            <a:fillRect/>
+          </a:stretch>
+        </p:blipFill>
+        <p:spPr>
+          <a:xfrm>
+            <a:off x="1807030" y="730927"/>
+            <a:ext cx="8577940" cy="4417638"/>
+          </a:xfrm>
+          <a:prstGeom prst="rect">
+            <a:avLst/>
+          </a:prstGeom>
+        </p:spPr>
+      </p:pic>
+      <p:sp>
+        <p:nvSpPr>
+          <p:cNvPr id="3" name="ZoneTexte 2">
+            <a:extLst>
+              <a:ext uri="{FF2B5EF4-FFF2-40B4-BE49-F238E27FC236}">
+                <a16:creationId xmlns:a16="http://schemas.microsoft.com/office/drawing/2014/main" id="{DFE9CD65-4982-4425-843B-24627BF68D5B}"/>
+              </a:ext>
+            </a:extLst>
+          </p:cNvPr>
+          <p:cNvSpPr txBox="1"/>
+          <p:nvPr/>
+        </p:nvSpPr>
+        <p:spPr>
+          <a:xfrm>
+            <a:off x="3171039" y="6031684"/>
+            <a:ext cx="6090407" cy="646331"/>
+          </a:xfrm>
+          <a:prstGeom prst="rect">
+            <a:avLst/>
+          </a:prstGeom>
+          <a:noFill/>
+        </p:spPr>
+        <p:txBody>
+          <a:bodyPr wrap="square" rtlCol="0">
+            <a:spAutoFit/>
+          </a:bodyPr>
+          <a:lstStyle/>
+          <a:p>
+            <a:r>
+              <a:rPr lang="fr-FR" dirty="0"/>
+              <a:t>Diagramme de séquence sur la connexion à l’application web</a:t>
+            </a:r>
+          </a:p>
+        </p:txBody>
+      </p:sp>
+    </p:spTree>
+    <p:extLst>
+      <p:ext uri="{BB962C8B-B14F-4D97-AF65-F5344CB8AC3E}">
+        <p14:creationId xmlns:p14="http://schemas.microsoft.com/office/powerpoint/2010/main" val="1528670229"/>
+      </p:ext>
+    </p:extLst>
+  </p:cSld>
+  <p:clrMapOvr>
+    <a:masterClrMapping/>
+  </p:clrMapOvr>
+</p:sld>
+</file>
+
+<file path=ppt/slides/slide8.xml><?xml version="1.0" encoding="utf-8"?>
+<p:sld xmlns:a="http://schemas.openxmlformats.org/drawingml/2006/main" xmlns:r="http://schemas.openxmlformats.org/officeDocument/2006/relationships" xmlns:p="http://schemas.openxmlformats.org/presentationml/2006/main">
+  <p:cSld>
+    <p:bg>
+      <p:bgPr>
+        <a:solidFill>
+          <a:schemeClr val="bg2"/>
+        </a:solidFill>
+        <a:effectLst/>
+      </p:bgPr>
+    </p:bg>
+    <p:spTree>
+      <p:nvGrpSpPr>
+        <p:cNvPr id="1" name=""/>
+        <p:cNvGrpSpPr/>
+        <p:nvPr/>
+      </p:nvGrpSpPr>
+      <p:grpSpPr>
+        <a:xfrm>
+          <a:off x="0" y="0"/>
+          <a:ext cx="0" cy="0"/>
+          <a:chOff x="0" y="0"/>
+          <a:chExt cx="0" cy="0"/>
+        </a:xfrm>
+      </p:grpSpPr>
+      <p:sp>
+        <p:nvSpPr>
+          <p:cNvPr id="7" name="Rectangle 6">
+            <a:extLst>
+              <a:ext uri="{FF2B5EF4-FFF2-40B4-BE49-F238E27FC236}">
+                <a16:creationId xmlns:a16="http://schemas.microsoft.com/office/drawing/2014/main" id="{6A01907A-BF04-440F-BA0D-49BC9627344C}"/>
+              </a:ext>
+              <a:ext uri="{C183D7F6-B498-43B3-948B-1728B52AA6E4}">
+                <adec:decorative xmlns:adec="http://schemas.microsoft.com/office/drawing/2017/decorative" val="1"/>
+              </a:ext>
+            </a:extLst>
+          </p:cNvPr>
+          <p:cNvSpPr>
+            <a:spLocks noGrp="1" noRot="1" noChangeAspect="1" noMove="1" noResize="1" noEditPoints="1" noAdjustHandles="1" noChangeArrowheads="1" noChangeShapeType="1" noTextEdit="1"/>
+          </p:cNvSpPr>
+          <p:nvPr>
+            <p:extLst>
+              <p:ext uri="{386F3935-93C4-4BCD-93E2-E3B085C9AB24}">
+                <p16:designElem xmlns:p16="http://schemas.microsoft.com/office/powerpoint/2015/main" val="1"/>
+              </p:ext>
+            </p:extLst>
+          </p:nvPr>
+        </p:nvSpPr>
+        <p:spPr>
+          <a:xfrm>
+            <a:off x="0" y="0"/>
+            <a:ext cx="12192000" cy="6858000"/>
+          </a:xfrm>
+          <a:prstGeom prst="rect">
+            <a:avLst/>
+          </a:prstGeom>
+          <a:ln>
+            <a:noFill/>
+          </a:ln>
+        </p:spPr>
+        <p:style>
+          <a:lnRef idx="1">
+            <a:schemeClr val="dk1"/>
+          </a:lnRef>
+          <a:fillRef idx="3">
+            <a:schemeClr val="dk1"/>
+          </a:fillRef>
+          <a:effectRef idx="2">
+            <a:schemeClr val="dk1"/>
+          </a:effectRef>
+          <a:fontRef idx="minor">
+            <a:schemeClr val="lt1"/>
+          </a:fontRef>
+        </p:style>
+        <p:txBody>
+          <a:bodyPr rtlCol="0" anchor="ctr"/>
+          <a:lstStyle/>
+          <a:p>
+            <a:pPr algn="ctr"/>
+            <a:endParaRPr lang="en-US"/>
+          </a:p>
+        </p:txBody>
+      </p:sp>
+      <p:pic>
+        <p:nvPicPr>
+          <p:cNvPr id="2" name="Image 1">
+            <a:extLst>
+              <a:ext uri="{FF2B5EF4-FFF2-40B4-BE49-F238E27FC236}">
+                <a16:creationId xmlns:a16="http://schemas.microsoft.com/office/drawing/2014/main" id="{505118A7-BDE9-4AB5-8FD9-AA472FA471AF}"/>
+              </a:ext>
+            </a:extLst>
+          </p:cNvPr>
+          <p:cNvPicPr>
+            <a:picLocks noChangeAspect="1"/>
+          </p:cNvPicPr>
+          <p:nvPr/>
+        </p:nvPicPr>
+        <p:blipFill>
+          <a:blip r:embed="rId2">
+            <a:extLst>
+              <a:ext uri="{BEBA8EAE-BF5A-486C-A8C5-ECC9F3942E4B}">
+                <a14:imgProps xmlns:a14="http://schemas.microsoft.com/office/drawing/2010/main">
+                  <a14:imgLayer r:embed="rId3">
+                    <a14:imgEffect>
+                      <a14:backgroundRemoval t="4711" b="95155" l="1224" r="93344">
+                        <a14:foregroundMark x1="36955" y1="27725" x2="21959" y2="50067"/>
+                        <a14:foregroundMark x1="21959" y1="50067" x2="22341" y2="75639"/>
+                        <a14:foregroundMark x1="22341" y1="75639" x2="40245" y2="76178"/>
+                        <a14:foregroundMark x1="40245" y1="76178" x2="49350" y2="58008"/>
+                        <a14:foregroundMark x1="49350" y1="58008" x2="40398" y2="41454"/>
+                        <a14:foregroundMark x1="40398" y1="41454" x2="27927" y2="40108"/>
+                        <a14:foregroundMark x1="27927" y1="40108" x2="27621" y2="54240"/>
+                        <a14:foregroundMark x1="27621" y1="54240" x2="32288" y2="58008"/>
+                        <a14:foregroundMark x1="32288" y1="58008" x2="27850" y2="45895"/>
+                        <a14:foregroundMark x1="27850" y1="45895" x2="8110" y2="39973"/>
+                        <a14:foregroundMark x1="8110" y1="39973" x2="5815" y2="50740"/>
+                        <a14:foregroundMark x1="5815" y1="50740" x2="21500" y2="62046"/>
+                        <a14:foregroundMark x1="21500" y1="62046" x2="33894" y2="53028"/>
+                        <a14:foregroundMark x1="33894" y1="53028" x2="29839" y2="25707"/>
+                        <a14:foregroundMark x1="29839" y1="25707" x2="15838" y2="11306"/>
+                        <a14:foregroundMark x1="15838" y1="11306" x2="7881" y2="26918"/>
+                        <a14:foregroundMark x1="7881" y1="26918" x2="14767" y2="51144"/>
+                        <a14:foregroundMark x1="14767" y1="51144" x2="25937" y2="57873"/>
+                        <a14:foregroundMark x1="25937" y1="57873" x2="26549" y2="45895"/>
+                        <a14:foregroundMark x1="26549" y1="45895" x2="22188" y2="34320"/>
+                        <a14:foregroundMark x1="22188" y1="34320" x2="23795" y2="37685"/>
+                        <a14:foregroundMark x1="20658" y1="41857" x2="38868" y2="31494"/>
+                        <a14:foregroundMark x1="38868" y1="31494" x2="49503" y2="46164"/>
+                        <a14:foregroundMark x1="49503" y1="46164" x2="48202" y2="66218"/>
+                        <a14:foregroundMark x1="48202" y1="66218" x2="36419" y2="68102"/>
+                        <a14:foregroundMark x1="36419" y1="68102" x2="25249" y2="57470"/>
+                        <a14:foregroundMark x1="25249" y1="57470" x2="23565" y2="48721"/>
+                        <a14:foregroundMark x1="23565" y1="48721" x2="28921" y2="51279"/>
+                        <a14:foregroundMark x1="28921" y1="51279" x2="33588" y2="63392"/>
+                        <a14:foregroundMark x1="33588" y1="63392" x2="26320" y2="58681"/>
+                        <a14:foregroundMark x1="26320" y1="58681" x2="31523" y2="66891"/>
+                        <a14:foregroundMark x1="31523" y1="66891" x2="26396" y2="66622"/>
+                        <a14:foregroundMark x1="26396" y1="66622" x2="21423" y2="59085"/>
+                        <a14:foregroundMark x1="21423" y1="59085" x2="26243" y2="53163"/>
+                        <a14:foregroundMark x1="26243" y1="53163" x2="29151" y2="60296"/>
+                        <a14:foregroundMark x1="29151" y1="60296" x2="22800" y2="61777"/>
+                        <a14:foregroundMark x1="22800" y1="61777" x2="12089" y2="54240"/>
+                        <a14:foregroundMark x1="12089" y1="54240" x2="17598" y2="55047"/>
+                        <a14:foregroundMark x1="17598" y1="55047" x2="39174" y2="79542"/>
+                        <a14:foregroundMark x1="39174" y1="79542" x2="45524" y2="58950"/>
+                        <a14:foregroundMark x1="45524" y1="58950" x2="34660" y2="54374"/>
+                        <a14:foregroundMark x1="34660" y1="54374" x2="23565" y2="70121"/>
+                        <a14:foregroundMark x1="23565" y1="70121" x2="24790" y2="79677"/>
+                        <a14:foregroundMark x1="24790" y1="79677" x2="37414" y2="79542"/>
+                        <a14:foregroundMark x1="37414" y1="79542" x2="45142" y2="70929"/>
+                        <a14:foregroundMark x1="45142" y1="70929" x2="40780" y2="59892"/>
+                        <a14:foregroundMark x1="40780" y1="59892" x2="24790" y2="55585"/>
+                        <a14:foregroundMark x1="24790" y1="55585" x2="16144" y2="62046"/>
+                        <a14:foregroundMark x1="16144" y1="62046" x2="21423" y2="66218"/>
+                        <a14:foregroundMark x1="21423" y1="66218" x2="29227" y2="62584"/>
+                        <a14:foregroundMark x1="29227" y1="62584" x2="31523" y2="53701"/>
+                        <a14:foregroundMark x1="31523" y1="53701" x2="25325" y2="49664"/>
+                        <a14:foregroundMark x1="25325" y1="49664" x2="19357" y2="51413"/>
+                        <a14:foregroundMark x1="19357" y1="51413" x2="19663" y2="64334"/>
+                        <a14:foregroundMark x1="19663" y1="64334" x2="30834" y2="75101"/>
+                        <a14:foregroundMark x1="30834" y1="75101" x2="44223" y2="72948"/>
+                        <a14:foregroundMark x1="44223" y1="72948" x2="49273" y2="64872"/>
+                        <a14:foregroundMark x1="49273" y1="64872" x2="46672" y2="52759"/>
+                        <a14:foregroundMark x1="46672" y1="52759" x2="33818" y2="46703"/>
+                        <a14:foregroundMark x1="33818" y1="46703" x2="25172" y2="56124"/>
+                        <a14:foregroundMark x1="25172" y1="56124" x2="27927" y2="70256"/>
+                        <a14:foregroundMark x1="27927" y1="70256" x2="35425" y2="75101"/>
+                        <a14:foregroundMark x1="35425" y1="75101" x2="44223" y2="70929"/>
+                        <a14:foregroundMark x1="44223" y1="70929" x2="48432" y2="60565"/>
+                        <a14:foregroundMark x1="48432" y1="60565" x2="47513" y2="49933"/>
+                        <a14:foregroundMark x1="47513" y1="49933" x2="35731" y2="44684"/>
+                        <a14:foregroundMark x1="35731" y1="44684" x2="22341" y2="55316"/>
+                        <a14:foregroundMark x1="22341" y1="55316" x2="17215" y2="71736"/>
+                        <a14:foregroundMark x1="17215" y1="71736" x2="19969" y2="78869"/>
+                        <a14:foregroundMark x1="19969" y1="78869" x2="31752" y2="76178"/>
+                        <a14:foregroundMark x1="31752" y1="76178" x2="45142" y2="62584"/>
+                        <a14:foregroundMark x1="45142" y1="62584" x2="50574" y2="48856"/>
+                        <a14:foregroundMark x1="50574" y1="48856" x2="35960" y2="40377"/>
+                        <a14:foregroundMark x1="35960" y1="40377" x2="20581" y2="51279"/>
+                        <a14:foregroundMark x1="20581" y1="51279" x2="15302" y2="65949"/>
+                        <a14:foregroundMark x1="15302" y1="65949" x2="22647" y2="75101"/>
+                        <a14:foregroundMark x1="22647" y1="75101" x2="33741" y2="75101"/>
+                        <a14:foregroundMark x1="33741" y1="75101" x2="43535" y2="66218"/>
+                        <a14:foregroundMark x1="43535" y1="66218" x2="45218" y2="54643"/>
+                        <a14:foregroundMark x1="45218" y1="54643" x2="37031" y2="42934"/>
+                        <a14:foregroundMark x1="37031" y1="42934" x2="23489" y2="39973"/>
+                        <a14:foregroundMark x1="23489" y1="39973" x2="16832" y2="50336"/>
+                        <a14:foregroundMark x1="16832" y1="50336" x2="17751" y2="66083"/>
+                        <a14:foregroundMark x1="17751" y1="66083" x2="26855" y2="75774"/>
+                        <a14:foregroundMark x1="26855" y1="75774" x2="36955" y2="71198"/>
+                        <a14:foregroundMark x1="36955" y1="71198" x2="43764" y2="57739"/>
+                        <a14:foregroundMark x1="43764" y1="57739" x2="44529" y2="47241"/>
+                        <a14:foregroundMark x1="44529" y1="47241" x2="35960" y2="39569"/>
+                        <a14:foregroundMark x1="35960" y1="39569" x2="19128" y2="39166"/>
+                        <a14:foregroundMark x1="19128" y1="39166" x2="12318" y2="46837"/>
+                        <a14:foregroundMark x1="12318" y1="46837" x2="15914" y2="51279"/>
+                        <a14:foregroundMark x1="19051" y1="19246" x2="50727" y2="26783"/>
+                        <a14:foregroundMark x1="50727" y1="26783" x2="56236" y2="82100"/>
+                        <a14:foregroundMark x1="56236" y1="82100" x2="13160" y2="81696"/>
+                        <a14:foregroundMark x1="13160" y1="81696" x2="9028" y2="76447"/>
+                        <a14:foregroundMark x1="9028" y1="76447" x2="8799" y2="44818"/>
+                        <a14:foregroundMark x1="8799" y1="44818" x2="11018" y2="27456"/>
+                        <a14:foregroundMark x1="11018" y1="27456" x2="14308" y2="18977"/>
+                        <a14:foregroundMark x1="14308" y1="18977" x2="24713" y2="21131"/>
+                        <a14:foregroundMark x1="37720" y1="15074" x2="52793" y2="17766"/>
+                        <a14:foregroundMark x1="52793" y1="17766" x2="57842" y2="81965"/>
+                        <a14:foregroundMark x1="57842" y1="81965" x2="52793" y2="87887"/>
+                        <a14:foregroundMark x1="52793" y1="87887" x2="48814" y2="82100"/>
+                        <a14:foregroundMark x1="48814" y1="82100" x2="41316" y2="61642"/>
+                        <a14:foregroundMark x1="16526" y1="86272" x2="3673" y2="86003"/>
+                        <a14:foregroundMark x1="3673" y1="82369" x2="6044" y2="31898"/>
+                        <a14:foregroundMark x1="3213" y1="37820" x2="4514" y2="14939"/>
+                        <a14:foregroundMark x1="2066" y1="14805" x2="5585" y2="8075"/>
+                        <a14:foregroundMark x1="5585" y1="8075" x2="28156" y2="6460"/>
+                        <a14:foregroundMark x1="28156" y1="6460" x2="54935" y2="8210"/>
+                        <a14:foregroundMark x1="54935" y1="8210" x2="58301" y2="14805"/>
+                        <a14:foregroundMark x1="58301" y1="14805" x2="60367" y2="22880"/>
+                        <a14:foregroundMark x1="60367" y1="22880" x2="59832" y2="59219"/>
+                        <a14:foregroundMark x1="59832" y1="59219" x2="58914" y2="69044"/>
+                        <a14:foregroundMark x1="58914" y1="69044" x2="59679" y2="79004"/>
+                        <a14:foregroundMark x1="59679" y1="79004" x2="58454" y2="87079"/>
+                        <a14:foregroundMark x1="58454" y1="87079" x2="40474" y2="86945"/>
+                        <a14:foregroundMark x1="2219" y1="6326" x2="39021" y2="6326"/>
+                        <a14:foregroundMark x1="39021" y1="6326" x2="44912" y2="6191"/>
+                        <a14:foregroundMark x1="44912" y1="6191" x2="59449" y2="6460"/>
+                        <a14:foregroundMark x1="50650" y1="9556" x2="10482" y2="10094"/>
+                        <a14:foregroundMark x1="4591" y1="6595" x2="2066" y2="5518"/>
+                        <a14:foregroundMark x1="25631" y1="4711" x2="40704" y2="6191"/>
+                        <a14:foregroundMark x1="59679" y1="6595" x2="59526" y2="11171"/>
+                        <a14:foregroundMark x1="60367" y1="7672" x2="60214" y2="9287"/>
+                        <a14:foregroundMark x1="61897" y1="7268" x2="61897" y2="10094"/>
+                        <a14:foregroundMark x1="2984" y1="8748" x2="1683" y2="6057"/>
+                        <a14:foregroundMark x1="84392" y1="19785" x2="81331" y2="56124"/>
+                        <a14:foregroundMark x1="81331" y1="56124" x2="83091" y2="19246"/>
+                        <a14:foregroundMark x1="83091" y1="19246" x2="82785" y2="66487"/>
+                        <a14:foregroundMark x1="82785" y1="66487" x2="80643" y2="27052"/>
+                        <a14:foregroundMark x1="80643" y1="27052" x2="80031" y2="40108"/>
+                        <a14:foregroundMark x1="70008" y1="93405" x2="89594" y2="95289"/>
+                        <a14:foregroundMark x1="90589" y1="95289" x2="93344" y2="94482"/>
+                        <a14:foregroundMark x1="93191" y1="94347" x2="83703" y2="50202"/>
+                        <a14:foregroundMark x1="83244" y1="50875" x2="81102" y2="85868"/>
+                        <a14:foregroundMark x1="79036" y1="91925" x2="72839" y2="53432"/>
+                        <a14:foregroundMark x1="72839" y1="53432" x2="72533" y2="32436"/>
+                        <a14:foregroundMark x1="72073" y1="32167" x2="72609" y2="23822"/>
+                        <a14:foregroundMark x1="72609" y1="23822" x2="77582" y2="16824"/>
+                        <a14:foregroundMark x1="77582" y1="16824" x2="80337" y2="16285"/>
+                        <a14:foregroundMark x1="79112" y1="16958" x2="79112" y2="26783"/>
+                        <a14:foregroundMark x1="79112" y1="26783" x2="83550" y2="19515"/>
+                        <a14:foregroundMark x1="83550" y1="19515" x2="75976" y2="21534"/>
+                        <a14:foregroundMark x1="75976" y1="21534" x2="80107" y2="23015"/>
+                        <a14:foregroundMark x1="87223" y1="17362" x2="88753" y2="42799"/>
+                        <a14:foregroundMark x1="88753" y1="42799" x2="87070" y2="58546"/>
+                        <a14:foregroundMark x1="91431" y1="54643" x2="92502" y2="26380"/>
+                        <a14:foregroundMark x1="92502" y1="26380" x2="91354" y2="18439"/>
+                        <a14:foregroundMark x1="91354" y1="18439" x2="88600" y2="10633"/>
+                        <a14:foregroundMark x1="88600" y1="10633" x2="69396" y2="10498"/>
+                        <a14:foregroundMark x1="69396" y1="10498" x2="72456" y2="50067"/>
+                        <a14:foregroundMark x1="70237" y1="6999" x2="88753" y2="7402"/>
+                        <a14:foregroundMark x1="88753" y1="7402" x2="92961" y2="11171"/>
+                        <a14:foregroundMark x1="92961" y1="11171" x2="93191" y2="21265"/>
+                        <a14:foregroundMark x1="91737" y1="13190" x2="80872" y2="8075"/>
+                        <a14:foregroundMark x1="80872" y1="8075" x2="75440" y2="8075"/>
+                        <a14:foregroundMark x1="75440" y1="8075" x2="71461" y2="13728"/>
+                        <a14:foregroundMark x1="71461" y1="13728" x2="69855" y2="22073"/>
+                        <a14:foregroundMark x1="69855" y1="22073" x2="69702" y2="30821"/>
+                        <a14:foregroundMark x1="69702" y1="49664" x2="69702" y2="49664"/>
+                        <a14:foregroundMark x1="69702" y1="49664" x2="69396" y2="58816"/>
+                        <a14:foregroundMark x1="69396" y1="58816" x2="70696" y2="30283"/>
+                        <a14:foregroundMark x1="69702" y1="92732" x2="71002" y2="53701"/>
+                        <a14:foregroundMark x1="68783" y1="54509" x2="70084" y2="90848"/>
+                        <a14:foregroundMark x1="70084" y1="90848" x2="70161" y2="91117"/>
+                        <a14:foregroundMark x1="70314" y1="65141" x2="70926" y2="31763"/>
+                        <a14:foregroundMark x1="69090" y1="49260" x2="70161" y2="27995"/>
+                        <a14:foregroundMark x1="93267" y1="10498" x2="93344" y2="93405"/>
+                        <a14:foregroundMark x1="1224" y1="5787" x2="2601" y2="5787"/>
+                      </a14:backgroundRemoval>
+                    </a14:imgEffect>
+                  </a14:imgLayer>
+                </a14:imgProps>
+              </a:ext>
+            </a:extLst>
+          </a:blip>
+          <a:stretch>
+            <a:fillRect/>
+          </a:stretch>
+        </p:blipFill>
+        <p:spPr>
+          <a:xfrm>
+            <a:off x="283740" y="130542"/>
+            <a:ext cx="11624520" cy="6596916"/>
+          </a:xfrm>
+          <a:prstGeom prst="rect">
+            <a:avLst/>
+          </a:prstGeom>
+        </p:spPr>
+      </p:pic>
+      <p:sp>
+        <p:nvSpPr>
+          <p:cNvPr id="3" name="ZoneTexte 2">
+            <a:extLst>
+              <a:ext uri="{FF2B5EF4-FFF2-40B4-BE49-F238E27FC236}">
+                <a16:creationId xmlns:a16="http://schemas.microsoft.com/office/drawing/2014/main" id="{91E886FD-E32E-4FAD-AA02-7314D4E1AE23}"/>
+              </a:ext>
+            </a:extLst>
+          </p:cNvPr>
+          <p:cNvSpPr txBox="1"/>
+          <p:nvPr/>
+        </p:nvSpPr>
+        <p:spPr>
+          <a:xfrm>
+            <a:off x="1474237" y="6204944"/>
+            <a:ext cx="4621763" cy="923330"/>
+          </a:xfrm>
+          <a:prstGeom prst="rect">
+            <a:avLst/>
+          </a:prstGeom>
+          <a:noFill/>
+        </p:spPr>
+        <p:txBody>
+          <a:bodyPr wrap="square" rtlCol="0">
+            <a:spAutoFit/>
+          </a:bodyPr>
+          <a:lstStyle/>
+          <a:p>
+            <a:r>
+              <a:rPr lang="fr-FR" dirty="0"/>
+              <a:t>Page « Gestion des emprunts »</a:t>
+            </a:r>
+          </a:p>
+          <a:p>
+            <a:endParaRPr lang="fr-FR" dirty="0"/>
+          </a:p>
+          <a:p>
+            <a:endParaRPr lang="fr-FR" dirty="0"/>
+          </a:p>
+        </p:txBody>
+      </p:sp>
+    </p:spTree>
+    <p:extLst>
+      <p:ext uri="{BB962C8B-B14F-4D97-AF65-F5344CB8AC3E}">
+        <p14:creationId xmlns:p14="http://schemas.microsoft.com/office/powerpoint/2010/main" val="4106258177"/>
+      </p:ext>
+    </p:extLst>
+  </p:cSld>
+  <p:clrMapOvr>
+    <a:masterClrMapping/>
+  </p:clrMapOvr>
+</p:sld>
+</file>
+
+<file path=ppt/slides/slide9.xml><?xml version="1.0" encoding="utf-8"?>
+<p:sld xmlns:a="http://schemas.openxmlformats.org/drawingml/2006/main" xmlns:r="http://schemas.openxmlformats.org/officeDocument/2006/relationships" xmlns:p="http://schemas.openxmlformats.org/presentationml/2006/main">
+  <p:cSld>
+    <p:bg>
+      <p:bgPr>
+        <a:solidFill>
+          <a:schemeClr val="bg2"/>
+        </a:solidFill>
+        <a:effectLst/>
+      </p:bgPr>
+    </p:bg>
+    <p:spTree>
+      <p:nvGrpSpPr>
+        <p:cNvPr id="1" name=""/>
+        <p:cNvGrpSpPr/>
+        <p:nvPr/>
+      </p:nvGrpSpPr>
+      <p:grpSpPr>
+        <a:xfrm>
+          <a:off x="0" y="0"/>
+          <a:ext cx="0" cy="0"/>
+          <a:chOff x="0" y="0"/>
+          <a:chExt cx="0" cy="0"/>
+        </a:xfrm>
+      </p:grpSpPr>
+      <p:sp>
+        <p:nvSpPr>
+          <p:cNvPr id="7" name="Freeform 6">
+            <a:extLst>
+              <a:ext uri="{FF2B5EF4-FFF2-40B4-BE49-F238E27FC236}">
+                <a16:creationId xmlns:a16="http://schemas.microsoft.com/office/drawing/2014/main" id="{E7597382-59B5-427B-9E49-55383F0A5561}"/>
+              </a:ext>
+              <a:ext uri="{C183D7F6-B498-43B3-948B-1728B52AA6E4}">
+                <adec:decorative xmlns:adec="http://schemas.microsoft.com/office/drawing/2017/decorative" val="1"/>
+              </a:ext>
+            </a:extLst>
+          </p:cNvPr>
+          <p:cNvSpPr>
+            <a:spLocks noGrp="1" noRot="1" noChangeAspect="1" noMove="1" noResize="1" noEditPoints="1" noAdjustHandles="1" noChangeArrowheads="1" noChangeShapeType="1" noTextEdit="1"/>
+          </p:cNvSpPr>
+          <p:nvPr>
+            <p:extLst>
+              <p:ext uri="{386F3935-93C4-4BCD-93E2-E3B085C9AB24}">
+                <p16:designElem xmlns:p16="http://schemas.microsoft.com/office/powerpoint/2015/main" val="1"/>
+              </p:ext>
+            </p:extLst>
+          </p:nvPr>
+        </p:nvSpPr>
+        <p:spPr bwMode="auto">
+          <a:xfrm>
+            <a:off x="0" y="-3175"/>
+            <a:ext cx="12192000" cy="6229804"/>
+          </a:xfrm>
+          <a:custGeom>
+            <a:avLst/>
+            <a:gdLst/>
+            <a:ahLst/>
+            <a:cxnLst/>
+            <a:rect l="0" t="0" r="r" b="b"/>
+            <a:pathLst>
+              <a:path w="5760" h="3278">
+                <a:moveTo>
+                  <a:pt x="5760" y="0"/>
+                </a:moveTo>
+                <a:lnTo>
+                  <a:pt x="0" y="0"/>
+                </a:lnTo>
+                <a:lnTo>
+                  <a:pt x="0" y="3090"/>
+                </a:lnTo>
+                <a:lnTo>
+                  <a:pt x="943" y="3090"/>
+                </a:lnTo>
+                <a:lnTo>
+                  <a:pt x="1123" y="3270"/>
+                </a:lnTo>
+                <a:lnTo>
+                  <a:pt x="1123" y="3270"/>
+                </a:lnTo>
+                <a:lnTo>
+                  <a:pt x="1127" y="3272"/>
+                </a:lnTo>
+                <a:lnTo>
+                  <a:pt x="1133" y="3275"/>
+                </a:lnTo>
+                <a:lnTo>
+                  <a:pt x="1139" y="3278"/>
+                </a:lnTo>
+                <a:lnTo>
+                  <a:pt x="1144" y="3278"/>
+                </a:lnTo>
+                <a:lnTo>
+                  <a:pt x="1150" y="3278"/>
+                </a:lnTo>
+                <a:lnTo>
+                  <a:pt x="1155" y="3275"/>
+                </a:lnTo>
+                <a:lnTo>
+                  <a:pt x="1161" y="3272"/>
+                </a:lnTo>
+                <a:lnTo>
+                  <a:pt x="1165" y="3270"/>
+                </a:lnTo>
+                <a:lnTo>
+                  <a:pt x="1345" y="3090"/>
+                </a:lnTo>
+                <a:lnTo>
+                  <a:pt x="5760" y="3090"/>
+                </a:lnTo>
+                <a:lnTo>
+                  <a:pt x="5760" y="0"/>
+                </a:lnTo>
+                <a:close/>
+              </a:path>
+            </a:pathLst>
+          </a:custGeom>
+          <a:ln>
+            <a:noFill/>
+          </a:ln>
+          <a:extLst>
+            <a:ext uri="{91240B29-F687-4f45-9708-019B960494DF}">
+              <a14:hiddenLine xmlns="" xmlns:a16="http://schemas.microsoft.com/office/drawing/2014/main" xmlns:p14="http://schemas.microsoft.com/office/powerpoint/2010/main" xmlns:a14="http://schemas.microsoft.com/office/drawing/2010/main" w="9525">
+                <a:solidFill>
+                  <a:srgbClr val="000000"/>
+                </a:solidFill>
+                <a:round/>
+                <a:headEnd/>
+                <a:tailEnd/>
+              </a14:hiddenLine>
+            </a:ext>
+          </a:extLst>
+        </p:spPr>
+        <p:style>
+          <a:lnRef idx="1">
+            <a:schemeClr val="accent1"/>
+          </a:lnRef>
+          <a:fillRef idx="3">
+            <a:schemeClr val="accent1"/>
+          </a:fillRef>
+          <a:effectRef idx="2">
+            <a:schemeClr val="accent1"/>
+          </a:effectRef>
+          <a:fontRef idx="minor">
+            <a:schemeClr val="lt1"/>
+          </a:fontRef>
+        </p:style>
+      </p:sp>
+      <p:sp>
+        <p:nvSpPr>
+          <p:cNvPr id="9" name="Rounded Rectangle 16">
+            <a:extLst>
+              <a:ext uri="{FF2B5EF4-FFF2-40B4-BE49-F238E27FC236}">
+                <a16:creationId xmlns:a16="http://schemas.microsoft.com/office/drawing/2014/main" id="{26471DC7-FA6E-40EF-A167-93BB0BCE16AD}"/>
+              </a:ext>
+              <a:ext uri="{C183D7F6-B498-43B3-948B-1728B52AA6E4}">
+                <adec:decorative xmlns:adec="http://schemas.microsoft.com/office/drawing/2017/decorative" val="1"/>
+              </a:ext>
+            </a:extLst>
+          </p:cNvPr>
+          <p:cNvSpPr>
+            <a:spLocks noGrp="1" noRot="1" noChangeAspect="1" noMove="1" noResize="1" noEditPoints="1" noAdjustHandles="1" noChangeArrowheads="1" noChangeShapeType="1" noTextEdit="1"/>
+          </p:cNvSpPr>
+          <p:nvPr>
+            <p:extLst>
+              <p:ext uri="{386F3935-93C4-4BCD-93E2-E3B085C9AB24}">
+                <p16:designElem xmlns:p16="http://schemas.microsoft.com/office/powerpoint/2015/main" val="1"/>
+              </p:ext>
+            </p:extLst>
+          </p:nvPr>
+        </p:nvSpPr>
+        <p:spPr>
+          <a:xfrm>
+            <a:off x="643468" y="643466"/>
+            <a:ext cx="10905066" cy="4592561"/>
+          </a:xfrm>
+          <a:prstGeom prst="roundRect">
+            <a:avLst>
+              <a:gd name="adj" fmla="val 3513"/>
+            </a:avLst>
+          </a:prstGeom>
+          <a:solidFill>
+            <a:schemeClr val="tx1"/>
+          </a:solidFill>
+          <a:ln>
+            <a:solidFill>
+              <a:schemeClr val="accent1">
+                <a:lumMod val="75000"/>
+              </a:schemeClr>
+            </a:solidFill>
+          </a:ln>
+          <a:effectLst/>
+        </p:spPr>
+        <p:style>
+          <a:lnRef idx="2">
+            <a:schemeClr val="accent1">
+              <a:shade val="50000"/>
+            </a:schemeClr>
+          </a:lnRef>
+          <a:fillRef idx="1">
+            <a:schemeClr val="accent1"/>
+          </a:fillRef>
+          <a:effectRef idx="0">
+            <a:schemeClr val="accent1"/>
+          </a:effectRef>
+          <a:fontRef idx="minor">
+            <a:schemeClr val="lt1"/>
+          </a:fontRef>
+        </p:style>
+        <p:txBody>
+          <a:bodyPr rtlCol="0" anchor="ctr"/>
+          <a:lstStyle/>
+          <a:p>
+            <a:pPr algn="ctr"/>
+            <a:endParaRPr lang="en-US"/>
+          </a:p>
+        </p:txBody>
+      </p:sp>
+      <p:pic>
+        <p:nvPicPr>
+          <p:cNvPr id="2" name="Image 1">
+            <a:extLst>
+              <a:ext uri="{FF2B5EF4-FFF2-40B4-BE49-F238E27FC236}">
+                <a16:creationId xmlns:a16="http://schemas.microsoft.com/office/drawing/2014/main" id="{ADDEFA42-3FD6-4113-A5CA-EB0F65788E59}"/>
+              </a:ext>
+            </a:extLst>
+          </p:cNvPr>
+          <p:cNvPicPr>
+            <a:picLocks noChangeAspect="1"/>
+          </p:cNvPicPr>
+          <p:nvPr/>
+        </p:nvPicPr>
+        <p:blipFill>
+          <a:blip r:embed="rId2"/>
+          <a:stretch>
+            <a:fillRect/>
+          </a:stretch>
+        </p:blipFill>
+        <p:spPr>
+          <a:xfrm>
+            <a:off x="984233" y="728907"/>
+            <a:ext cx="10223533" cy="4421678"/>
+          </a:xfrm>
+          <a:prstGeom prst="rect">
+            <a:avLst/>
+          </a:prstGeom>
+        </p:spPr>
+      </p:pic>
+      <p:sp>
+        <p:nvSpPr>
+          <p:cNvPr id="3" name="ZoneTexte 2">
+            <a:extLst>
+              <a:ext uri="{FF2B5EF4-FFF2-40B4-BE49-F238E27FC236}">
+                <a16:creationId xmlns:a16="http://schemas.microsoft.com/office/drawing/2014/main" id="{106C3486-A27C-4A24-9F02-480D20D24274}"/>
+              </a:ext>
+            </a:extLst>
+          </p:cNvPr>
+          <p:cNvSpPr txBox="1"/>
+          <p:nvPr/>
+        </p:nvSpPr>
+        <p:spPr>
+          <a:xfrm>
+            <a:off x="3303037" y="5999584"/>
+            <a:ext cx="6690049" cy="369332"/>
+          </a:xfrm>
+          <a:prstGeom prst="rect">
+            <a:avLst/>
+          </a:prstGeom>
+          <a:noFill/>
+        </p:spPr>
+        <p:txBody>
+          <a:bodyPr wrap="square" rtlCol="0">
+            <a:spAutoFit/>
+          </a:bodyPr>
+          <a:lstStyle/>
+          <a:p>
+            <a:r>
+              <a:rPr lang="fr-FR" dirty="0"/>
+              <a:t>Accès à la page « Gestion des emprunts »</a:t>
+            </a:r>
+          </a:p>
+        </p:txBody>
+      </p:sp>
+    </p:spTree>
+    <p:extLst>
+      <p:ext uri="{BB962C8B-B14F-4D97-AF65-F5344CB8AC3E}">
+        <p14:creationId xmlns:p14="http://schemas.microsoft.com/office/powerpoint/2010/main" val="1916882569"/>
       </p:ext>
     </p:extLst>
   </p:cSld>

--- a/Revue n2/Presentation du projet SFL2 (Maxime) Revue 2.pptx
+++ b/Revue n2/Presentation du projet SFL2 (Maxime) Revue 2.pptx
@@ -23,6 +23,7 @@
     <p:sldId id="271" r:id="rId17"/>
     <p:sldId id="272" r:id="rId18"/>
     <p:sldId id="273" r:id="rId19"/>
+    <p:sldId id="274" r:id="rId20"/>
   </p:sldIdLst>
   <p:sldSz cx="12192000" cy="6858000"/>
   <p:notesSz cx="6858000" cy="9144000"/>
@@ -224,7 +225,7 @@
           <a:effectLst/>
           <a:extLst>
             <a:ext uri="{91240B29-F687-4f45-9708-019B960494DF}">
-              <a14:hiddenLine xmlns:a14="http://schemas.microsoft.com/office/drawing/2010/main" xmlns="" w="9525">
+              <a14:hiddenLine xmlns="" xmlns:a14="http://schemas.microsoft.com/office/drawing/2010/main" w="9525">
                 <a:solidFill>
                   <a:srgbClr val="000000"/>
                 </a:solidFill>
@@ -417,7 +418,7 @@
             <a:fld id="{08B9EBBA-996F-894A-B54A-D6246ED52CEA}" type="datetimeFigureOut">
               <a:rPr lang="en-US" dirty="0"/>
               <a:pPr/>
-              <a:t>2/6/2019</a:t>
+              <a:t>2/8/2019</a:t>
             </a:fld>
             <a:endParaRPr lang="en-US" dirty="0"/>
           </a:p>
@@ -732,7 +733,7 @@
             <a:fld id="{18C79C5D-2A6F-F04D-97DA-BEF2467B64E4}" type="datetimeFigureOut">
               <a:rPr lang="en-US" dirty="0"/>
               <a:pPr/>
-              <a:t>2/6/2019</a:t>
+              <a:t>2/8/2019</a:t>
             </a:fld>
             <a:endParaRPr lang="en-US" dirty="0"/>
           </a:p>
@@ -1217,7 +1218,7 @@
             <a:fld id="{8DFA1846-DA80-1C48-A609-854EA85C59AD}" type="datetimeFigureOut">
               <a:rPr lang="en-US" dirty="0"/>
               <a:pPr/>
-              <a:t>2/6/2019</a:t>
+              <a:t>2/8/2019</a:t>
             </a:fld>
             <a:endParaRPr lang="en-US" dirty="0"/>
           </a:p>
@@ -1583,7 +1584,7 @@
             <a:fld id="{FBF54567-0DE4-3F47-BF90-CB84690072F9}" type="datetimeFigureOut">
               <a:rPr lang="en-US" dirty="0"/>
               <a:pPr/>
-              <a:t>2/6/2019</a:t>
+              <a:t>2/8/2019</a:t>
             </a:fld>
             <a:endParaRPr lang="en-US" dirty="0"/>
           </a:p>
@@ -1734,7 +1735,7 @@
           <a:ln/>
           <a:extLst>
             <a:ext uri="{91240B29-F687-4f45-9708-019B960494DF}">
-              <a14:hiddenLine xmlns:a14="http://schemas.microsoft.com/office/drawing/2010/main" xmlns="" w="9525">
+              <a14:hiddenLine xmlns="" xmlns:a14="http://schemas.microsoft.com/office/drawing/2010/main" w="9525">
                 <a:solidFill>
                   <a:srgbClr val="000000"/>
                 </a:solidFill>
@@ -1853,7 +1854,7 @@
             <a:fld id="{C6C52C72-DE31-F449-A4ED-4C594FD91407}" type="datetimeFigureOut">
               <a:rPr lang="en-US" dirty="0"/>
               <a:pPr/>
-              <a:t>2/6/2019</a:t>
+              <a:t>2/8/2019</a:t>
             </a:fld>
             <a:endParaRPr lang="en-US" dirty="0"/>
           </a:p>
@@ -2006,7 +2007,7 @@
           <a:ln/>
           <a:extLst>
             <a:ext uri="{91240B29-F687-4f45-9708-019B960494DF}">
-              <a14:hiddenLine xmlns:a14="http://schemas.microsoft.com/office/drawing/2010/main" xmlns="" w="9525">
+              <a14:hiddenLine xmlns="" xmlns:a14="http://schemas.microsoft.com/office/drawing/2010/main" w="9525">
                 <a:solidFill>
                   <a:srgbClr val="000000"/>
                 </a:solidFill>
@@ -2135,7 +2136,7 @@
             <a:fld id="{ED62726E-379B-B349-9EED-81ED093FA806}" type="datetimeFigureOut">
               <a:rPr lang="en-US" dirty="0"/>
               <a:pPr/>
-              <a:t>2/6/2019</a:t>
+              <a:t>2/8/2019</a:t>
             </a:fld>
             <a:endParaRPr lang="en-US" dirty="0"/>
           </a:p>
@@ -2286,7 +2287,7 @@
           <a:ln/>
           <a:extLst>
             <a:ext uri="{91240B29-F687-4f45-9708-019B960494DF}">
-              <a14:hiddenLine xmlns:a14="http://schemas.microsoft.com/office/drawing/2010/main" xmlns="" w="9525">
+              <a14:hiddenLine xmlns="" xmlns:a14="http://schemas.microsoft.com/office/drawing/2010/main" w="9525">
                 <a:solidFill>
                   <a:srgbClr val="000000"/>
                 </a:solidFill>
@@ -2415,7 +2416,7 @@
             <a:fld id="{9B3A1323-8D79-1946-B0D7-40001CF92E9D}" type="datetimeFigureOut">
               <a:rPr lang="en-US" dirty="0"/>
               <a:pPr/>
-              <a:t>2/6/2019</a:t>
+              <a:t>2/8/2019</a:t>
             </a:fld>
             <a:endParaRPr lang="en-US" dirty="0"/>
           </a:p>
@@ -2755,7 +2756,7 @@
             <a:fld id="{8DFA1846-DA80-1C48-A609-854EA85C59AD}" type="datetimeFigureOut">
               <a:rPr lang="en-US" dirty="0"/>
               <a:pPr/>
-              <a:t>2/6/2019</a:t>
+              <a:t>2/8/2019</a:t>
             </a:fld>
             <a:endParaRPr lang="en-US" dirty="0"/>
           </a:p>
@@ -2906,7 +2907,7 @@
           <a:ln/>
           <a:extLst>
             <a:ext uri="{91240B29-F687-4f45-9708-019B960494DF}">
-              <a14:hiddenLine xmlns:a14="http://schemas.microsoft.com/office/drawing/2010/main" xmlns="" w="9525">
+              <a14:hiddenLine xmlns="" xmlns:a14="http://schemas.microsoft.com/office/drawing/2010/main" w="9525">
                 <a:solidFill>
                   <a:srgbClr val="000000"/>
                 </a:solidFill>
@@ -3091,7 +3092,7 @@
             <a:fld id="{57302355-E14B-8545-A8F8-0FE83CC9D524}" type="datetimeFigureOut">
               <a:rPr lang="en-US" dirty="0"/>
               <a:pPr/>
-              <a:t>2/6/2019</a:t>
+              <a:t>2/8/2019</a:t>
             </a:fld>
             <a:endParaRPr lang="en-US" dirty="0"/>
           </a:p>
@@ -3242,7 +3243,7 @@
           <a:ln/>
           <a:extLst>
             <a:ext uri="{91240B29-F687-4f45-9708-019B960494DF}">
-              <a14:hiddenLine xmlns:a14="http://schemas.microsoft.com/office/drawing/2010/main" xmlns="" w="9525">
+              <a14:hiddenLine xmlns="" xmlns:a14="http://schemas.microsoft.com/office/drawing/2010/main" w="9525">
                 <a:solidFill>
                   <a:srgbClr val="000000"/>
                 </a:solidFill>
@@ -3565,7 +3566,7 @@
             <a:fld id="{02640F58-564D-2B4F-AE67-E407BA4FCF45}" type="datetimeFigureOut">
               <a:rPr lang="en-US" dirty="0"/>
               <a:pPr/>
-              <a:t>2/6/2019</a:t>
+              <a:t>2/8/2019</a:t>
             </a:fld>
             <a:endParaRPr lang="en-US" dirty="0"/>
           </a:p>
@@ -3716,7 +3717,7 @@
           <a:ln/>
           <a:extLst>
             <a:ext uri="{91240B29-F687-4f45-9708-019B960494DF}">
-              <a14:hiddenLine xmlns:a14="http://schemas.microsoft.com/office/drawing/2010/main" xmlns="" w="9525">
+              <a14:hiddenLine xmlns="" xmlns:a14="http://schemas.microsoft.com/office/drawing/2010/main" w="9525">
                 <a:solidFill>
                   <a:srgbClr val="000000"/>
                 </a:solidFill>
@@ -3783,7 +3784,7 @@
             <a:fld id="{F13A34C8-038E-2045-AF43-DF7DBB8E0E9E}" type="datetimeFigureOut">
               <a:rPr lang="en-US" dirty="0"/>
               <a:pPr/>
-              <a:t>2/6/2019</a:t>
+              <a:t>2/8/2019</a:t>
             </a:fld>
             <a:endParaRPr lang="en-US" dirty="0"/>
           </a:p>
@@ -3875,7 +3876,7 @@
             <a:fld id="{8818C68F-D26B-8F47-958C-23B49CF8A634}" type="datetimeFigureOut">
               <a:rPr lang="en-US" dirty="0"/>
               <a:pPr/>
-              <a:t>2/6/2019</a:t>
+              <a:t>2/8/2019</a:t>
             </a:fld>
             <a:endParaRPr lang="en-US" dirty="0"/>
           </a:p>
@@ -4139,7 +4140,7 @@
           <a:ln/>
           <a:extLst>
             <a:ext uri="{91240B29-F687-4f45-9708-019B960494DF}">
-              <a14:hiddenLine xmlns:a14="http://schemas.microsoft.com/office/drawing/2010/main" xmlns="" w="9525">
+              <a14:hiddenLine xmlns="" xmlns:a14="http://schemas.microsoft.com/office/drawing/2010/main" w="9525">
                 <a:solidFill>
                   <a:srgbClr val="000000"/>
                 </a:solidFill>
@@ -4339,7 +4340,7 @@
             <a:fld id="{D0DF5E60-9974-AC48-9591-99C2BB44B7CF}" type="datetimeFigureOut">
               <a:rPr lang="en-US" dirty="0"/>
               <a:pPr/>
-              <a:t>2/6/2019</a:t>
+              <a:t>2/8/2019</a:t>
             </a:fld>
             <a:endParaRPr lang="en-US" dirty="0"/>
           </a:p>
@@ -4649,7 +4650,7 @@
             <a:fld id="{18C79C5D-2A6F-F04D-97DA-BEF2467B64E4}" type="datetimeFigureOut">
               <a:rPr lang="en-US" dirty="0"/>
               <a:pPr/>
-              <a:t>2/6/2019</a:t>
+              <a:t>2/8/2019</a:t>
             </a:fld>
             <a:endParaRPr lang="en-US" dirty="0"/>
           </a:p>
@@ -4916,7 +4917,7 @@
             <a:fld id="{09B482E8-6E0E-1B4F-B1FD-C69DB9E858D9}" type="datetimeFigureOut">
               <a:rPr lang="en-US" dirty="0"/>
               <a:pPr/>
-              <a:t>2/6/2019</a:t>
+              <a:t>2/8/2019</a:t>
             </a:fld>
             <a:endParaRPr lang="en-US" dirty="0"/>
           </a:p>
@@ -5568,7 +5569,7 @@
           <a:effectLst/>
           <a:extLst>
             <a:ext uri="{91240B29-F687-4f45-9708-019B960494DF}">
-              <a14:hiddenLine xmlns="" xmlns:a16="http://schemas.microsoft.com/office/drawing/2014/main" xmlns:p14="http://schemas.microsoft.com/office/powerpoint/2010/main" xmlns:a14="http://schemas.microsoft.com/office/drawing/2010/main" w="9525">
+              <a14:hiddenLine xmlns:a14="http://schemas.microsoft.com/office/drawing/2010/main" xmlns:p14="http://schemas.microsoft.com/office/powerpoint/2010/main" xmlns:a16="http://schemas.microsoft.com/office/drawing/2014/main" xmlns="" w="9525">
                 <a:solidFill>
                   <a:srgbClr val="000000"/>
                 </a:solidFill>
@@ -6137,7 +6138,7 @@
           </a:ln>
           <a:extLst>
             <a:ext uri="{91240B29-F687-4f45-9708-019B960494DF}">
-              <a14:hiddenLine xmlns="" xmlns:a16="http://schemas.microsoft.com/office/drawing/2014/main" xmlns:p14="http://schemas.microsoft.com/office/powerpoint/2010/main" xmlns:a14="http://schemas.microsoft.com/office/drawing/2010/main" w="9525">
+              <a14:hiddenLine xmlns:a14="http://schemas.microsoft.com/office/drawing/2010/main" xmlns:p14="http://schemas.microsoft.com/office/powerpoint/2010/main" xmlns:a16="http://schemas.microsoft.com/office/drawing/2014/main" xmlns="" w="9525">
                 <a:solidFill>
                   <a:srgbClr val="000000"/>
                 </a:solidFill>
@@ -6787,7 +6788,7 @@
           <a:effectLst/>
           <a:extLst>
             <a:ext uri="{91240B29-F687-4f45-9708-019B960494DF}">
-              <a14:hiddenLine xmlns="" xmlns:a16="http://schemas.microsoft.com/office/drawing/2014/main" xmlns:p14="http://schemas.microsoft.com/office/powerpoint/2010/main" xmlns:a14="http://schemas.microsoft.com/office/drawing/2010/main" w="9525">
+              <a14:hiddenLine xmlns:a14="http://schemas.microsoft.com/office/drawing/2010/main" xmlns:p14="http://schemas.microsoft.com/office/powerpoint/2010/main" xmlns:a16="http://schemas.microsoft.com/office/drawing/2014/main" xmlns="" w="9525">
                 <a:solidFill>
                   <a:srgbClr val="000000"/>
                 </a:solidFill>
@@ -7335,7 +7336,7 @@
           <a:effectLst/>
           <a:extLst>
             <a:ext uri="{91240B29-F687-4f45-9708-019B960494DF}">
-              <a14:hiddenLine xmlns="" xmlns:a16="http://schemas.microsoft.com/office/drawing/2014/main" xmlns:p14="http://schemas.microsoft.com/office/powerpoint/2010/main" xmlns:a14="http://schemas.microsoft.com/office/drawing/2010/main" w="9525">
+              <a14:hiddenLine xmlns:a14="http://schemas.microsoft.com/office/drawing/2010/main" xmlns:p14="http://schemas.microsoft.com/office/powerpoint/2010/main" xmlns:a16="http://schemas.microsoft.com/office/drawing/2014/main" xmlns="" w="9525">
                 <a:solidFill>
                   <a:srgbClr val="000000"/>
                 </a:solidFill>
@@ -7881,7 +7882,7 @@
           <a:effectLst/>
           <a:extLst>
             <a:ext uri="{91240B29-F687-4f45-9708-019B960494DF}">
-              <a14:hiddenLine xmlns="" xmlns:a16="http://schemas.microsoft.com/office/drawing/2014/main" xmlns:p14="http://schemas.microsoft.com/office/powerpoint/2010/main" xmlns:a14="http://schemas.microsoft.com/office/drawing/2010/main" w="9525">
+              <a14:hiddenLine xmlns:a14="http://schemas.microsoft.com/office/drawing/2010/main" xmlns:p14="http://schemas.microsoft.com/office/powerpoint/2010/main" xmlns:a16="http://schemas.microsoft.com/office/drawing/2014/main" xmlns="" w="9525">
                 <a:solidFill>
                   <a:srgbClr val="000000"/>
                 </a:solidFill>
@@ -8611,7 +8612,7 @@
           <a:effectLst/>
           <a:extLst>
             <a:ext uri="{91240B29-F687-4f45-9708-019B960494DF}">
-              <a14:hiddenLine xmlns="" xmlns:a16="http://schemas.microsoft.com/office/drawing/2014/main" xmlns:p14="http://schemas.microsoft.com/office/powerpoint/2010/main" xmlns:a14="http://schemas.microsoft.com/office/drawing/2010/main" w="9525">
+              <a14:hiddenLine xmlns:a14="http://schemas.microsoft.com/office/drawing/2010/main" xmlns:p14="http://schemas.microsoft.com/office/powerpoint/2010/main" xmlns:a16="http://schemas.microsoft.com/office/drawing/2014/main" xmlns="" w="9525">
                 <a:solidFill>
                   <a:srgbClr val="000000"/>
                 </a:solidFill>
@@ -9160,7 +9161,7 @@
           <a:effectLst/>
           <a:extLst>
             <a:ext uri="{91240B29-F687-4f45-9708-019B960494DF}">
-              <a14:hiddenLine xmlns="" xmlns:a16="http://schemas.microsoft.com/office/drawing/2014/main" xmlns:p14="http://schemas.microsoft.com/office/powerpoint/2010/main" xmlns:a14="http://schemas.microsoft.com/office/drawing/2010/main" w="9525">
+              <a14:hiddenLine xmlns:a14="http://schemas.microsoft.com/office/drawing/2010/main" xmlns:p14="http://schemas.microsoft.com/office/powerpoint/2010/main" xmlns:a16="http://schemas.microsoft.com/office/drawing/2014/main" xmlns="" w="9525">
                 <a:solidFill>
                   <a:srgbClr val="000000"/>
                 </a:solidFill>
@@ -9582,6 +9583,246 @@
   </p:cSld>
   <p:clrMapOvr>
     <a:overrideClrMapping bg1="lt1" tx1="dk1" bg2="lt2" tx2="dk2" accent1="accent1" accent2="accent2" accent3="accent3" accent4="accent4" accent5="accent5" accent6="accent6" hlink="hlink" folHlink="folHlink"/>
+  </p:clrMapOvr>
+</p:sld>
+</file>
+
+<file path=ppt/slides/slide19.xml><?xml version="1.0" encoding="utf-8"?>
+<p:sld xmlns:a="http://schemas.openxmlformats.org/drawingml/2006/main" xmlns:r="http://schemas.openxmlformats.org/officeDocument/2006/relationships" xmlns:p="http://schemas.openxmlformats.org/presentationml/2006/main">
+  <p:cSld>
+    <p:bg>
+      <p:bgPr>
+        <a:solidFill>
+          <a:schemeClr val="bg2"/>
+        </a:solidFill>
+        <a:effectLst/>
+      </p:bgPr>
+    </p:bg>
+    <p:spTree>
+      <p:nvGrpSpPr>
+        <p:cNvPr id="1" name=""/>
+        <p:cNvGrpSpPr/>
+        <p:nvPr/>
+      </p:nvGrpSpPr>
+      <p:grpSpPr>
+        <a:xfrm>
+          <a:off x="0" y="0"/>
+          <a:ext cx="0" cy="0"/>
+          <a:chOff x="0" y="0"/>
+          <a:chExt cx="0" cy="0"/>
+        </a:xfrm>
+      </p:grpSpPr>
+      <p:sp>
+        <p:nvSpPr>
+          <p:cNvPr id="8" name="Freeform 6">
+            <a:extLst>
+              <a:ext uri="{FF2B5EF4-FFF2-40B4-BE49-F238E27FC236}">
+                <a16:creationId xmlns:a16="http://schemas.microsoft.com/office/drawing/2014/main" id="{D004E336-8E93-46FD-A7CD-2D15E010988F}"/>
+              </a:ext>
+              <a:ext uri="{C183D7F6-B498-43B3-948B-1728B52AA6E4}">
+                <adec:decorative xmlns:adec="http://schemas.microsoft.com/office/drawing/2017/decorative" val="1"/>
+              </a:ext>
+            </a:extLst>
+          </p:cNvPr>
+          <p:cNvSpPr>
+            <a:spLocks noGrp="1" noRot="1" noChangeAspect="1" noMove="1" noResize="1" noEditPoints="1" noAdjustHandles="1" noChangeArrowheads="1" noChangeShapeType="1" noTextEdit="1"/>
+          </p:cNvSpPr>
+          <p:nvPr>
+            <p:extLst>
+              <p:ext uri="{386F3935-93C4-4BCD-93E2-E3B085C9AB24}">
+                <p16:designElem xmlns:p16="http://schemas.microsoft.com/office/powerpoint/2015/main" val="1"/>
+              </p:ext>
+            </p:extLst>
+          </p:nvPr>
+        </p:nvSpPr>
+        <p:spPr bwMode="auto">
+          <a:xfrm>
+            <a:off x="10886" y="-3175"/>
+            <a:ext cx="12192000" cy="6229804"/>
+          </a:xfrm>
+          <a:custGeom>
+            <a:avLst/>
+            <a:gdLst/>
+            <a:ahLst/>
+            <a:cxnLst/>
+            <a:rect l="0" t="0" r="r" b="b"/>
+            <a:pathLst>
+              <a:path w="5760" h="3278">
+                <a:moveTo>
+                  <a:pt x="5760" y="0"/>
+                </a:moveTo>
+                <a:lnTo>
+                  <a:pt x="0" y="0"/>
+                </a:lnTo>
+                <a:lnTo>
+                  <a:pt x="0" y="3090"/>
+                </a:lnTo>
+                <a:lnTo>
+                  <a:pt x="943" y="3090"/>
+                </a:lnTo>
+                <a:lnTo>
+                  <a:pt x="1123" y="3270"/>
+                </a:lnTo>
+                <a:lnTo>
+                  <a:pt x="1123" y="3270"/>
+                </a:lnTo>
+                <a:lnTo>
+                  <a:pt x="1127" y="3272"/>
+                </a:lnTo>
+                <a:lnTo>
+                  <a:pt x="1133" y="3275"/>
+                </a:lnTo>
+                <a:lnTo>
+                  <a:pt x="1139" y="3278"/>
+                </a:lnTo>
+                <a:lnTo>
+                  <a:pt x="1144" y="3278"/>
+                </a:lnTo>
+                <a:lnTo>
+                  <a:pt x="1150" y="3278"/>
+                </a:lnTo>
+                <a:lnTo>
+                  <a:pt x="1155" y="3275"/>
+                </a:lnTo>
+                <a:lnTo>
+                  <a:pt x="1161" y="3272"/>
+                </a:lnTo>
+                <a:lnTo>
+                  <a:pt x="1165" y="3270"/>
+                </a:lnTo>
+                <a:lnTo>
+                  <a:pt x="1345" y="3090"/>
+                </a:lnTo>
+                <a:lnTo>
+                  <a:pt x="5760" y="3090"/>
+                </a:lnTo>
+                <a:lnTo>
+                  <a:pt x="5760" y="0"/>
+                </a:lnTo>
+                <a:close/>
+              </a:path>
+            </a:pathLst>
+          </a:custGeom>
+          <a:solidFill>
+            <a:srgbClr val="FFFFFF"/>
+          </a:solidFill>
+          <a:ln/>
+          <a:effectLst/>
+          <a:extLst>
+            <a:ext uri="{91240B29-F687-4f45-9708-019B960494DF}">
+              <a14:hiddenLine xmlns="" xmlns:a16="http://schemas.microsoft.com/office/drawing/2014/main" xmlns:p14="http://schemas.microsoft.com/office/powerpoint/2010/main" xmlns:a14="http://schemas.microsoft.com/office/drawing/2010/main" w="9525">
+                <a:solidFill>
+                  <a:srgbClr val="000000"/>
+                </a:solidFill>
+                <a:round/>
+                <a:headEnd/>
+                <a:tailEnd/>
+              </a14:hiddenLine>
+            </a:ext>
+          </a:extLst>
+        </p:spPr>
+        <p:style>
+          <a:lnRef idx="1">
+            <a:schemeClr val="accent1"/>
+          </a:lnRef>
+          <a:fillRef idx="3">
+            <a:schemeClr val="accent1"/>
+          </a:fillRef>
+          <a:effectRef idx="2">
+            <a:schemeClr val="accent1"/>
+          </a:effectRef>
+          <a:fontRef idx="minor">
+            <a:schemeClr val="lt1"/>
+          </a:fontRef>
+        </p:style>
+      </p:sp>
+      <p:pic>
+        <p:nvPicPr>
+          <p:cNvPr id="3" name="Image 2" descr="Une image contenant texte&#10;&#10;Description générée automatiquement">
+            <a:extLst>
+              <a:ext uri="{FF2B5EF4-FFF2-40B4-BE49-F238E27FC236}">
+                <a16:creationId xmlns:a16="http://schemas.microsoft.com/office/drawing/2014/main" id="{F58A461B-247F-4D48-8EBE-89CA0733F3BF}"/>
+              </a:ext>
+            </a:extLst>
+          </p:cNvPr>
+          <p:cNvPicPr>
+            <a:picLocks noChangeAspect="1"/>
+          </p:cNvPicPr>
+          <p:nvPr/>
+        </p:nvPicPr>
+        <p:blipFill rotWithShape="1">
+          <a:blip r:embed="rId2"/>
+          <a:srcRect r="3345"/>
+          <a:stretch/>
+        </p:blipFill>
+        <p:spPr>
+          <a:xfrm>
+            <a:off x="10886" y="251927"/>
+            <a:ext cx="12136510" cy="5493452"/>
+          </a:xfrm>
+          <a:prstGeom prst="rect">
+            <a:avLst/>
+          </a:prstGeom>
+        </p:spPr>
+      </p:pic>
+      <p:sp>
+        <p:nvSpPr>
+          <p:cNvPr id="5" name="ZoneTexte 4">
+            <a:extLst>
+              <a:ext uri="{FF2B5EF4-FFF2-40B4-BE49-F238E27FC236}">
+                <a16:creationId xmlns:a16="http://schemas.microsoft.com/office/drawing/2014/main" id="{08756166-CDD4-471B-A34C-8E1964CC4AB5}"/>
+              </a:ext>
+            </a:extLst>
+          </p:cNvPr>
+          <p:cNvSpPr txBox="1"/>
+          <p:nvPr/>
+        </p:nvSpPr>
+        <p:spPr>
+          <a:xfrm>
+            <a:off x="4622298" y="5913356"/>
+            <a:ext cx="10474633" cy="1385434"/>
+          </a:xfrm>
+          <a:prstGeom prst="rect">
+            <a:avLst/>
+          </a:prstGeom>
+        </p:spPr>
+        <p:txBody>
+          <a:bodyPr vert="horz" lIns="91440" tIns="45720" rIns="91440" bIns="45720" rtlCol="0" anchor="t">
+            <a:normAutofit/>
+          </a:bodyPr>
+          <a:lstStyle/>
+          <a:p>
+            <a:pPr>
+              <a:spcBef>
+                <a:spcPct val="0"/>
+              </a:spcBef>
+              <a:spcAft>
+                <a:spcPts val="600"/>
+              </a:spcAft>
+            </a:pPr>
+            <a:r>
+              <a:rPr lang="en-US" sz="4400" b="1" dirty="0">
+                <a:solidFill>
+                  <a:srgbClr val="FEFEFE"/>
+                </a:solidFill>
+                <a:latin typeface="+mj-lt"/>
+                <a:ea typeface="+mj-ea"/>
+                <a:cs typeface="+mj-cs"/>
+              </a:rPr>
+              <a:t>Gantt</a:t>
+            </a:r>
+          </a:p>
+        </p:txBody>
+      </p:sp>
+    </p:spTree>
+    <p:extLst>
+      <p:ext uri="{BB962C8B-B14F-4D97-AF65-F5344CB8AC3E}">
+        <p14:creationId xmlns:p14="http://schemas.microsoft.com/office/powerpoint/2010/main" val="613262227"/>
+      </p:ext>
+    </p:extLst>
+  </p:cSld>
+  <p:clrMapOvr>
+    <a:masterClrMapping/>
   </p:clrMapOvr>
 </p:sld>
 </file>
@@ -10859,7 +11100,7 @@
           </a:ln>
           <a:extLst>
             <a:ext uri="{91240B29-F687-4f45-9708-019B960494DF}">
-              <a14:hiddenLine xmlns="" xmlns:a16="http://schemas.microsoft.com/office/drawing/2014/main" xmlns:p14="http://schemas.microsoft.com/office/powerpoint/2010/main" xmlns:a14="http://schemas.microsoft.com/office/drawing/2010/main" w="9525">
+              <a14:hiddenLine xmlns:a14="http://schemas.microsoft.com/office/drawing/2010/main" xmlns:p14="http://schemas.microsoft.com/office/powerpoint/2010/main" xmlns:a16="http://schemas.microsoft.com/office/drawing/2014/main" xmlns="" w="9525">
                 <a:solidFill>
                   <a:srgbClr val="000000"/>
                 </a:solidFill>
@@ -11565,7 +11806,7 @@
           </a:ln>
           <a:extLst>
             <a:ext uri="{91240B29-F687-4f45-9708-019B960494DF}">
-              <a14:hiddenLine xmlns="" xmlns:a16="http://schemas.microsoft.com/office/drawing/2014/main" xmlns:p14="http://schemas.microsoft.com/office/powerpoint/2010/main" xmlns:a14="http://schemas.microsoft.com/office/drawing/2010/main" w="9525">
+              <a14:hiddenLine xmlns:a14="http://schemas.microsoft.com/office/drawing/2010/main" xmlns:p14="http://schemas.microsoft.com/office/powerpoint/2010/main" xmlns:a16="http://schemas.microsoft.com/office/drawing/2014/main" xmlns="" w="9525">
                 <a:solidFill>
                   <a:srgbClr val="000000"/>
                 </a:solidFill>
@@ -12210,7 +12451,7 @@
           </a:ln>
           <a:extLst>
             <a:ext uri="{91240B29-F687-4f45-9708-019B960494DF}">
-              <a14:hiddenLine xmlns="" xmlns:a16="http://schemas.microsoft.com/office/drawing/2014/main" xmlns:p14="http://schemas.microsoft.com/office/powerpoint/2010/main" xmlns:a14="http://schemas.microsoft.com/office/drawing/2010/main" w="9525">
+              <a14:hiddenLine xmlns:a14="http://schemas.microsoft.com/office/drawing/2010/main" xmlns:p14="http://schemas.microsoft.com/office/powerpoint/2010/main" xmlns:a16="http://schemas.microsoft.com/office/drawing/2014/main" xmlns="" w="9525">
                 <a:solidFill>
                   <a:srgbClr val="000000"/>
                 </a:solidFill>
